--- a/webpayment.resources/docs/webpay-card-payment-statediagram.pptx
+++ b/webpayment.resources/docs/webpay-card-payment-statediagram.pptx
@@ -973,7 +973,7 @@
         </p:nvCxnSpPr>
         <p:spPr>
           <a:xfrm flipH="1">
-            <a:off x="2479005" y="11534345"/>
+            <a:off x="2479005" y="11678237"/>
             <a:ext cx="4680000" cy="0"/>
           </a:xfrm>
           <a:prstGeom prst="straightConnector1">
@@ -11656,7 +11656,7 @@
         </p:nvCxnSpPr>
         <p:spPr>
           <a:xfrm>
-            <a:off x="1328880" y="15274654"/>
+            <a:off x="1328880" y="15418546"/>
             <a:ext cx="1131700" cy="216"/>
           </a:xfrm>
           <a:prstGeom prst="straightConnector1">
@@ -13379,7 +13379,7 @@
         </p:nvSpPr>
         <p:spPr>
           <a:xfrm>
-            <a:off x="1356728" y="15073278"/>
+            <a:off x="1356728" y="15217170"/>
             <a:ext cx="1043876" cy="195814"/>
           </a:xfrm>
           <a:prstGeom prst="rect">
@@ -13466,8 +13466,8 @@
         </p:nvSpPr>
         <p:spPr>
           <a:xfrm>
-            <a:off x="7159525" y="10021589"/>
-            <a:ext cx="1534380" cy="404039"/>
+            <a:off x="7039392" y="10021589"/>
+            <a:ext cx="1745981" cy="550962"/>
           </a:xfrm>
           <a:prstGeom prst="snip2DiagRect">
             <a:avLst/>
@@ -13497,11 +13497,100 @@
           <a:lstStyle/>
           <a:p>
             <a:r>
+              <a:rPr lang="en-US" sz="800" dirty="0">
+                <a:latin typeface="Lucida Sans Unicode"/>
+                <a:cs typeface="Lucida Sans Unicode"/>
+              </a:rPr>
+              <a:t>∙</a:t>
+            </a:r>
+            <a:r>
+              <a:rPr lang="en-US" sz="800" i="1" dirty="0" smtClean="0">
+                <a:latin typeface="Lucida Sans Unicode"/>
+                <a:cs typeface="Lucida Sans Unicode"/>
+              </a:rPr>
+              <a:t> </a:t>
+            </a:r>
+            <a:r>
               <a:rPr lang="en-US" sz="800" i="1" dirty="0" smtClean="0">
                 <a:latin typeface="Arial" panose="020B0604020202020204" pitchFamily="34" charset="0"/>
                 <a:cs typeface="Arial" panose="020B0604020202020204" pitchFamily="34" charset="0"/>
               </a:rPr>
-              <a:t>Hooking into the local bank payment backend</a:t>
+              <a:t>Decrypting </a:t>
+            </a:r>
+            <a:r>
+              <a:rPr lang="en-US" sz="800" dirty="0" err="1" smtClean="0">
+                <a:latin typeface="Arial" panose="020B0604020202020204" pitchFamily="34" charset="0"/>
+                <a:cs typeface="Arial" panose="020B0604020202020204" pitchFamily="34" charset="0"/>
+              </a:rPr>
+              <a:t>authorizationData</a:t>
+            </a:r>
+            <a:r>
+              <a:rPr lang="en-US" sz="800" i="1" dirty="0" smtClean="0">
+                <a:latin typeface="Arial" panose="020B0604020202020204" pitchFamily="34" charset="0"/>
+                <a:cs typeface="Arial" panose="020B0604020202020204" pitchFamily="34" charset="0"/>
+              </a:rPr>
+              <a:t/>
+            </a:r>
+            <a:br>
+              <a:rPr lang="en-US" sz="800" i="1" dirty="0" smtClean="0">
+                <a:latin typeface="Arial" panose="020B0604020202020204" pitchFamily="34" charset="0"/>
+                <a:cs typeface="Arial" panose="020B0604020202020204" pitchFamily="34" charset="0"/>
+              </a:rPr>
+            </a:br>
+            <a:r>
+              <a:rPr lang="en-US" sz="800" dirty="0">
+                <a:latin typeface="Lucida Sans Unicode"/>
+                <a:cs typeface="Lucida Sans Unicode"/>
+              </a:rPr>
+              <a:t>∙</a:t>
+            </a:r>
+            <a:r>
+              <a:rPr lang="en-US" sz="800" i="1" dirty="0">
+                <a:latin typeface="Lucida Sans Unicode"/>
+                <a:cs typeface="Lucida Sans Unicode"/>
+              </a:rPr>
+              <a:t> </a:t>
+            </a:r>
+            <a:r>
+              <a:rPr lang="en-US" sz="800" i="1" dirty="0" smtClean="0">
+                <a:latin typeface="Arial" panose="020B0604020202020204" pitchFamily="34" charset="0"/>
+                <a:cs typeface="Arial" panose="020B0604020202020204" pitchFamily="34" charset="0"/>
+              </a:rPr>
+              <a:t>Hooking </a:t>
+            </a:r>
+            <a:r>
+              <a:rPr lang="en-US" sz="800" i="1" dirty="0" smtClean="0">
+                <a:latin typeface="Arial" panose="020B0604020202020204" pitchFamily="34" charset="0"/>
+                <a:cs typeface="Arial" panose="020B0604020202020204" pitchFamily="34" charset="0"/>
+              </a:rPr>
+              <a:t>into the local </a:t>
+            </a:r>
+            <a:r>
+              <a:rPr lang="en-US" sz="800" i="1" dirty="0" smtClean="0">
+                <a:latin typeface="Arial" panose="020B0604020202020204" pitchFamily="34" charset="0"/>
+                <a:cs typeface="Arial" panose="020B0604020202020204" pitchFamily="34" charset="0"/>
+              </a:rPr>
+              <a:t>bank</a:t>
+            </a:r>
+            <a:br>
+              <a:rPr lang="en-US" sz="800" i="1" dirty="0" smtClean="0">
+                <a:latin typeface="Arial" panose="020B0604020202020204" pitchFamily="34" charset="0"/>
+                <a:cs typeface="Arial" panose="020B0604020202020204" pitchFamily="34" charset="0"/>
+              </a:rPr>
+            </a:br>
+            <a:r>
+              <a:rPr lang="en-US" sz="800" i="1" dirty="0" smtClean="0">
+                <a:latin typeface="Arial" panose="020B0604020202020204" pitchFamily="34" charset="0"/>
+                <a:cs typeface="Arial" panose="020B0604020202020204" pitchFamily="34" charset="0"/>
+              </a:rPr>
+              <a:t>   </a:t>
+            </a:r>
+            <a:r>
+              <a:rPr lang="en-US" sz="800" i="1" dirty="0" smtClean="0">
+                <a:latin typeface="Arial" panose="020B0604020202020204" pitchFamily="34" charset="0"/>
+                <a:cs typeface="Arial" panose="020B0604020202020204" pitchFamily="34" charset="0"/>
+              </a:rPr>
+              <a:t>payment backend</a:t>
             </a:r>
             <a:r>
               <a:rPr lang="en-US" sz="800" dirty="0" smtClean="0">
@@ -14143,41 +14232,27 @@
                 <a:latin typeface="Arial" panose="020B0604020202020204" pitchFamily="34" charset="0"/>
                 <a:cs typeface="Arial" panose="020B0604020202020204" pitchFamily="34" charset="0"/>
               </a:rPr>
-              <a:t>Encrypt</a:t>
+              <a:t>Encrypt the authorized request</a:t>
+            </a:r>
+            <a:br>
+              <a:rPr lang="en-US" sz="700" i="1" dirty="0" smtClean="0">
+                <a:latin typeface="Arial" panose="020B0604020202020204" pitchFamily="34" charset="0"/>
+                <a:cs typeface="Arial" panose="020B0604020202020204" pitchFamily="34" charset="0"/>
+              </a:rPr>
+            </a:br>
+            <a:r>
+              <a:rPr lang="en-US" sz="700" i="1" dirty="0" smtClean="0">
+                <a:latin typeface="Arial" panose="020B0604020202020204" pitchFamily="34" charset="0"/>
+                <a:cs typeface="Arial" panose="020B0604020202020204" pitchFamily="34" charset="0"/>
+              </a:rPr>
+              <a:t>above using a Payment Provider public RSA or ECDH key </a:t>
             </a:r>
             <a:r>
               <a:rPr lang="en-US" sz="700" dirty="0" smtClean="0">
                 <a:latin typeface="Arial" panose="020B0604020202020204" pitchFamily="34" charset="0"/>
                 <a:cs typeface="Arial" panose="020B0604020202020204" pitchFamily="34" charset="0"/>
               </a:rPr>
-              <a:t> the </a:t>
-            </a:r>
-            <a:r>
-              <a:rPr lang="en-US" sz="700" i="1" dirty="0" smtClean="0">
-                <a:latin typeface="Arial" panose="020B0604020202020204" pitchFamily="34" charset="0"/>
-                <a:cs typeface="Arial" panose="020B0604020202020204" pitchFamily="34" charset="0"/>
-              </a:rPr>
-              <a:t>authorized</a:t>
-            </a:r>
-            <a:r>
-              <a:rPr lang="en-US" sz="700" dirty="0" smtClean="0">
-                <a:latin typeface="Arial" panose="020B0604020202020204" pitchFamily="34" charset="0"/>
-                <a:cs typeface="Arial" panose="020B0604020202020204" pitchFamily="34" charset="0"/>
-              </a:rPr>
-              <a:t> request</a:t>
-            </a:r>
-            <a:br>
-              <a:rPr lang="en-US" sz="700" dirty="0" smtClean="0">
-                <a:latin typeface="Arial" panose="020B0604020202020204" pitchFamily="34" charset="0"/>
-                <a:cs typeface="Arial" panose="020B0604020202020204" pitchFamily="34" charset="0"/>
-              </a:rPr>
-            </a:br>
-            <a:r>
-              <a:rPr lang="en-US" sz="700" dirty="0" smtClean="0">
-                <a:latin typeface="Arial" panose="020B0604020202020204" pitchFamily="34" charset="0"/>
-                <a:cs typeface="Arial" panose="020B0604020202020204" pitchFamily="34" charset="0"/>
-              </a:rPr>
-              <a:t>above using a Payment Provider public RSA or ECDH key ◄</a:t>
+              <a:t>◄</a:t>
             </a:r>
             <a:endParaRPr lang="en-US" sz="700" dirty="0">
               <a:latin typeface="Arial" panose="020B0604020202020204" pitchFamily="34" charset="0"/>
@@ -14880,7 +14955,7 @@
         </p:nvCxnSpPr>
         <p:spPr>
           <a:xfrm flipV="1">
-            <a:off x="2459903" y="15274023"/>
+            <a:off x="2459903" y="15417915"/>
             <a:ext cx="1690332" cy="756"/>
           </a:xfrm>
           <a:prstGeom prst="line">
@@ -14917,7 +14992,7 @@
         </p:nvSpPr>
         <p:spPr>
           <a:xfrm>
-            <a:off x="4124593" y="15229589"/>
+            <a:off x="4124593" y="15373481"/>
             <a:ext cx="85326" cy="90380"/>
           </a:xfrm>
           <a:prstGeom prst="ellipse">
@@ -14961,7 +15036,7 @@
         </p:nvSpPr>
         <p:spPr>
           <a:xfrm>
-            <a:off x="2665429" y="15113770"/>
+            <a:off x="2665429" y="15257662"/>
             <a:ext cx="1324080" cy="123111"/>
           </a:xfrm>
           <a:prstGeom prst="rect">
@@ -15671,7 +15746,7 @@
         </p:nvSpPr>
         <p:spPr>
           <a:xfrm>
-            <a:off x="2592685" y="11344226"/>
+            <a:off x="2592685" y="11488118"/>
             <a:ext cx="1476934" cy="153888"/>
           </a:xfrm>
           <a:prstGeom prst="rect">
@@ -15751,7 +15826,7 @@
         <p:spPr>
           <a:xfrm>
             <a:off x="1807755" y="8599433"/>
-            <a:ext cx="1295512" cy="725541"/>
+            <a:ext cx="1295512" cy="973192"/>
           </a:xfrm>
           <a:prstGeom prst="rect">
             <a:avLst/>
@@ -15804,8 +15879,8 @@
         </p:nvSpPr>
         <p:spPr>
           <a:xfrm>
-            <a:off x="1799402" y="8608114"/>
-            <a:ext cx="1296144" cy="707886"/>
+            <a:off x="1800597" y="8608114"/>
+            <a:ext cx="1296144" cy="954107"/>
           </a:xfrm>
           <a:prstGeom prst="rect">
             <a:avLst/>
@@ -15830,7 +15905,46 @@
                 <a:latin typeface="Arial" panose="020B0604020202020204" pitchFamily="34" charset="0"/>
                 <a:cs typeface="Arial" panose="020B0604020202020204" pitchFamily="34" charset="0"/>
               </a:rPr>
+              <a:t> </a:t>
+            </a:r>
+            <a:r>
+              <a:rPr lang="en-US" sz="800" dirty="0" smtClean="0">
+                <a:latin typeface="Arial" panose="020B0604020202020204" pitchFamily="34" charset="0"/>
+                <a:cs typeface="Arial" panose="020B0604020202020204" pitchFamily="34" charset="0"/>
+              </a:rPr>
+              <a:t>{}</a:t>
+            </a:r>
+          </a:p>
+          <a:p>
+            <a:r>
+              <a:rPr lang="en-US" sz="800" dirty="0" err="1" smtClean="0">
+                <a:latin typeface="Arial" panose="020B0604020202020204" pitchFamily="34" charset="0"/>
+                <a:cs typeface="Arial" panose="020B0604020202020204" pitchFamily="34" charset="0"/>
+              </a:rPr>
+              <a:t>requestHash</a:t>
+            </a:r>
+            <a:r>
+              <a:rPr lang="en-US" sz="800" dirty="0" smtClean="0">
+                <a:latin typeface="Arial" panose="020B0604020202020204" pitchFamily="34" charset="0"/>
+                <a:cs typeface="Arial" panose="020B0604020202020204" pitchFamily="34" charset="0"/>
+              </a:rPr>
               <a:t> {}</a:t>
+            </a:r>
+          </a:p>
+          <a:p>
+            <a:r>
+              <a:rPr lang="en-US" sz="800" dirty="0" err="1" smtClean="0">
+                <a:latin typeface="Arial" panose="020B0604020202020204" pitchFamily="34" charset="0"/>
+                <a:cs typeface="Arial" panose="020B0604020202020204" pitchFamily="34" charset="0"/>
+              </a:rPr>
+              <a:t>accountType</a:t>
+            </a:r>
+            <a:r>
+              <a:rPr lang="en-US" sz="800" dirty="0" smtClean="0">
+                <a:latin typeface="Arial" panose="020B0604020202020204" pitchFamily="34" charset="0"/>
+                <a:cs typeface="Arial" panose="020B0604020202020204" pitchFamily="34" charset="0"/>
+              </a:rPr>
+              <a:t/>
             </a:r>
             <a:br>
               <a:rPr lang="en-US" sz="800" dirty="0" smtClean="0">
@@ -15959,7 +16073,7 @@
         </p:nvSpPr>
         <p:spPr>
           <a:xfrm>
-            <a:off x="5323321" y="11466487"/>
+            <a:off x="5323321" y="11610379"/>
             <a:ext cx="834130" cy="123111"/>
           </a:xfrm>
           <a:prstGeom prst="rect">
@@ -16047,7 +16161,7 @@
         </p:nvGrpSpPr>
         <p:grpSpPr>
           <a:xfrm>
-            <a:off x="7129189" y="10789110"/>
+            <a:off x="7129189" y="10933002"/>
             <a:ext cx="1588981" cy="1565534"/>
             <a:chOff x="7154720" y="10880071"/>
             <a:chExt cx="1588981" cy="1565534"/>
@@ -17329,7 +17443,7 @@
         </p:nvSpPr>
         <p:spPr>
           <a:xfrm>
-            <a:off x="2080856" y="11438481"/>
+            <a:off x="2080856" y="11582373"/>
             <a:ext cx="241931" cy="174281"/>
           </a:xfrm>
           <a:prstGeom prst="roundRect">
@@ -17567,8 +17681,8 @@
         </p:nvSpPr>
         <p:spPr>
           <a:xfrm>
-            <a:off x="9388869" y="13432759"/>
-            <a:ext cx="1534380" cy="404039"/>
+            <a:off x="9154939" y="13576651"/>
+            <a:ext cx="1970338" cy="550962"/>
           </a:xfrm>
           <a:prstGeom prst="snip2DiagRect">
             <a:avLst/>
@@ -17598,11 +17712,100 @@
           <a:lstStyle/>
           <a:p>
             <a:r>
+              <a:rPr lang="en-US" sz="800" dirty="0">
+                <a:latin typeface="Lucida Sans Unicode"/>
+                <a:cs typeface="Lucida Sans Unicode"/>
+              </a:rPr>
+              <a:t>∙</a:t>
+            </a:r>
+            <a:r>
+              <a:rPr lang="en-US" sz="800" i="1" dirty="0">
+                <a:latin typeface="Lucida Sans Unicode"/>
+                <a:cs typeface="Lucida Sans Unicode"/>
+              </a:rPr>
+              <a:t> </a:t>
+            </a:r>
+            <a:r>
               <a:rPr lang="en-US" sz="800" i="1" dirty="0" smtClean="0">
                 <a:latin typeface="Arial" panose="020B0604020202020204" pitchFamily="34" charset="0"/>
                 <a:cs typeface="Arial" panose="020B0604020202020204" pitchFamily="34" charset="0"/>
               </a:rPr>
-              <a:t>Hooking into the payment network backend</a:t>
+              <a:t>Decrypting </a:t>
+            </a:r>
+            <a:r>
+              <a:rPr lang="en-US" sz="800" dirty="0" err="1" smtClean="0">
+                <a:latin typeface="Arial" panose="020B0604020202020204" pitchFamily="34" charset="0"/>
+                <a:cs typeface="Arial" panose="020B0604020202020204" pitchFamily="34" charset="0"/>
+              </a:rPr>
+              <a:t>protectedAccountData</a:t>
+            </a:r>
+            <a:r>
+              <a:rPr lang="en-US" sz="800" i="1" dirty="0" smtClean="0">
+                <a:latin typeface="Arial" panose="020B0604020202020204" pitchFamily="34" charset="0"/>
+                <a:cs typeface="Arial" panose="020B0604020202020204" pitchFamily="34" charset="0"/>
+              </a:rPr>
+              <a:t> </a:t>
+            </a:r>
+            <a:br>
+              <a:rPr lang="en-US" sz="800" i="1" dirty="0" smtClean="0">
+                <a:latin typeface="Arial" panose="020B0604020202020204" pitchFamily="34" charset="0"/>
+                <a:cs typeface="Arial" panose="020B0604020202020204" pitchFamily="34" charset="0"/>
+              </a:rPr>
+            </a:br>
+            <a:r>
+              <a:rPr lang="en-US" sz="800" dirty="0">
+                <a:latin typeface="Lucida Sans Unicode"/>
+                <a:cs typeface="Lucida Sans Unicode"/>
+              </a:rPr>
+              <a:t>∙</a:t>
+            </a:r>
+            <a:r>
+              <a:rPr lang="en-US" sz="800" i="1" dirty="0">
+                <a:latin typeface="Lucida Sans Unicode"/>
+                <a:cs typeface="Lucida Sans Unicode"/>
+              </a:rPr>
+              <a:t> </a:t>
+            </a:r>
+            <a:r>
+              <a:rPr lang="en-US" sz="800" i="1" dirty="0" smtClean="0">
+                <a:latin typeface="Arial" panose="020B0604020202020204" pitchFamily="34" charset="0"/>
+                <a:cs typeface="Arial" panose="020B0604020202020204" pitchFamily="34" charset="0"/>
+              </a:rPr>
+              <a:t>Hooking </a:t>
+            </a:r>
+            <a:r>
+              <a:rPr lang="en-US" sz="800" i="1" dirty="0" smtClean="0">
+                <a:latin typeface="Arial" panose="020B0604020202020204" pitchFamily="34" charset="0"/>
+                <a:cs typeface="Arial" panose="020B0604020202020204" pitchFamily="34" charset="0"/>
+              </a:rPr>
+              <a:t>into the payment </a:t>
+            </a:r>
+            <a:r>
+              <a:rPr lang="en-US" sz="800" i="1" dirty="0" smtClean="0">
+                <a:latin typeface="Arial" panose="020B0604020202020204" pitchFamily="34" charset="0"/>
+                <a:cs typeface="Arial" panose="020B0604020202020204" pitchFamily="34" charset="0"/>
+              </a:rPr>
+              <a:t>network</a:t>
+            </a:r>
+            <a:br>
+              <a:rPr lang="en-US" sz="800" i="1" dirty="0" smtClean="0">
+                <a:latin typeface="Arial" panose="020B0604020202020204" pitchFamily="34" charset="0"/>
+                <a:cs typeface="Arial" panose="020B0604020202020204" pitchFamily="34" charset="0"/>
+              </a:rPr>
+            </a:br>
+            <a:r>
+              <a:rPr lang="en-US" sz="800" i="1" dirty="0" smtClean="0">
+                <a:latin typeface="Arial" panose="020B0604020202020204" pitchFamily="34" charset="0"/>
+                <a:cs typeface="Arial" panose="020B0604020202020204" pitchFamily="34" charset="0"/>
+              </a:rPr>
+              <a:t>   </a:t>
+            </a:r>
+            <a:r>
+              <a:rPr lang="en-US" sz="800" i="1" dirty="0" smtClean="0">
+                <a:latin typeface="Arial" panose="020B0604020202020204" pitchFamily="34" charset="0"/>
+                <a:cs typeface="Arial" panose="020B0604020202020204" pitchFamily="34" charset="0"/>
+              </a:rPr>
+              <a:t>backend</a:t>
             </a:r>
             <a:r>
               <a:rPr lang="en-US" sz="800" dirty="0" smtClean="0">
@@ -18166,7 +18369,7 @@
         </p:nvCxnSpPr>
         <p:spPr>
           <a:xfrm>
-            <a:off x="2912248" y="12802675"/>
+            <a:off x="2912248" y="12946567"/>
             <a:ext cx="7200000" cy="0"/>
           </a:xfrm>
           <a:prstGeom prst="straightConnector1">
@@ -18202,7 +18405,7 @@
         </p:nvSpPr>
         <p:spPr>
           <a:xfrm>
-            <a:off x="8620095" y="12601351"/>
+            <a:off x="8620095" y="12745243"/>
             <a:ext cx="915315" cy="153888"/>
           </a:xfrm>
           <a:prstGeom prst="rect">
@@ -18243,7 +18446,7 @@
         </p:nvSpPr>
         <p:spPr>
           <a:xfrm>
-            <a:off x="5402262" y="12735408"/>
+            <a:off x="5402262" y="12879300"/>
             <a:ext cx="678638" cy="123111"/>
           </a:xfrm>
           <a:prstGeom prst="rect">
@@ -18287,7 +18490,7 @@
         </p:nvSpPr>
         <p:spPr>
           <a:xfrm>
-            <a:off x="10271634" y="12715903"/>
+            <a:off x="10271634" y="12859795"/>
             <a:ext cx="241931" cy="174281"/>
           </a:xfrm>
           <a:prstGeom prst="roundRect">
@@ -18334,7 +18537,7 @@
         </p:nvGrpSpPr>
         <p:grpSpPr>
           <a:xfrm>
-            <a:off x="1790508" y="11932114"/>
+            <a:off x="1790508" y="12076006"/>
             <a:ext cx="1954305" cy="2361586"/>
             <a:chOff x="1838701" y="12245003"/>
             <a:chExt cx="1954305" cy="2361586"/>
@@ -18667,6 +18870,10 @@
                 </a:rPr>
                 <a:t> {}</a:t>
               </a:r>
+              <a:endParaRPr lang="en-US" sz="800" dirty="0" smtClean="0">
+                <a:latin typeface="Arial" panose="020B0604020202020204" pitchFamily="34" charset="0"/>
+                <a:cs typeface="Arial" panose="020B0604020202020204" pitchFamily="34" charset="0"/>
+              </a:endParaRPr>
             </a:p>
             <a:p>
               <a:r>
@@ -18978,7 +19185,7 @@
         </p:nvSpPr>
         <p:spPr>
           <a:xfrm>
-            <a:off x="10674974" y="12715903"/>
+            <a:off x="10674974" y="12859795"/>
             <a:ext cx="241931" cy="174281"/>
           </a:xfrm>
           <a:prstGeom prst="roundRect">
@@ -19025,7 +19232,7 @@
         </p:nvCxnSpPr>
         <p:spPr>
           <a:xfrm flipH="1">
-            <a:off x="2467726" y="14771851"/>
+            <a:off x="2467726" y="14915743"/>
             <a:ext cx="6984000" cy="0"/>
           </a:xfrm>
           <a:prstGeom prst="straightConnector1">
@@ -19061,7 +19268,7 @@
         </p:nvSpPr>
         <p:spPr>
           <a:xfrm>
-            <a:off x="2724301" y="14581732"/>
+            <a:off x="2724301" y="14725624"/>
             <a:ext cx="1087404" cy="153888"/>
           </a:xfrm>
           <a:prstGeom prst="rect">
@@ -19104,7 +19311,7 @@
         </p:nvSpPr>
         <p:spPr>
           <a:xfrm>
-            <a:off x="5312042" y="14703993"/>
+            <a:off x="5312042" y="14847885"/>
             <a:ext cx="834130" cy="123111"/>
           </a:xfrm>
           <a:prstGeom prst="rect">
@@ -19148,7 +19355,7 @@
         </p:nvSpPr>
         <p:spPr>
           <a:xfrm>
-            <a:off x="2059488" y="14675987"/>
+            <a:off x="2059488" y="14819879"/>
             <a:ext cx="241931" cy="174281"/>
           </a:xfrm>
           <a:prstGeom prst="roundRect">
@@ -19195,7 +19402,7 @@
         </p:nvGrpSpPr>
         <p:grpSpPr>
           <a:xfrm>
-            <a:off x="9385844" y="14509724"/>
+            <a:off x="9385844" y="14653616"/>
             <a:ext cx="1587201" cy="532186"/>
             <a:chOff x="9385844" y="14455402"/>
             <a:chExt cx="1587201" cy="532186"/>

--- a/webpayment.resources/docs/webpay-card-payment-statediagram.pptx
+++ b/webpayment.resources/docs/webpay-card-payment-statediagram.pptx
@@ -943,7 +943,7 @@
         <p:spPr>
           <a:xfrm>
             <a:off x="4167256" y="1668062"/>
-            <a:ext cx="0" cy="13644000"/>
+            <a:ext cx="0" cy="13716000"/>
           </a:xfrm>
           <a:prstGeom prst="line">
             <a:avLst/>
@@ -973,7 +973,7 @@
         </p:nvCxnSpPr>
         <p:spPr>
           <a:xfrm flipH="1">
-            <a:off x="2479005" y="11678237"/>
+            <a:off x="2479005" y="11405508"/>
             <a:ext cx="4680000" cy="0"/>
           </a:xfrm>
           <a:prstGeom prst="straightConnector1">
@@ -13556,21 +13556,7 @@
                 <a:latin typeface="Arial" panose="020B0604020202020204" pitchFamily="34" charset="0"/>
                 <a:cs typeface="Arial" panose="020B0604020202020204" pitchFamily="34" charset="0"/>
               </a:rPr>
-              <a:t>Hooking </a:t>
-            </a:r>
-            <a:r>
-              <a:rPr lang="en-US" sz="800" i="1" dirty="0" smtClean="0">
-                <a:latin typeface="Arial" panose="020B0604020202020204" pitchFamily="34" charset="0"/>
-                <a:cs typeface="Arial" panose="020B0604020202020204" pitchFamily="34" charset="0"/>
-              </a:rPr>
-              <a:t>into the local </a:t>
-            </a:r>
-            <a:r>
-              <a:rPr lang="en-US" sz="800" i="1" dirty="0" smtClean="0">
-                <a:latin typeface="Arial" panose="020B0604020202020204" pitchFamily="34" charset="0"/>
-                <a:cs typeface="Arial" panose="020B0604020202020204" pitchFamily="34" charset="0"/>
-              </a:rPr>
-              <a:t>bank</a:t>
+              <a:t>Hooking into the local bank</a:t>
             </a:r>
             <a:br>
               <a:rPr lang="en-US" sz="800" i="1" dirty="0" smtClean="0">
@@ -13583,14 +13569,7 @@
                 <a:latin typeface="Arial" panose="020B0604020202020204" pitchFamily="34" charset="0"/>
                 <a:cs typeface="Arial" panose="020B0604020202020204" pitchFamily="34" charset="0"/>
               </a:rPr>
-              <a:t>   </a:t>
-            </a:r>
-            <a:r>
-              <a:rPr lang="en-US" sz="800" i="1" dirty="0" smtClean="0">
-                <a:latin typeface="Arial" panose="020B0604020202020204" pitchFamily="34" charset="0"/>
-                <a:cs typeface="Arial" panose="020B0604020202020204" pitchFamily="34" charset="0"/>
-              </a:rPr>
-              <a:t>payment backend</a:t>
+              <a:t>   payment backend</a:t>
             </a:r>
             <a:r>
               <a:rPr lang="en-US" sz="800" dirty="0" smtClean="0">
@@ -15746,7 +15725,7 @@
         </p:nvSpPr>
         <p:spPr>
           <a:xfrm>
-            <a:off x="2592685" y="11488118"/>
+            <a:off x="2592685" y="11215389"/>
             <a:ext cx="1476934" cy="153888"/>
           </a:xfrm>
           <a:prstGeom prst="rect">
@@ -15905,14 +15884,7 @@
                 <a:latin typeface="Arial" panose="020B0604020202020204" pitchFamily="34" charset="0"/>
                 <a:cs typeface="Arial" panose="020B0604020202020204" pitchFamily="34" charset="0"/>
               </a:rPr>
-              <a:t> </a:t>
-            </a:r>
-            <a:r>
-              <a:rPr lang="en-US" sz="800" dirty="0" smtClean="0">
-                <a:latin typeface="Arial" panose="020B0604020202020204" pitchFamily="34" charset="0"/>
-                <a:cs typeface="Arial" panose="020B0604020202020204" pitchFamily="34" charset="0"/>
-              </a:rPr>
-              <a:t>{}</a:t>
+              <a:t> {}</a:t>
             </a:r>
           </a:p>
           <a:p>
@@ -16073,7 +16045,7 @@
         </p:nvSpPr>
         <p:spPr>
           <a:xfrm>
-            <a:off x="5323321" y="11610379"/>
+            <a:off x="5323321" y="11337650"/>
             <a:ext cx="834130" cy="123111"/>
           </a:xfrm>
           <a:prstGeom prst="rect">
@@ -16153,52 +16125,272 @@
           </a:p>
         </p:txBody>
       </p:sp>
+      <p:sp>
+        <p:nvSpPr>
+          <p:cNvPr id="396" name="Rectangle 395"/>
+          <p:cNvSpPr/>
+          <p:nvPr/>
+        </p:nvSpPr>
+        <p:spPr>
+          <a:xfrm>
+            <a:off x="7130969" y="10933002"/>
+            <a:ext cx="1587201" cy="1792398"/>
+          </a:xfrm>
+          <a:prstGeom prst="rect">
+            <a:avLst/>
+          </a:prstGeom>
+          <a:solidFill>
+            <a:schemeClr val="accent3">
+              <a:lumMod val="20000"/>
+              <a:lumOff val="80000"/>
+            </a:schemeClr>
+          </a:solidFill>
+          <a:ln w="15875">
+            <a:solidFill>
+              <a:srgbClr val="FF0000"/>
+            </a:solidFill>
+          </a:ln>
+          <a:effectLst>
+            <a:outerShdw blurRad="50800" dist="38100" dir="2700000" algn="tl" rotWithShape="0">
+              <a:prstClr val="black">
+                <a:alpha val="40000"/>
+              </a:prstClr>
+            </a:outerShdw>
+          </a:effectLst>
+        </p:spPr>
+        <p:style>
+          <a:lnRef idx="2">
+            <a:schemeClr val="accent1">
+              <a:shade val="50000"/>
+            </a:schemeClr>
+          </a:lnRef>
+          <a:fillRef idx="1">
+            <a:schemeClr val="accent1"/>
+          </a:fillRef>
+          <a:effectRef idx="0">
+            <a:schemeClr val="accent1"/>
+          </a:effectRef>
+          <a:fontRef idx="minor">
+            <a:schemeClr val="lt1"/>
+          </a:fontRef>
+        </p:style>
+        <p:txBody>
+          <a:bodyPr rtlCol="0" anchor="ctr"/>
+          <a:lstStyle/>
+          <a:p>
+            <a:endParaRPr lang="en-US" dirty="0"/>
+          </a:p>
+        </p:txBody>
+      </p:sp>
+      <p:sp>
+        <p:nvSpPr>
+          <p:cNvPr id="397" name="TextBox 396"/>
+          <p:cNvSpPr txBox="1"/>
+          <p:nvPr/>
+        </p:nvSpPr>
+        <p:spPr>
+          <a:xfrm>
+            <a:off x="7129189" y="11875288"/>
+            <a:ext cx="1303562" cy="830997"/>
+          </a:xfrm>
+          <a:prstGeom prst="rect">
+            <a:avLst/>
+          </a:prstGeom>
+          <a:noFill/>
+        </p:spPr>
+        <p:txBody>
+          <a:bodyPr wrap="none" rtlCol="0">
+            <a:spAutoFit/>
+          </a:bodyPr>
+          <a:lstStyle/>
+          <a:p>
+            <a:r>
+              <a:rPr lang="en-US" sz="800" dirty="0" err="1" smtClean="0">
+                <a:latin typeface="Arial" panose="020B0604020202020204" pitchFamily="34" charset="0"/>
+                <a:cs typeface="Arial" panose="020B0604020202020204" pitchFamily="34" charset="0"/>
+              </a:rPr>
+              <a:t>accountType</a:t>
+            </a:r>
+            <a:endParaRPr lang="en-US" sz="800" dirty="0" smtClean="0">
+              <a:latin typeface="Arial" panose="020B0604020202020204" pitchFamily="34" charset="0"/>
+              <a:cs typeface="Arial" panose="020B0604020202020204" pitchFamily="34" charset="0"/>
+            </a:endParaRPr>
+          </a:p>
+          <a:p>
+            <a:r>
+              <a:rPr lang="en-US" sz="800" dirty="0" err="1" smtClean="0">
+                <a:latin typeface="Arial" panose="020B0604020202020204" pitchFamily="34" charset="0"/>
+                <a:cs typeface="Arial" panose="020B0604020202020204" pitchFamily="34" charset="0"/>
+              </a:rPr>
+              <a:t>accountReference</a:t>
+            </a:r>
+            <a:endParaRPr lang="en-US" sz="800" dirty="0" smtClean="0">
+              <a:latin typeface="Arial" panose="020B0604020202020204" pitchFamily="34" charset="0"/>
+              <a:cs typeface="Arial" panose="020B0604020202020204" pitchFamily="34" charset="0"/>
+            </a:endParaRPr>
+          </a:p>
+          <a:p>
+            <a:r>
+              <a:rPr lang="en-US" sz="800" dirty="0" err="1" smtClean="0">
+                <a:latin typeface="Arial" panose="020B0604020202020204" pitchFamily="34" charset="0"/>
+                <a:cs typeface="Arial" panose="020B0604020202020204" pitchFamily="34" charset="0"/>
+              </a:rPr>
+              <a:t>protectedAccountData</a:t>
+            </a:r>
+            <a:r>
+              <a:rPr lang="en-US" sz="800" dirty="0" smtClean="0">
+                <a:latin typeface="Arial" panose="020B0604020202020204" pitchFamily="34" charset="0"/>
+                <a:cs typeface="Arial" panose="020B0604020202020204" pitchFamily="34" charset="0"/>
+              </a:rPr>
+              <a:t> </a:t>
+            </a:r>
+            <a:r>
+              <a:rPr lang="en-US" sz="800" dirty="0" smtClean="0">
+                <a:latin typeface="Arial" panose="020B0604020202020204" pitchFamily="34" charset="0"/>
+                <a:cs typeface="Arial" panose="020B0604020202020204" pitchFamily="34" charset="0"/>
+              </a:rPr>
+              <a:t>{}</a:t>
+            </a:r>
+          </a:p>
+          <a:p>
+            <a:r>
+              <a:rPr lang="en-US" sz="800" dirty="0" smtClean="0">
+                <a:latin typeface="Arial" panose="020B0604020202020204" pitchFamily="34" charset="0"/>
+                <a:cs typeface="Arial" panose="020B0604020202020204" pitchFamily="34" charset="0"/>
+              </a:rPr>
+              <a:t>expires</a:t>
+            </a:r>
+          </a:p>
+          <a:p>
+            <a:r>
+              <a:rPr lang="en-US" sz="800" dirty="0" smtClean="0">
+                <a:latin typeface="Arial" panose="020B0604020202020204" pitchFamily="34" charset="0"/>
+                <a:cs typeface="Arial" panose="020B0604020202020204" pitchFamily="34" charset="0"/>
+              </a:rPr>
+              <a:t>    …</a:t>
+            </a:r>
+          </a:p>
+          <a:p>
+            <a:r>
+              <a:rPr lang="en-US" sz="800" b="1" dirty="0" smtClean="0">
+                <a:solidFill>
+                  <a:schemeClr val="accent2"/>
+                </a:solidFill>
+                <a:latin typeface="Arial" panose="020B0604020202020204" pitchFamily="34" charset="0"/>
+                <a:cs typeface="Arial" panose="020B0604020202020204" pitchFamily="34" charset="0"/>
+              </a:rPr>
+              <a:t>signature</a:t>
+            </a:r>
+            <a:r>
+              <a:rPr lang="en-US" sz="800" dirty="0" smtClean="0">
+                <a:solidFill>
+                  <a:schemeClr val="accent2"/>
+                </a:solidFill>
+                <a:latin typeface="Arial" panose="020B0604020202020204" pitchFamily="34" charset="0"/>
+                <a:cs typeface="Arial" panose="020B0604020202020204" pitchFamily="34" charset="0"/>
+              </a:rPr>
+              <a:t> </a:t>
+            </a:r>
+            <a:r>
+              <a:rPr lang="en-US" sz="800" dirty="0" smtClean="0">
+                <a:latin typeface="Arial" panose="020B0604020202020204" pitchFamily="34" charset="0"/>
+                <a:cs typeface="Arial" panose="020B0604020202020204" pitchFamily="34" charset="0"/>
+              </a:rPr>
+              <a:t>{} </a:t>
+            </a:r>
+            <a:endParaRPr lang="en-US" sz="800" dirty="0">
+              <a:latin typeface="Arial" panose="020B0604020202020204" pitchFamily="34" charset="0"/>
+              <a:cs typeface="Arial" panose="020B0604020202020204" pitchFamily="34" charset="0"/>
+            </a:endParaRPr>
+          </a:p>
+        </p:txBody>
+      </p:sp>
+      <p:sp>
+        <p:nvSpPr>
+          <p:cNvPr id="398" name="TextBox 397"/>
+          <p:cNvSpPr txBox="1"/>
+          <p:nvPr/>
+        </p:nvSpPr>
+        <p:spPr>
+          <a:xfrm>
+            <a:off x="7130970" y="10940629"/>
+            <a:ext cx="1027845" cy="215444"/>
+          </a:xfrm>
+          <a:prstGeom prst="rect">
+            <a:avLst/>
+          </a:prstGeom>
+          <a:noFill/>
+        </p:spPr>
+        <p:txBody>
+          <a:bodyPr wrap="none" rtlCol="0">
+            <a:spAutoFit/>
+          </a:bodyPr>
+          <a:lstStyle/>
+          <a:p>
+            <a:r>
+              <a:rPr lang="en-US" sz="800" dirty="0" err="1" smtClean="0">
+                <a:latin typeface="Arial" panose="020B0604020202020204" pitchFamily="34" charset="0"/>
+                <a:cs typeface="Arial" panose="020B0604020202020204" pitchFamily="34" charset="0"/>
+              </a:rPr>
+              <a:t>paymentRequest</a:t>
+            </a:r>
+            <a:r>
+              <a:rPr lang="en-US" sz="800" dirty="0">
+                <a:latin typeface="Arial" panose="020B0604020202020204" pitchFamily="34" charset="0"/>
+                <a:cs typeface="Arial" panose="020B0604020202020204" pitchFamily="34" charset="0"/>
+              </a:rPr>
+              <a:t> </a:t>
+            </a:r>
+            <a:r>
+              <a:rPr lang="en-US" sz="800" dirty="0" smtClean="0">
+                <a:latin typeface="Arial" panose="020B0604020202020204" pitchFamily="34" charset="0"/>
+                <a:cs typeface="Arial" panose="020B0604020202020204" pitchFamily="34" charset="0"/>
+              </a:rPr>
+              <a:t>{</a:t>
+            </a:r>
+            <a:endParaRPr lang="en-US" sz="800" dirty="0">
+              <a:latin typeface="Arial" panose="020B0604020202020204" pitchFamily="34" charset="0"/>
+              <a:cs typeface="Arial" panose="020B0604020202020204" pitchFamily="34" charset="0"/>
+            </a:endParaRPr>
+          </a:p>
+        </p:txBody>
+      </p:sp>
       <p:grpSp>
         <p:nvGrpSpPr>
-          <p:cNvPr id="395" name="Group 394"/>
+          <p:cNvPr id="399" name="Group 398"/>
           <p:cNvGrpSpPr/>
           <p:nvPr/>
         </p:nvGrpSpPr>
         <p:grpSpPr>
           <a:xfrm>
-            <a:off x="7129189" y="10933002"/>
-            <a:ext cx="1588981" cy="1565534"/>
-            <a:chOff x="7154720" y="10880071"/>
-            <a:chExt cx="1588981" cy="1565534"/>
+            <a:off x="7296496" y="11163052"/>
+            <a:ext cx="845610" cy="724495"/>
+            <a:chOff x="625283" y="3209330"/>
+            <a:chExt cx="845610" cy="724495"/>
           </a:xfrm>
         </p:grpSpPr>
         <p:sp>
           <p:nvSpPr>
-            <p:cNvPr id="396" name="Rectangle 395"/>
+            <p:cNvPr id="400" name="Rectangle 399"/>
             <p:cNvSpPr/>
             <p:nvPr/>
           </p:nvSpPr>
           <p:spPr>
             <a:xfrm>
-              <a:off x="7156500" y="10880071"/>
-              <a:ext cx="1587201" cy="1565534"/>
+              <a:off x="644080" y="3209330"/>
+              <a:ext cx="826813" cy="724495"/>
             </a:xfrm>
             <a:prstGeom prst="rect">
               <a:avLst/>
             </a:prstGeom>
             <a:solidFill>
-              <a:schemeClr val="accent3">
-                <a:lumMod val="20000"/>
-                <a:lumOff val="80000"/>
-              </a:schemeClr>
+              <a:srgbClr val="FEFEDE"/>
             </a:solidFill>
             <a:ln w="15875">
               <a:solidFill>
                 <a:srgbClr val="FF0000"/>
               </a:solidFill>
             </a:ln>
-            <a:effectLst>
-              <a:outerShdw blurRad="50800" dist="38100" dir="2700000" algn="tl" rotWithShape="0">
-                <a:prstClr val="black">
-                  <a:alpha val="40000"/>
-                </a:prstClr>
-              </a:outerShdw>
-            </a:effectLst>
           </p:spPr>
           <p:style>
             <a:lnRef idx="2">
@@ -16226,109 +16418,14 @@
         </p:sp>
         <p:sp>
           <p:nvSpPr>
-            <p:cNvPr id="397" name="TextBox 396"/>
+            <p:cNvPr id="401" name="TextBox 400"/>
             <p:cNvSpPr txBox="1"/>
             <p:nvPr/>
           </p:nvSpPr>
           <p:spPr>
             <a:xfrm>
-              <a:off x="7154720" y="11822357"/>
-              <a:ext cx="1303562" cy="584775"/>
-            </a:xfrm>
-            <a:prstGeom prst="rect">
-              <a:avLst/>
-            </a:prstGeom>
-            <a:noFill/>
-          </p:spPr>
-          <p:txBody>
-            <a:bodyPr wrap="none" rtlCol="0">
-              <a:spAutoFit/>
-            </a:bodyPr>
-            <a:lstStyle/>
-            <a:p>
-              <a:pPr>
-                <a:spcBef>
-                  <a:spcPts val="300"/>
-                </a:spcBef>
-              </a:pPr>
-              <a:r>
-                <a:rPr lang="en-US" sz="800" dirty="0" err="1" smtClean="0">
-                  <a:latin typeface="Arial" panose="020B0604020202020204" pitchFamily="34" charset="0"/>
-                  <a:cs typeface="Arial" panose="020B0604020202020204" pitchFamily="34" charset="0"/>
-                </a:rPr>
-                <a:t>protectedAccountData</a:t>
-              </a:r>
-              <a:r>
-                <a:rPr lang="en-US" sz="800" dirty="0" smtClean="0">
-                  <a:latin typeface="Arial" panose="020B0604020202020204" pitchFamily="34" charset="0"/>
-                  <a:cs typeface="Arial" panose="020B0604020202020204" pitchFamily="34" charset="0"/>
-                </a:rPr>
-                <a:t> {}</a:t>
-              </a:r>
-            </a:p>
-            <a:p>
-              <a:r>
-                <a:rPr lang="en-US" sz="800" dirty="0" smtClean="0">
-                  <a:latin typeface="Arial" panose="020B0604020202020204" pitchFamily="34" charset="0"/>
-                  <a:cs typeface="Arial" panose="020B0604020202020204" pitchFamily="34" charset="0"/>
-                </a:rPr>
-                <a:t>expires</a:t>
-              </a:r>
-            </a:p>
-            <a:p>
-              <a:r>
-                <a:rPr lang="en-US" sz="800" dirty="0" smtClean="0">
-                  <a:latin typeface="Arial" panose="020B0604020202020204" pitchFamily="34" charset="0"/>
-                  <a:cs typeface="Arial" panose="020B0604020202020204" pitchFamily="34" charset="0"/>
-                </a:rPr>
-                <a:t>    …</a:t>
-              </a:r>
-            </a:p>
-            <a:p>
-              <a:r>
-                <a:rPr lang="en-US" sz="800" b="1" dirty="0" smtClean="0">
-                  <a:solidFill>
-                    <a:schemeClr val="accent2"/>
-                  </a:solidFill>
-                  <a:latin typeface="Arial" panose="020B0604020202020204" pitchFamily="34" charset="0"/>
-                  <a:cs typeface="Arial" panose="020B0604020202020204" pitchFamily="34" charset="0"/>
-                </a:rPr>
-                <a:t>signature</a:t>
-              </a:r>
-              <a:r>
-                <a:rPr lang="en-US" sz="800" dirty="0" smtClean="0">
-                  <a:solidFill>
-                    <a:schemeClr val="accent2"/>
-                  </a:solidFill>
-                  <a:latin typeface="Arial" panose="020B0604020202020204" pitchFamily="34" charset="0"/>
-                  <a:cs typeface="Arial" panose="020B0604020202020204" pitchFamily="34" charset="0"/>
-                </a:rPr>
-                <a:t> </a:t>
-              </a:r>
-              <a:r>
-                <a:rPr lang="en-US" sz="800" dirty="0" smtClean="0">
-                  <a:latin typeface="Arial" panose="020B0604020202020204" pitchFamily="34" charset="0"/>
-                  <a:cs typeface="Arial" panose="020B0604020202020204" pitchFamily="34" charset="0"/>
-                </a:rPr>
-                <a:t>{} </a:t>
-              </a:r>
-              <a:endParaRPr lang="en-US" sz="800" dirty="0">
-                <a:latin typeface="Arial" panose="020B0604020202020204" pitchFamily="34" charset="0"/>
-                <a:cs typeface="Arial" panose="020B0604020202020204" pitchFamily="34" charset="0"/>
-              </a:endParaRPr>
-            </a:p>
-          </p:txBody>
-        </p:sp>
-        <p:sp>
-          <p:nvSpPr>
-            <p:cNvPr id="398" name="TextBox 397"/>
-            <p:cNvSpPr txBox="1"/>
-            <p:nvPr/>
-          </p:nvSpPr>
-          <p:spPr>
-            <a:xfrm>
-              <a:off x="7156501" y="10887698"/>
-              <a:ext cx="1027845" cy="215444"/>
+              <a:off x="625283" y="3209330"/>
+              <a:ext cx="772969" cy="707886"/>
             </a:xfrm>
             <a:prstGeom prst="rect">
               <a:avLst/>
@@ -16342,12 +16439,54 @@
             <a:lstStyle/>
             <a:p>
               <a:r>
-                <a:rPr lang="en-US" sz="800" dirty="0" err="1" smtClean="0">
+                <a:rPr lang="en-US" sz="800" dirty="0">
                   <a:latin typeface="Arial" panose="020B0604020202020204" pitchFamily="34" charset="0"/>
                   <a:cs typeface="Arial" panose="020B0604020202020204" pitchFamily="34" charset="0"/>
                 </a:rPr>
-                <a:t>paymentRequest</a:t>
+                <a:t>p</a:t>
               </a:r>
+              <a:r>
+                <a:rPr lang="en-US" sz="800" dirty="0" smtClean="0">
+                  <a:latin typeface="Arial" panose="020B0604020202020204" pitchFamily="34" charset="0"/>
+                  <a:cs typeface="Arial" panose="020B0604020202020204" pitchFamily="34" charset="0"/>
+                </a:rPr>
+                <a:t>ayee</a:t>
+              </a:r>
+              <a:br>
+                <a:rPr lang="en-US" sz="800" dirty="0" smtClean="0">
+                  <a:latin typeface="Arial" panose="020B0604020202020204" pitchFamily="34" charset="0"/>
+                  <a:cs typeface="Arial" panose="020B0604020202020204" pitchFamily="34" charset="0"/>
+                </a:rPr>
+              </a:br>
+              <a:r>
+                <a:rPr lang="en-US" sz="800" dirty="0">
+                  <a:latin typeface="Arial" panose="020B0604020202020204" pitchFamily="34" charset="0"/>
+                  <a:cs typeface="Arial" panose="020B0604020202020204" pitchFamily="34" charset="0"/>
+                </a:rPr>
+                <a:t>a</a:t>
+              </a:r>
+              <a:r>
+                <a:rPr lang="en-US" sz="800" dirty="0" smtClean="0">
+                  <a:latin typeface="Arial" panose="020B0604020202020204" pitchFamily="34" charset="0"/>
+                  <a:cs typeface="Arial" panose="020B0604020202020204" pitchFamily="34" charset="0"/>
+                </a:rPr>
+                <a:t>mount</a:t>
+              </a:r>
+              <a:br>
+                <a:rPr lang="en-US" sz="800" dirty="0" smtClean="0">
+                  <a:latin typeface="Arial" panose="020B0604020202020204" pitchFamily="34" charset="0"/>
+                  <a:cs typeface="Arial" panose="020B0604020202020204" pitchFamily="34" charset="0"/>
+                </a:rPr>
+              </a:br>
+              <a:r>
+                <a:rPr lang="en-US" sz="800" dirty="0" smtClean="0">
+                  <a:latin typeface="Arial" panose="020B0604020202020204" pitchFamily="34" charset="0"/>
+                  <a:cs typeface="Arial" panose="020B0604020202020204" pitchFamily="34" charset="0"/>
+                </a:rPr>
+                <a:t>currency</a:t>
+              </a:r>
+            </a:p>
+            <a:p>
               <a:r>
                 <a:rPr lang="en-US" sz="800" dirty="0">
                   <a:latin typeface="Arial" panose="020B0604020202020204" pitchFamily="34" charset="0"/>
@@ -16360,7 +16499,27 @@
                   <a:latin typeface="Arial" panose="020B0604020202020204" pitchFamily="34" charset="0"/>
                   <a:cs typeface="Arial" panose="020B0604020202020204" pitchFamily="34" charset="0"/>
                 </a:rPr>
-                <a:t>{</a:t>
+                <a:t>    …</a:t>
+              </a:r>
+              <a:br>
+                <a:rPr lang="en-US" sz="800" dirty="0" smtClean="0">
+                  <a:latin typeface="Arial" panose="020B0604020202020204" pitchFamily="34" charset="0"/>
+                  <a:cs typeface="Arial" panose="020B0604020202020204" pitchFamily="34" charset="0"/>
+                </a:rPr>
+              </a:br>
+              <a:r>
+                <a:rPr lang="en-US" sz="800" b="1" dirty="0" smtClean="0">
+                  <a:latin typeface="Arial" panose="020B0604020202020204" pitchFamily="34" charset="0"/>
+                  <a:cs typeface="Arial" panose="020B0604020202020204" pitchFamily="34" charset="0"/>
+                </a:rPr>
+                <a:t>signature</a:t>
+              </a:r>
+              <a:r>
+                <a:rPr lang="en-US" sz="800" dirty="0" smtClean="0">
+                  <a:latin typeface="Arial" panose="020B0604020202020204" pitchFamily="34" charset="0"/>
+                  <a:cs typeface="Arial" panose="020B0604020202020204" pitchFamily="34" charset="0"/>
+                </a:rPr>
+                <a:t> {}</a:t>
               </a:r>
               <a:endParaRPr lang="en-US" sz="800" dirty="0">
                 <a:latin typeface="Arial" panose="020B0604020202020204" pitchFamily="34" charset="0"/>
@@ -16369,180 +16528,6 @@
             </a:p>
           </p:txBody>
         </p:sp>
-        <p:grpSp>
-          <p:nvGrpSpPr>
-            <p:cNvPr id="399" name="Group 398"/>
-            <p:cNvGrpSpPr/>
-            <p:nvPr/>
-          </p:nvGrpSpPr>
-          <p:grpSpPr>
-            <a:xfrm>
-              <a:off x="7322027" y="11110121"/>
-              <a:ext cx="845610" cy="724495"/>
-              <a:chOff x="625283" y="3209330"/>
-              <a:chExt cx="845610" cy="724495"/>
-            </a:xfrm>
-          </p:grpSpPr>
-          <p:sp>
-            <p:nvSpPr>
-              <p:cNvPr id="400" name="Rectangle 399"/>
-              <p:cNvSpPr/>
-              <p:nvPr/>
-            </p:nvSpPr>
-            <p:spPr>
-              <a:xfrm>
-                <a:off x="644080" y="3209330"/>
-                <a:ext cx="826813" cy="724495"/>
-              </a:xfrm>
-              <a:prstGeom prst="rect">
-                <a:avLst/>
-              </a:prstGeom>
-              <a:solidFill>
-                <a:srgbClr val="FEFEDE"/>
-              </a:solidFill>
-              <a:ln w="15875">
-                <a:solidFill>
-                  <a:srgbClr val="FF0000"/>
-                </a:solidFill>
-              </a:ln>
-            </p:spPr>
-            <p:style>
-              <a:lnRef idx="2">
-                <a:schemeClr val="accent1">
-                  <a:shade val="50000"/>
-                </a:schemeClr>
-              </a:lnRef>
-              <a:fillRef idx="1">
-                <a:schemeClr val="accent1"/>
-              </a:fillRef>
-              <a:effectRef idx="0">
-                <a:schemeClr val="accent1"/>
-              </a:effectRef>
-              <a:fontRef idx="minor">
-                <a:schemeClr val="lt1"/>
-              </a:fontRef>
-            </p:style>
-            <p:txBody>
-              <a:bodyPr rtlCol="0" anchor="ctr"/>
-              <a:lstStyle/>
-              <a:p>
-                <a:endParaRPr lang="en-US" dirty="0"/>
-              </a:p>
-            </p:txBody>
-          </p:sp>
-          <p:sp>
-            <p:nvSpPr>
-              <p:cNvPr id="401" name="TextBox 400"/>
-              <p:cNvSpPr txBox="1"/>
-              <p:nvPr/>
-            </p:nvSpPr>
-            <p:spPr>
-              <a:xfrm>
-                <a:off x="625283" y="3209330"/>
-                <a:ext cx="772969" cy="707886"/>
-              </a:xfrm>
-              <a:prstGeom prst="rect">
-                <a:avLst/>
-              </a:prstGeom>
-              <a:noFill/>
-            </p:spPr>
-            <p:txBody>
-              <a:bodyPr wrap="none" rtlCol="0">
-                <a:spAutoFit/>
-              </a:bodyPr>
-              <a:lstStyle/>
-              <a:p>
-                <a:r>
-                  <a:rPr lang="en-US" sz="800" dirty="0">
-                    <a:latin typeface="Arial" panose="020B0604020202020204" pitchFamily="34" charset="0"/>
-                    <a:cs typeface="Arial" panose="020B0604020202020204" pitchFamily="34" charset="0"/>
-                  </a:rPr>
-                  <a:t>p</a:t>
-                </a:r>
-                <a:r>
-                  <a:rPr lang="en-US" sz="800" dirty="0" smtClean="0">
-                    <a:latin typeface="Arial" panose="020B0604020202020204" pitchFamily="34" charset="0"/>
-                    <a:cs typeface="Arial" panose="020B0604020202020204" pitchFamily="34" charset="0"/>
-                  </a:rPr>
-                  <a:t>ayee</a:t>
-                </a:r>
-                <a:br>
-                  <a:rPr lang="en-US" sz="800" dirty="0" smtClean="0">
-                    <a:latin typeface="Arial" panose="020B0604020202020204" pitchFamily="34" charset="0"/>
-                    <a:cs typeface="Arial" panose="020B0604020202020204" pitchFamily="34" charset="0"/>
-                  </a:rPr>
-                </a:br>
-                <a:r>
-                  <a:rPr lang="en-US" sz="800" dirty="0">
-                    <a:latin typeface="Arial" panose="020B0604020202020204" pitchFamily="34" charset="0"/>
-                    <a:cs typeface="Arial" panose="020B0604020202020204" pitchFamily="34" charset="0"/>
-                  </a:rPr>
-                  <a:t>a</a:t>
-                </a:r>
-                <a:r>
-                  <a:rPr lang="en-US" sz="800" dirty="0" smtClean="0">
-                    <a:latin typeface="Arial" panose="020B0604020202020204" pitchFamily="34" charset="0"/>
-                    <a:cs typeface="Arial" panose="020B0604020202020204" pitchFamily="34" charset="0"/>
-                  </a:rPr>
-                  <a:t>mount</a:t>
-                </a:r>
-                <a:br>
-                  <a:rPr lang="en-US" sz="800" dirty="0" smtClean="0">
-                    <a:latin typeface="Arial" panose="020B0604020202020204" pitchFamily="34" charset="0"/>
-                    <a:cs typeface="Arial" panose="020B0604020202020204" pitchFamily="34" charset="0"/>
-                  </a:rPr>
-                </a:br>
-                <a:r>
-                  <a:rPr lang="en-US" sz="800" dirty="0" smtClean="0">
-                    <a:latin typeface="Arial" panose="020B0604020202020204" pitchFamily="34" charset="0"/>
-                    <a:cs typeface="Arial" panose="020B0604020202020204" pitchFamily="34" charset="0"/>
-                  </a:rPr>
-                  <a:t>currency</a:t>
-                </a:r>
-              </a:p>
-              <a:p>
-                <a:r>
-                  <a:rPr lang="en-US" sz="800" dirty="0">
-                    <a:latin typeface="Arial" panose="020B0604020202020204" pitchFamily="34" charset="0"/>
-                    <a:cs typeface="Arial" panose="020B0604020202020204" pitchFamily="34" charset="0"/>
-                  </a:rPr>
-                  <a:t> </a:t>
-                </a:r>
-                <a:r>
-                  <a:rPr lang="en-US" sz="800" dirty="0" smtClean="0">
-                    <a:latin typeface="Arial" panose="020B0604020202020204" pitchFamily="34" charset="0"/>
-                    <a:cs typeface="Arial" panose="020B0604020202020204" pitchFamily="34" charset="0"/>
-                  </a:rPr>
-                  <a:t>    …</a:t>
-                </a:r>
-                <a:br>
-                  <a:rPr lang="en-US" sz="800" dirty="0" smtClean="0">
-                    <a:latin typeface="Arial" panose="020B0604020202020204" pitchFamily="34" charset="0"/>
-                    <a:cs typeface="Arial" panose="020B0604020202020204" pitchFamily="34" charset="0"/>
-                  </a:rPr>
-                </a:br>
-                <a:r>
-                  <a:rPr lang="en-US" sz="800" b="1" dirty="0" smtClean="0">
-                    <a:latin typeface="Arial" panose="020B0604020202020204" pitchFamily="34" charset="0"/>
-                    <a:cs typeface="Arial" panose="020B0604020202020204" pitchFamily="34" charset="0"/>
-                  </a:rPr>
-                  <a:t>signature</a:t>
-                </a:r>
-                <a:r>
-                  <a:rPr lang="en-US" sz="800" dirty="0" smtClean="0">
-                    <a:latin typeface="Arial" panose="020B0604020202020204" pitchFamily="34" charset="0"/>
-                    <a:cs typeface="Arial" panose="020B0604020202020204" pitchFamily="34" charset="0"/>
-                  </a:rPr>
-                  <a:t> {}</a:t>
-                </a:r>
-                <a:endParaRPr lang="en-US" sz="800" dirty="0">
-                  <a:latin typeface="Arial" panose="020B0604020202020204" pitchFamily="34" charset="0"/>
-                  <a:cs typeface="Arial" panose="020B0604020202020204" pitchFamily="34" charset="0"/>
-                </a:endParaRPr>
-              </a:p>
-            </p:txBody>
-          </p:sp>
-        </p:grpSp>
       </p:grpSp>
       <p:sp>
         <p:nvSpPr>
@@ -17443,7 +17428,7 @@
         </p:nvSpPr>
         <p:spPr>
           <a:xfrm>
-            <a:off x="2080856" y="11582373"/>
+            <a:off x="2080856" y="11309644"/>
             <a:ext cx="241931" cy="174281"/>
           </a:xfrm>
           <a:prstGeom prst="roundRect">
@@ -17681,7 +17666,7 @@
         </p:nvSpPr>
         <p:spPr>
           <a:xfrm>
-            <a:off x="9154939" y="13576651"/>
+            <a:off x="9154939" y="13658898"/>
             <a:ext cx="1970338" cy="550962"/>
           </a:xfrm>
           <a:prstGeom prst="snip2DiagRect">
@@ -17771,21 +17756,7 @@
                 <a:latin typeface="Arial" panose="020B0604020202020204" pitchFamily="34" charset="0"/>
                 <a:cs typeface="Arial" panose="020B0604020202020204" pitchFamily="34" charset="0"/>
               </a:rPr>
-              <a:t>Hooking </a:t>
-            </a:r>
-            <a:r>
-              <a:rPr lang="en-US" sz="800" i="1" dirty="0" smtClean="0">
-                <a:latin typeface="Arial" panose="020B0604020202020204" pitchFamily="34" charset="0"/>
-                <a:cs typeface="Arial" panose="020B0604020202020204" pitchFamily="34" charset="0"/>
-              </a:rPr>
-              <a:t>into the payment </a:t>
-            </a:r>
-            <a:r>
-              <a:rPr lang="en-US" sz="800" i="1" dirty="0" smtClean="0">
-                <a:latin typeface="Arial" panose="020B0604020202020204" pitchFamily="34" charset="0"/>
-                <a:cs typeface="Arial" panose="020B0604020202020204" pitchFamily="34" charset="0"/>
-              </a:rPr>
-              <a:t>network</a:t>
+              <a:t>Hooking into the payment network</a:t>
             </a:r>
             <a:br>
               <a:rPr lang="en-US" sz="800" i="1" dirty="0" smtClean="0">
@@ -17798,14 +17769,7 @@
                 <a:latin typeface="Arial" panose="020B0604020202020204" pitchFamily="34" charset="0"/>
                 <a:cs typeface="Arial" panose="020B0604020202020204" pitchFamily="34" charset="0"/>
               </a:rPr>
-              <a:t>   </a:t>
-            </a:r>
-            <a:r>
-              <a:rPr lang="en-US" sz="800" i="1" dirty="0" smtClean="0">
-                <a:latin typeface="Arial" panose="020B0604020202020204" pitchFamily="34" charset="0"/>
-                <a:cs typeface="Arial" panose="020B0604020202020204" pitchFamily="34" charset="0"/>
-              </a:rPr>
-              <a:t>backend</a:t>
+              <a:t>   backend</a:t>
             </a:r>
             <a:r>
               <a:rPr lang="en-US" sz="800" dirty="0" smtClean="0">
@@ -18369,7 +18333,7 @@
         </p:nvCxnSpPr>
         <p:spPr>
           <a:xfrm>
-            <a:off x="2912248" y="12946567"/>
+            <a:off x="2912248" y="13192535"/>
             <a:ext cx="7200000" cy="0"/>
           </a:xfrm>
           <a:prstGeom prst="straightConnector1">
@@ -18405,7 +18369,7 @@
         </p:nvSpPr>
         <p:spPr>
           <a:xfrm>
-            <a:off x="8620095" y="12745243"/>
+            <a:off x="8950178" y="12991211"/>
             <a:ext cx="915315" cy="153888"/>
           </a:xfrm>
           <a:prstGeom prst="rect">
@@ -18446,7 +18410,7 @@
         </p:nvSpPr>
         <p:spPr>
           <a:xfrm>
-            <a:off x="5402262" y="12879300"/>
+            <a:off x="5402262" y="13125268"/>
             <a:ext cx="678638" cy="123111"/>
           </a:xfrm>
           <a:prstGeom prst="rect">
@@ -18490,7 +18454,7 @@
         </p:nvSpPr>
         <p:spPr>
           <a:xfrm>
-            <a:off x="10271634" y="12859795"/>
+            <a:off x="10271634" y="13105763"/>
             <a:ext cx="241931" cy="174281"/>
           </a:xfrm>
           <a:prstGeom prst="roundRect">
@@ -18531,16 +18495,16 @@
       </p:sp>
       <p:grpSp>
         <p:nvGrpSpPr>
-          <p:cNvPr id="431" name="Group 430"/>
+          <p:cNvPr id="2" name="Group 1"/>
           <p:cNvGrpSpPr/>
           <p:nvPr/>
         </p:nvGrpSpPr>
         <p:grpSpPr>
           <a:xfrm>
-            <a:off x="1790508" y="12076006"/>
-            <a:ext cx="1954305" cy="2361586"/>
-            <a:chOff x="1838701" y="12245003"/>
-            <a:chExt cx="1954305" cy="2361586"/>
+            <a:off x="1790508" y="11791453"/>
+            <a:ext cx="1954305" cy="2616308"/>
+            <a:chOff x="1790508" y="12076005"/>
+            <a:chExt cx="1954305" cy="2616308"/>
           </a:xfrm>
         </p:grpSpPr>
         <p:sp>
@@ -18551,8 +18515,8 @@
           </p:nvSpPr>
           <p:spPr>
             <a:xfrm>
-              <a:off x="1853691" y="12245003"/>
-              <a:ext cx="1939315" cy="2361586"/>
+              <a:off x="1805498" y="12076005"/>
+              <a:ext cx="1939315" cy="2616308"/>
             </a:xfrm>
             <a:prstGeom prst="rect">
               <a:avLst/>
@@ -18605,8 +18569,8 @@
           </p:nvSpPr>
           <p:spPr>
             <a:xfrm>
-              <a:off x="1838701" y="12291799"/>
-              <a:ext cx="1296144" cy="2308324"/>
+              <a:off x="1790508" y="12122802"/>
+              <a:ext cx="1296144" cy="2554545"/>
             </a:xfrm>
             <a:prstGeom prst="rect">
               <a:avLst/>
@@ -18647,8 +18611,27 @@
                   <a:latin typeface="Arial" panose="020B0604020202020204" pitchFamily="34" charset="0"/>
                   <a:cs typeface="Arial" panose="020B0604020202020204" pitchFamily="34" charset="0"/>
                 </a:rPr>
-                <a:t> {</a:t>
+                <a:t> </a:t>
               </a:r>
+              <a:r>
+                <a:rPr lang="en-US" sz="800" dirty="0" smtClean="0">
+                  <a:latin typeface="Arial" panose="020B0604020202020204" pitchFamily="34" charset="0"/>
+                  <a:cs typeface="Arial" panose="020B0604020202020204" pitchFamily="34" charset="0"/>
+                </a:rPr>
+                <a:t>{</a:t>
+              </a:r>
+            </a:p>
+            <a:p>
+              <a:endParaRPr lang="en-US" sz="800" dirty="0">
+                <a:latin typeface="Arial" panose="020B0604020202020204" pitchFamily="34" charset="0"/>
+                <a:cs typeface="Arial" panose="020B0604020202020204" pitchFamily="34" charset="0"/>
+              </a:endParaRPr>
+            </a:p>
+            <a:p>
+              <a:endParaRPr lang="en-US" sz="800" dirty="0" smtClean="0">
+                <a:latin typeface="Arial" panose="020B0604020202020204" pitchFamily="34" charset="0"/>
+                <a:cs typeface="Arial" panose="020B0604020202020204" pitchFamily="34" charset="0"/>
+              </a:endParaRPr>
             </a:p>
             <a:p>
               <a:endParaRPr lang="en-US" sz="800" dirty="0">
@@ -18786,8 +18769,8 @@
           </p:nvSpPr>
           <p:spPr>
             <a:xfrm>
-              <a:off x="2013596" y="12673359"/>
-              <a:ext cx="1587201" cy="1565534"/>
+              <a:off x="1965403" y="12504361"/>
+              <a:ext cx="1587201" cy="1783139"/>
             </a:xfrm>
             <a:prstGeom prst="rect">
               <a:avLst/>
@@ -18837,8 +18820,8 @@
           </p:nvSpPr>
           <p:spPr>
             <a:xfrm>
-              <a:off x="2011816" y="13615645"/>
-              <a:ext cx="1303562" cy="584775"/>
+              <a:off x="1963623" y="13446648"/>
+              <a:ext cx="1303562" cy="830997"/>
             </a:xfrm>
             <a:prstGeom prst="rect">
               <a:avLst/>
@@ -18851,11 +18834,32 @@
             </a:bodyPr>
             <a:lstStyle/>
             <a:p>
-              <a:pPr>
-                <a:spcBef>
-                  <a:spcPts val="300"/>
-                </a:spcBef>
-              </a:pPr>
+              <a:r>
+                <a:rPr lang="en-US" sz="800" dirty="0" err="1">
+                  <a:latin typeface="Arial" panose="020B0604020202020204" pitchFamily="34" charset="0"/>
+                  <a:cs typeface="Arial" panose="020B0604020202020204" pitchFamily="34" charset="0"/>
+                </a:rPr>
+                <a:t>accountType</a:t>
+              </a:r>
+              <a:endParaRPr lang="en-US" sz="800" dirty="0">
+                <a:latin typeface="Arial" panose="020B0604020202020204" pitchFamily="34" charset="0"/>
+                <a:cs typeface="Arial" panose="020B0604020202020204" pitchFamily="34" charset="0"/>
+              </a:endParaRPr>
+            </a:p>
+            <a:p>
+              <a:r>
+                <a:rPr lang="en-US" sz="800" dirty="0" err="1" smtClean="0">
+                  <a:latin typeface="Arial" panose="020B0604020202020204" pitchFamily="34" charset="0"/>
+                  <a:cs typeface="Arial" panose="020B0604020202020204" pitchFamily="34" charset="0"/>
+                </a:rPr>
+                <a:t>accountReference</a:t>
+              </a:r>
+              <a:endParaRPr lang="en-US" sz="800" dirty="0">
+                <a:latin typeface="Arial" panose="020B0604020202020204" pitchFamily="34" charset="0"/>
+                <a:cs typeface="Arial" panose="020B0604020202020204" pitchFamily="34" charset="0"/>
+              </a:endParaRPr>
+            </a:p>
+            <a:p>
               <a:r>
                 <a:rPr lang="en-US" sz="800" dirty="0" err="1" smtClean="0">
                   <a:latin typeface="Arial" panose="020B0604020202020204" pitchFamily="34" charset="0"/>
@@ -18923,7 +18927,7 @@
           </p:nvSpPr>
           <p:spPr>
             <a:xfrm>
-              <a:off x="2013597" y="12680986"/>
+              <a:off x="1965404" y="12511989"/>
               <a:ext cx="1027845" cy="215444"/>
             </a:xfrm>
             <a:prstGeom prst="rect">
@@ -18973,7 +18977,7 @@
           </p:nvGrpSpPr>
           <p:grpSpPr>
             <a:xfrm>
-              <a:off x="2179123" y="12903409"/>
+              <a:off x="2130930" y="12734412"/>
               <a:ext cx="845610" cy="724495"/>
               <a:chOff x="625283" y="3209330"/>
               <a:chExt cx="845610" cy="724495"/>
@@ -19185,7 +19189,7 @@
         </p:nvSpPr>
         <p:spPr>
           <a:xfrm>
-            <a:off x="10674974" y="12859795"/>
+            <a:off x="10674974" y="13105763"/>
             <a:ext cx="241931" cy="174281"/>
           </a:xfrm>
           <a:prstGeom prst="roundRect">

--- a/webpayment.resources/docs/webpay-card-payment-statediagram.pptx
+++ b/webpayment.resources/docs/webpay-card-payment-statediagram.pptx
@@ -896,6 +896,37 @@
           <a:chExt cx="0" cy="0"/>
         </a:xfrm>
       </p:grpSpPr>
+      <p:cxnSp>
+        <p:nvCxnSpPr>
+          <p:cNvPr id="346" name="Straight Connector 345"/>
+          <p:cNvCxnSpPr/>
+          <p:nvPr/>
+        </p:nvCxnSpPr>
+        <p:spPr>
+          <a:xfrm>
+            <a:off x="472023" y="906290"/>
+            <a:ext cx="0" cy="14760000"/>
+          </a:xfrm>
+          <a:prstGeom prst="line">
+            <a:avLst/>
+          </a:prstGeom>
+          <a:ln w="25400"/>
+        </p:spPr>
+        <p:style>
+          <a:lnRef idx="1">
+            <a:schemeClr val="accent1"/>
+          </a:lnRef>
+          <a:fillRef idx="0">
+            <a:schemeClr val="accent1"/>
+          </a:fillRef>
+          <a:effectRef idx="0">
+            <a:schemeClr val="accent1"/>
+          </a:effectRef>
+          <a:fontRef idx="minor">
+            <a:schemeClr val="tx1"/>
+          </a:fontRef>
+        </p:style>
+      </p:cxnSp>
       <p:cxnSp>
         <p:nvCxnSpPr>
           <p:cNvPr id="300" name="Straight Connector 299"/>
@@ -13013,7 +13044,7 @@
         </p:nvCxnSpPr>
         <p:spPr>
           <a:xfrm flipV="1">
-            <a:off x="461234" y="5075527"/>
+            <a:off x="461234" y="4728658"/>
             <a:ext cx="2448000" cy="701"/>
           </a:xfrm>
           <a:prstGeom prst="straightConnector1">
@@ -13050,7 +13081,7 @@
         </p:nvSpPr>
         <p:spPr>
           <a:xfrm>
-            <a:off x="491939" y="4865514"/>
+            <a:off x="491939" y="4518645"/>
             <a:ext cx="795637" cy="215444"/>
           </a:xfrm>
           <a:prstGeom prst="rect">
@@ -13087,7 +13118,7 @@
         </p:nvSpPr>
         <p:spPr>
           <a:xfrm>
-            <a:off x="491939" y="5370150"/>
+            <a:off x="491939" y="4816201"/>
             <a:ext cx="795637" cy="215444"/>
           </a:xfrm>
           <a:prstGeom prst="rect">
@@ -13124,7 +13155,7 @@
         </p:nvSpPr>
         <p:spPr>
           <a:xfrm>
-            <a:off x="1539352" y="4865514"/>
+            <a:off x="1539352" y="4518645"/>
             <a:ext cx="795637" cy="215444"/>
           </a:xfrm>
           <a:prstGeom prst="rect">
@@ -13342,7 +13373,7 @@
         </p:nvSpPr>
         <p:spPr>
           <a:xfrm>
-            <a:off x="1182861" y="5402506"/>
+            <a:off x="1182861" y="4848557"/>
             <a:ext cx="1468414" cy="159202"/>
           </a:xfrm>
           <a:prstGeom prst="rect">
@@ -13585,37 +13616,6 @@
           </a:p>
         </p:txBody>
       </p:sp>
-      <p:cxnSp>
-        <p:nvCxnSpPr>
-          <p:cNvPr id="346" name="Straight Connector 345"/>
-          <p:cNvCxnSpPr/>
-          <p:nvPr/>
-        </p:nvCxnSpPr>
-        <p:spPr>
-          <a:xfrm>
-            <a:off x="472023" y="906290"/>
-            <a:ext cx="0" cy="14760000"/>
-          </a:xfrm>
-          <a:prstGeom prst="line">
-            <a:avLst/>
-          </a:prstGeom>
-          <a:ln w="25400"/>
-        </p:spPr>
-        <p:style>
-          <a:lnRef idx="1">
-            <a:schemeClr val="accent1"/>
-          </a:lnRef>
-          <a:fillRef idx="0">
-            <a:schemeClr val="accent1"/>
-          </a:fillRef>
-          <a:effectRef idx="0">
-            <a:schemeClr val="accent1"/>
-          </a:effectRef>
-          <a:fontRef idx="minor">
-            <a:schemeClr val="tx1"/>
-          </a:fontRef>
-        </p:style>
-      </p:cxnSp>
       <p:cxnSp>
         <p:nvCxnSpPr>
           <p:cNvPr id="347" name="Straight Arrow Connector 346"/>
@@ -14821,42 +14821,6 @@
               </a:rPr>
               <a:t>indow {}</a:t>
             </a:r>
-          </a:p>
-        </p:txBody>
-      </p:sp>
-      <p:sp>
-        <p:nvSpPr>
-          <p:cNvPr id="371" name="TextBox 370"/>
-          <p:cNvSpPr txBox="1"/>
-          <p:nvPr/>
-        </p:nvSpPr>
-        <p:spPr>
-          <a:xfrm>
-            <a:off x="504982" y="4499740"/>
-            <a:ext cx="828000" cy="215444"/>
-          </a:xfrm>
-          <a:prstGeom prst="rect">
-            <a:avLst/>
-          </a:prstGeom>
-          <a:noFill/>
-        </p:spPr>
-        <p:txBody>
-          <a:bodyPr wrap="square" rtlCol="0">
-            <a:spAutoFit/>
-          </a:bodyPr>
-          <a:lstStyle/>
-          <a:p>
-            <a:r>
-              <a:rPr lang="en-US" sz="800" dirty="0" smtClean="0">
-                <a:latin typeface="Arial" panose="020B0604020202020204" pitchFamily="34" charset="0"/>
-                <a:cs typeface="Arial" panose="020B0604020202020204" pitchFamily="34" charset="0"/>
-              </a:rPr>
-              <a:t>“User Accept”</a:t>
-            </a:r>
-            <a:endParaRPr lang="en-US" sz="800" dirty="0">
-              <a:latin typeface="Arial" panose="020B0604020202020204" pitchFamily="34" charset="0"/>
-              <a:cs typeface="Arial" panose="020B0604020202020204" pitchFamily="34" charset="0"/>
-            </a:endParaRPr>
           </a:p>
         </p:txBody>
       </p:sp>
@@ -16242,14 +16206,7 @@
                 <a:latin typeface="Arial" panose="020B0604020202020204" pitchFamily="34" charset="0"/>
                 <a:cs typeface="Arial" panose="020B0604020202020204" pitchFamily="34" charset="0"/>
               </a:rPr>
-              <a:t> </a:t>
-            </a:r>
-            <a:r>
-              <a:rPr lang="en-US" sz="800" dirty="0" smtClean="0">
-                <a:latin typeface="Arial" panose="020B0604020202020204" pitchFamily="34" charset="0"/>
-                <a:cs typeface="Arial" panose="020B0604020202020204" pitchFamily="34" charset="0"/>
-              </a:rPr>
-              <a:t>{}</a:t>
+              <a:t> {}</a:t>
             </a:r>
           </a:p>
           <a:p>
@@ -16529,549 +16486,6 @@
           </p:txBody>
         </p:sp>
       </p:grpSp>
-      <p:sp>
-        <p:nvSpPr>
-          <p:cNvPr id="402" name="Freeform 401"/>
-          <p:cNvSpPr/>
-          <p:nvPr/>
-        </p:nvSpPr>
-        <p:spPr>
-          <a:xfrm>
-            <a:off x="476341" y="5272268"/>
-            <a:ext cx="2678665" cy="293528"/>
-          </a:xfrm>
-          <a:custGeom>
-            <a:avLst/>
-            <a:gdLst>
-              <a:gd name="connsiteX0" fmla="*/ 0 w 731520"/>
-              <a:gd name="connsiteY0" fmla="*/ 19524 h 19524"/>
-              <a:gd name="connsiteX1" fmla="*/ 310896 w 731520"/>
-              <a:gd name="connsiteY1" fmla="*/ 10380 h 19524"/>
-              <a:gd name="connsiteX2" fmla="*/ 347472 w 731520"/>
-              <a:gd name="connsiteY2" fmla="*/ 1236 h 19524"/>
-              <a:gd name="connsiteX3" fmla="*/ 731520 w 731520"/>
-              <a:gd name="connsiteY3" fmla="*/ 1236 h 19524"/>
-              <a:gd name="connsiteX0" fmla="*/ 0 w 731520"/>
-              <a:gd name="connsiteY0" fmla="*/ 18512 h 20542"/>
-              <a:gd name="connsiteX1" fmla="*/ 310896 w 731520"/>
-              <a:gd name="connsiteY1" fmla="*/ 9368 h 20542"/>
-              <a:gd name="connsiteX2" fmla="*/ 347472 w 731520"/>
-              <a:gd name="connsiteY2" fmla="*/ 224 h 20542"/>
-              <a:gd name="connsiteX3" fmla="*/ 656768 w 731520"/>
-              <a:gd name="connsiteY3" fmla="*/ 20542 h 20542"/>
-              <a:gd name="connsiteX4" fmla="*/ 731520 w 731520"/>
-              <a:gd name="connsiteY4" fmla="*/ 224 h 20542"/>
-              <a:gd name="connsiteX0" fmla="*/ 0 w 884970"/>
-              <a:gd name="connsiteY0" fmla="*/ 50483 h 52513"/>
-              <a:gd name="connsiteX1" fmla="*/ 310896 w 884970"/>
-              <a:gd name="connsiteY1" fmla="*/ 41339 h 52513"/>
-              <a:gd name="connsiteX2" fmla="*/ 347472 w 884970"/>
-              <a:gd name="connsiteY2" fmla="*/ 32195 h 52513"/>
-              <a:gd name="connsiteX3" fmla="*/ 656768 w 884970"/>
-              <a:gd name="connsiteY3" fmla="*/ 52513 h 52513"/>
-              <a:gd name="connsiteX4" fmla="*/ 884970 w 884970"/>
-              <a:gd name="connsiteY4" fmla="*/ 0 h 52513"/>
-              <a:gd name="connsiteX0" fmla="*/ 0 w 903343"/>
-              <a:gd name="connsiteY0" fmla="*/ 50483 h 54703"/>
-              <a:gd name="connsiteX1" fmla="*/ 310896 w 903343"/>
-              <a:gd name="connsiteY1" fmla="*/ 41339 h 54703"/>
-              <a:gd name="connsiteX2" fmla="*/ 347472 w 903343"/>
-              <a:gd name="connsiteY2" fmla="*/ 32195 h 54703"/>
-              <a:gd name="connsiteX3" fmla="*/ 656768 w 903343"/>
-              <a:gd name="connsiteY3" fmla="*/ 52513 h 54703"/>
-              <a:gd name="connsiteX4" fmla="*/ 893082 w 903343"/>
-              <a:gd name="connsiteY4" fmla="*/ 47818 h 54703"/>
-              <a:gd name="connsiteX5" fmla="*/ 884970 w 903343"/>
-              <a:gd name="connsiteY5" fmla="*/ 0 h 54703"/>
-              <a:gd name="connsiteX0" fmla="*/ 0 w 903343"/>
-              <a:gd name="connsiteY0" fmla="*/ 50483 h 54703"/>
-              <a:gd name="connsiteX1" fmla="*/ 310896 w 903343"/>
-              <a:gd name="connsiteY1" fmla="*/ 41339 h 54703"/>
-              <a:gd name="connsiteX2" fmla="*/ 347472 w 903343"/>
-              <a:gd name="connsiteY2" fmla="*/ 32195 h 54703"/>
-              <a:gd name="connsiteX3" fmla="*/ 656768 w 903343"/>
-              <a:gd name="connsiteY3" fmla="*/ 52513 h 54703"/>
-              <a:gd name="connsiteX4" fmla="*/ 893082 w 903343"/>
-              <a:gd name="connsiteY4" fmla="*/ 47818 h 54703"/>
-              <a:gd name="connsiteX5" fmla="*/ 884970 w 903343"/>
-              <a:gd name="connsiteY5" fmla="*/ 0 h 54703"/>
-              <a:gd name="connsiteX0" fmla="*/ 0 w 903343"/>
-              <a:gd name="connsiteY0" fmla="*/ 50483 h 50483"/>
-              <a:gd name="connsiteX1" fmla="*/ 310896 w 903343"/>
-              <a:gd name="connsiteY1" fmla="*/ 41339 h 50483"/>
-              <a:gd name="connsiteX2" fmla="*/ 347472 w 903343"/>
-              <a:gd name="connsiteY2" fmla="*/ 32195 h 50483"/>
-              <a:gd name="connsiteX3" fmla="*/ 893082 w 903343"/>
-              <a:gd name="connsiteY3" fmla="*/ 47818 h 50483"/>
-              <a:gd name="connsiteX4" fmla="*/ 884970 w 903343"/>
-              <a:gd name="connsiteY4" fmla="*/ 0 h 50483"/>
-              <a:gd name="connsiteX0" fmla="*/ 0 w 903343"/>
-              <a:gd name="connsiteY0" fmla="*/ 50483 h 50483"/>
-              <a:gd name="connsiteX1" fmla="*/ 310896 w 903343"/>
-              <a:gd name="connsiteY1" fmla="*/ 41339 h 50483"/>
-              <a:gd name="connsiteX2" fmla="*/ 347472 w 903343"/>
-              <a:gd name="connsiteY2" fmla="*/ 32195 h 50483"/>
-              <a:gd name="connsiteX3" fmla="*/ 893082 w 903343"/>
-              <a:gd name="connsiteY3" fmla="*/ 47818 h 50483"/>
-              <a:gd name="connsiteX4" fmla="*/ 884970 w 903343"/>
-              <a:gd name="connsiteY4" fmla="*/ 0 h 50483"/>
-              <a:gd name="connsiteX0" fmla="*/ 0 w 903343"/>
-              <a:gd name="connsiteY0" fmla="*/ 50483 h 50483"/>
-              <a:gd name="connsiteX1" fmla="*/ 310896 w 903343"/>
-              <a:gd name="connsiteY1" fmla="*/ 41339 h 50483"/>
-              <a:gd name="connsiteX2" fmla="*/ 347472 w 903343"/>
-              <a:gd name="connsiteY2" fmla="*/ 32195 h 50483"/>
-              <a:gd name="connsiteX3" fmla="*/ 893082 w 903343"/>
-              <a:gd name="connsiteY3" fmla="*/ 47818 h 50483"/>
-              <a:gd name="connsiteX4" fmla="*/ 884970 w 903343"/>
-              <a:gd name="connsiteY4" fmla="*/ 0 h 50483"/>
-              <a:gd name="connsiteX0" fmla="*/ 0 w 903343"/>
-              <a:gd name="connsiteY0" fmla="*/ 50483 h 50483"/>
-              <a:gd name="connsiteX1" fmla="*/ 310896 w 903343"/>
-              <a:gd name="connsiteY1" fmla="*/ 41339 h 50483"/>
-              <a:gd name="connsiteX2" fmla="*/ 347472 w 903343"/>
-              <a:gd name="connsiteY2" fmla="*/ 31524 h 50483"/>
-              <a:gd name="connsiteX3" fmla="*/ 893082 w 903343"/>
-              <a:gd name="connsiteY3" fmla="*/ 47818 h 50483"/>
-              <a:gd name="connsiteX4" fmla="*/ 884970 w 903343"/>
-              <a:gd name="connsiteY4" fmla="*/ 0 h 50483"/>
-              <a:gd name="connsiteX0" fmla="*/ 0 w 903343"/>
-              <a:gd name="connsiteY0" fmla="*/ 50483 h 50483"/>
-              <a:gd name="connsiteX1" fmla="*/ 310896 w 903343"/>
-              <a:gd name="connsiteY1" fmla="*/ 41339 h 50483"/>
-              <a:gd name="connsiteX2" fmla="*/ 347472 w 903343"/>
-              <a:gd name="connsiteY2" fmla="*/ 31524 h 50483"/>
-              <a:gd name="connsiteX3" fmla="*/ 893082 w 903343"/>
-              <a:gd name="connsiteY3" fmla="*/ 47818 h 50483"/>
-              <a:gd name="connsiteX4" fmla="*/ 884970 w 903343"/>
-              <a:gd name="connsiteY4" fmla="*/ 0 h 50483"/>
-              <a:gd name="connsiteX0" fmla="*/ 0 w 903343"/>
-              <a:gd name="connsiteY0" fmla="*/ 50483 h 50483"/>
-              <a:gd name="connsiteX1" fmla="*/ 310896 w 903343"/>
-              <a:gd name="connsiteY1" fmla="*/ 41339 h 50483"/>
-              <a:gd name="connsiteX2" fmla="*/ 347472 w 903343"/>
-              <a:gd name="connsiteY2" fmla="*/ 31524 h 50483"/>
-              <a:gd name="connsiteX3" fmla="*/ 893082 w 903343"/>
-              <a:gd name="connsiteY3" fmla="*/ 47818 h 50483"/>
-              <a:gd name="connsiteX4" fmla="*/ 884970 w 903343"/>
-              <a:gd name="connsiteY4" fmla="*/ 0 h 50483"/>
-              <a:gd name="connsiteX0" fmla="*/ 0 w 903343"/>
-              <a:gd name="connsiteY0" fmla="*/ 50483 h 50483"/>
-              <a:gd name="connsiteX1" fmla="*/ 310896 w 903343"/>
-              <a:gd name="connsiteY1" fmla="*/ 41339 h 50483"/>
-              <a:gd name="connsiteX2" fmla="*/ 347472 w 903343"/>
-              <a:gd name="connsiteY2" fmla="*/ 31524 h 50483"/>
-              <a:gd name="connsiteX3" fmla="*/ 359074 w 903343"/>
-              <a:gd name="connsiteY3" fmla="*/ 31050 h 50483"/>
-              <a:gd name="connsiteX4" fmla="*/ 893082 w 903343"/>
-              <a:gd name="connsiteY4" fmla="*/ 47818 h 50483"/>
-              <a:gd name="connsiteX5" fmla="*/ 884970 w 903343"/>
-              <a:gd name="connsiteY5" fmla="*/ 0 h 50483"/>
-              <a:gd name="connsiteX0" fmla="*/ 0 w 903343"/>
-              <a:gd name="connsiteY0" fmla="*/ 50483 h 50483"/>
-              <a:gd name="connsiteX1" fmla="*/ 310896 w 903343"/>
-              <a:gd name="connsiteY1" fmla="*/ 41339 h 50483"/>
-              <a:gd name="connsiteX2" fmla="*/ 347472 w 903343"/>
-              <a:gd name="connsiteY2" fmla="*/ 31524 h 50483"/>
-              <a:gd name="connsiteX3" fmla="*/ 893082 w 903343"/>
-              <a:gd name="connsiteY3" fmla="*/ 47818 h 50483"/>
-              <a:gd name="connsiteX4" fmla="*/ 884970 w 903343"/>
-              <a:gd name="connsiteY4" fmla="*/ 0 h 50483"/>
-              <a:gd name="connsiteX0" fmla="*/ 0 w 903343"/>
-              <a:gd name="connsiteY0" fmla="*/ 50483 h 50483"/>
-              <a:gd name="connsiteX1" fmla="*/ 310896 w 903343"/>
-              <a:gd name="connsiteY1" fmla="*/ 41339 h 50483"/>
-              <a:gd name="connsiteX2" fmla="*/ 347472 w 903343"/>
-              <a:gd name="connsiteY2" fmla="*/ 31524 h 50483"/>
-              <a:gd name="connsiteX3" fmla="*/ 893082 w 903343"/>
-              <a:gd name="connsiteY3" fmla="*/ 47818 h 50483"/>
-              <a:gd name="connsiteX4" fmla="*/ 884970 w 903343"/>
-              <a:gd name="connsiteY4" fmla="*/ 0 h 50483"/>
-              <a:gd name="connsiteX0" fmla="*/ 0 w 903343"/>
-              <a:gd name="connsiteY0" fmla="*/ 50483 h 50483"/>
-              <a:gd name="connsiteX1" fmla="*/ 310896 w 903343"/>
-              <a:gd name="connsiteY1" fmla="*/ 41339 h 50483"/>
-              <a:gd name="connsiteX2" fmla="*/ 347472 w 903343"/>
-              <a:gd name="connsiteY2" fmla="*/ 31524 h 50483"/>
-              <a:gd name="connsiteX3" fmla="*/ 893082 w 903343"/>
-              <a:gd name="connsiteY3" fmla="*/ 47818 h 50483"/>
-              <a:gd name="connsiteX4" fmla="*/ 884970 w 903343"/>
-              <a:gd name="connsiteY4" fmla="*/ 0 h 50483"/>
-              <a:gd name="connsiteX0" fmla="*/ 0 w 903343"/>
-              <a:gd name="connsiteY0" fmla="*/ 50483 h 50483"/>
-              <a:gd name="connsiteX1" fmla="*/ 310896 w 903343"/>
-              <a:gd name="connsiteY1" fmla="*/ 41339 h 50483"/>
-              <a:gd name="connsiteX2" fmla="*/ 424197 w 903343"/>
-              <a:gd name="connsiteY2" fmla="*/ 26158 h 50483"/>
-              <a:gd name="connsiteX3" fmla="*/ 893082 w 903343"/>
-              <a:gd name="connsiteY3" fmla="*/ 47818 h 50483"/>
-              <a:gd name="connsiteX4" fmla="*/ 884970 w 903343"/>
-              <a:gd name="connsiteY4" fmla="*/ 0 h 50483"/>
-              <a:gd name="connsiteX0" fmla="*/ 0 w 903343"/>
-              <a:gd name="connsiteY0" fmla="*/ 50483 h 50483"/>
-              <a:gd name="connsiteX1" fmla="*/ 310896 w 903343"/>
-              <a:gd name="connsiteY1" fmla="*/ 41339 h 50483"/>
-              <a:gd name="connsiteX2" fmla="*/ 424197 w 903343"/>
-              <a:gd name="connsiteY2" fmla="*/ 26158 h 50483"/>
-              <a:gd name="connsiteX3" fmla="*/ 893082 w 903343"/>
-              <a:gd name="connsiteY3" fmla="*/ 47818 h 50483"/>
-              <a:gd name="connsiteX4" fmla="*/ 884970 w 903343"/>
-              <a:gd name="connsiteY4" fmla="*/ 0 h 50483"/>
-              <a:gd name="connsiteX0" fmla="*/ 0 w 903343"/>
-              <a:gd name="connsiteY0" fmla="*/ 50483 h 50483"/>
-              <a:gd name="connsiteX1" fmla="*/ 310896 w 903343"/>
-              <a:gd name="connsiteY1" fmla="*/ 41339 h 50483"/>
-              <a:gd name="connsiteX2" fmla="*/ 424197 w 903343"/>
-              <a:gd name="connsiteY2" fmla="*/ 26158 h 50483"/>
-              <a:gd name="connsiteX3" fmla="*/ 893082 w 903343"/>
-              <a:gd name="connsiteY3" fmla="*/ 47818 h 50483"/>
-              <a:gd name="connsiteX4" fmla="*/ 884970 w 903343"/>
-              <a:gd name="connsiteY4" fmla="*/ 0 h 50483"/>
-              <a:gd name="connsiteX0" fmla="*/ 0 w 903343"/>
-              <a:gd name="connsiteY0" fmla="*/ 50483 h 50483"/>
-              <a:gd name="connsiteX1" fmla="*/ 310896 w 903343"/>
-              <a:gd name="connsiteY1" fmla="*/ 41339 h 50483"/>
-              <a:gd name="connsiteX2" fmla="*/ 424197 w 903343"/>
-              <a:gd name="connsiteY2" fmla="*/ 26158 h 50483"/>
-              <a:gd name="connsiteX3" fmla="*/ 893082 w 903343"/>
-              <a:gd name="connsiteY3" fmla="*/ 47818 h 50483"/>
-              <a:gd name="connsiteX4" fmla="*/ 884970 w 903343"/>
-              <a:gd name="connsiteY4" fmla="*/ 0 h 50483"/>
-              <a:gd name="connsiteX0" fmla="*/ 0 w 903343"/>
-              <a:gd name="connsiteY0" fmla="*/ 50483 h 50483"/>
-              <a:gd name="connsiteX1" fmla="*/ 310896 w 903343"/>
-              <a:gd name="connsiteY1" fmla="*/ 41339 h 50483"/>
-              <a:gd name="connsiteX2" fmla="*/ 424197 w 903343"/>
-              <a:gd name="connsiteY2" fmla="*/ 26158 h 50483"/>
-              <a:gd name="connsiteX3" fmla="*/ 893082 w 903343"/>
-              <a:gd name="connsiteY3" fmla="*/ 47818 h 50483"/>
-              <a:gd name="connsiteX4" fmla="*/ 884970 w 903343"/>
-              <a:gd name="connsiteY4" fmla="*/ 0 h 50483"/>
-              <a:gd name="connsiteX0" fmla="*/ 0 w 903343"/>
-              <a:gd name="connsiteY0" fmla="*/ 50483 h 50483"/>
-              <a:gd name="connsiteX1" fmla="*/ 310896 w 903343"/>
-              <a:gd name="connsiteY1" fmla="*/ 41339 h 50483"/>
-              <a:gd name="connsiteX2" fmla="*/ 424197 w 903343"/>
-              <a:gd name="connsiteY2" fmla="*/ 26158 h 50483"/>
-              <a:gd name="connsiteX3" fmla="*/ 893082 w 903343"/>
-              <a:gd name="connsiteY3" fmla="*/ 47818 h 50483"/>
-              <a:gd name="connsiteX4" fmla="*/ 884970 w 903343"/>
-              <a:gd name="connsiteY4" fmla="*/ 0 h 50483"/>
-              <a:gd name="connsiteX0" fmla="*/ 0 w 903343"/>
-              <a:gd name="connsiteY0" fmla="*/ 50483 h 50483"/>
-              <a:gd name="connsiteX1" fmla="*/ 310896 w 903343"/>
-              <a:gd name="connsiteY1" fmla="*/ 41339 h 50483"/>
-              <a:gd name="connsiteX2" fmla="*/ 421128 w 903343"/>
-              <a:gd name="connsiteY2" fmla="*/ 34207 h 50483"/>
-              <a:gd name="connsiteX3" fmla="*/ 893082 w 903343"/>
-              <a:gd name="connsiteY3" fmla="*/ 47818 h 50483"/>
-              <a:gd name="connsiteX4" fmla="*/ 884970 w 903343"/>
-              <a:gd name="connsiteY4" fmla="*/ 0 h 50483"/>
-              <a:gd name="connsiteX0" fmla="*/ 0 w 903343"/>
-              <a:gd name="connsiteY0" fmla="*/ 50483 h 50483"/>
-              <a:gd name="connsiteX1" fmla="*/ 310896 w 903343"/>
-              <a:gd name="connsiteY1" fmla="*/ 41339 h 50483"/>
-              <a:gd name="connsiteX2" fmla="*/ 421128 w 903343"/>
-              <a:gd name="connsiteY2" fmla="*/ 34207 h 50483"/>
-              <a:gd name="connsiteX3" fmla="*/ 893082 w 903343"/>
-              <a:gd name="connsiteY3" fmla="*/ 47818 h 50483"/>
-              <a:gd name="connsiteX4" fmla="*/ 884970 w 903343"/>
-              <a:gd name="connsiteY4" fmla="*/ 0 h 50483"/>
-              <a:gd name="connsiteX0" fmla="*/ 0 w 903343"/>
-              <a:gd name="connsiteY0" fmla="*/ 50483 h 50483"/>
-              <a:gd name="connsiteX1" fmla="*/ 310896 w 903343"/>
-              <a:gd name="connsiteY1" fmla="*/ 41339 h 50483"/>
-              <a:gd name="connsiteX2" fmla="*/ 421128 w 903343"/>
-              <a:gd name="connsiteY2" fmla="*/ 45609 h 50483"/>
-              <a:gd name="connsiteX3" fmla="*/ 893082 w 903343"/>
-              <a:gd name="connsiteY3" fmla="*/ 47818 h 50483"/>
-              <a:gd name="connsiteX4" fmla="*/ 884970 w 903343"/>
-              <a:gd name="connsiteY4" fmla="*/ 0 h 50483"/>
-              <a:gd name="connsiteX0" fmla="*/ 0 w 903343"/>
-              <a:gd name="connsiteY0" fmla="*/ 50483 h 50483"/>
-              <a:gd name="connsiteX1" fmla="*/ 310896 w 903343"/>
-              <a:gd name="connsiteY1" fmla="*/ 41339 h 50483"/>
-              <a:gd name="connsiteX2" fmla="*/ 421128 w 903343"/>
-              <a:gd name="connsiteY2" fmla="*/ 45609 h 50483"/>
-              <a:gd name="connsiteX3" fmla="*/ 893082 w 903343"/>
-              <a:gd name="connsiteY3" fmla="*/ 47818 h 50483"/>
-              <a:gd name="connsiteX4" fmla="*/ 884970 w 903343"/>
-              <a:gd name="connsiteY4" fmla="*/ 0 h 50483"/>
-              <a:gd name="connsiteX0" fmla="*/ 0 w 903343"/>
-              <a:gd name="connsiteY0" fmla="*/ 50483 h 50483"/>
-              <a:gd name="connsiteX1" fmla="*/ 310896 w 903343"/>
-              <a:gd name="connsiteY1" fmla="*/ 41339 h 50483"/>
-              <a:gd name="connsiteX2" fmla="*/ 421128 w 903343"/>
-              <a:gd name="connsiteY2" fmla="*/ 45609 h 50483"/>
-              <a:gd name="connsiteX3" fmla="*/ 893082 w 903343"/>
-              <a:gd name="connsiteY3" fmla="*/ 47818 h 50483"/>
-              <a:gd name="connsiteX4" fmla="*/ 884970 w 903343"/>
-              <a:gd name="connsiteY4" fmla="*/ 0 h 50483"/>
-              <a:gd name="connsiteX0" fmla="*/ 0 w 903343"/>
-              <a:gd name="connsiteY0" fmla="*/ 50483 h 50483"/>
-              <a:gd name="connsiteX1" fmla="*/ 310896 w 903343"/>
-              <a:gd name="connsiteY1" fmla="*/ 41339 h 50483"/>
-              <a:gd name="connsiteX2" fmla="*/ 421128 w 903343"/>
-              <a:gd name="connsiteY2" fmla="*/ 45609 h 50483"/>
-              <a:gd name="connsiteX3" fmla="*/ 893082 w 903343"/>
-              <a:gd name="connsiteY3" fmla="*/ 47818 h 50483"/>
-              <a:gd name="connsiteX4" fmla="*/ 884970 w 903343"/>
-              <a:gd name="connsiteY4" fmla="*/ 0 h 50483"/>
-              <a:gd name="connsiteX0" fmla="*/ 0 w 903343"/>
-              <a:gd name="connsiteY0" fmla="*/ 50483 h 50483"/>
-              <a:gd name="connsiteX1" fmla="*/ 310896 w 903343"/>
-              <a:gd name="connsiteY1" fmla="*/ 41339 h 50483"/>
-              <a:gd name="connsiteX2" fmla="*/ 421128 w 903343"/>
-              <a:gd name="connsiteY2" fmla="*/ 45609 h 50483"/>
-              <a:gd name="connsiteX3" fmla="*/ 893082 w 903343"/>
-              <a:gd name="connsiteY3" fmla="*/ 47818 h 50483"/>
-              <a:gd name="connsiteX4" fmla="*/ 884970 w 903343"/>
-              <a:gd name="connsiteY4" fmla="*/ 0 h 50483"/>
-              <a:gd name="connsiteX0" fmla="*/ 0 w 903343"/>
-              <a:gd name="connsiteY0" fmla="*/ 50483 h 50483"/>
-              <a:gd name="connsiteX1" fmla="*/ 310896 w 903343"/>
-              <a:gd name="connsiteY1" fmla="*/ 41339 h 50483"/>
-              <a:gd name="connsiteX2" fmla="*/ 421128 w 903343"/>
-              <a:gd name="connsiteY2" fmla="*/ 45609 h 50483"/>
-              <a:gd name="connsiteX3" fmla="*/ 893082 w 903343"/>
-              <a:gd name="connsiteY3" fmla="*/ 47818 h 50483"/>
-              <a:gd name="connsiteX4" fmla="*/ 884970 w 903343"/>
-              <a:gd name="connsiteY4" fmla="*/ 0 h 50483"/>
-              <a:gd name="connsiteX0" fmla="*/ 0 w 903343"/>
-              <a:gd name="connsiteY0" fmla="*/ 50483 h 50483"/>
-              <a:gd name="connsiteX1" fmla="*/ 310896 w 903343"/>
-              <a:gd name="connsiteY1" fmla="*/ 41339 h 50483"/>
-              <a:gd name="connsiteX2" fmla="*/ 421128 w 903343"/>
-              <a:gd name="connsiteY2" fmla="*/ 45609 h 50483"/>
-              <a:gd name="connsiteX3" fmla="*/ 893082 w 903343"/>
-              <a:gd name="connsiteY3" fmla="*/ 47818 h 50483"/>
-              <a:gd name="connsiteX4" fmla="*/ 884970 w 903343"/>
-              <a:gd name="connsiteY4" fmla="*/ 0 h 50483"/>
-              <a:gd name="connsiteX0" fmla="*/ 0 w 903343"/>
-              <a:gd name="connsiteY0" fmla="*/ 50483 h 50483"/>
-              <a:gd name="connsiteX1" fmla="*/ 310896 w 903343"/>
-              <a:gd name="connsiteY1" fmla="*/ 41339 h 50483"/>
-              <a:gd name="connsiteX2" fmla="*/ 421128 w 903343"/>
-              <a:gd name="connsiteY2" fmla="*/ 45609 h 50483"/>
-              <a:gd name="connsiteX3" fmla="*/ 893082 w 903343"/>
-              <a:gd name="connsiteY3" fmla="*/ 47818 h 50483"/>
-              <a:gd name="connsiteX4" fmla="*/ 884970 w 903343"/>
-              <a:gd name="connsiteY4" fmla="*/ 0 h 50483"/>
-              <a:gd name="connsiteX0" fmla="*/ 0 w 903343"/>
-              <a:gd name="connsiteY0" fmla="*/ 50483 h 50483"/>
-              <a:gd name="connsiteX1" fmla="*/ 310896 w 903343"/>
-              <a:gd name="connsiteY1" fmla="*/ 41339 h 50483"/>
-              <a:gd name="connsiteX2" fmla="*/ 893082 w 903343"/>
-              <a:gd name="connsiteY2" fmla="*/ 47818 h 50483"/>
-              <a:gd name="connsiteX3" fmla="*/ 884970 w 903343"/>
-              <a:gd name="connsiteY3" fmla="*/ 0 h 50483"/>
-              <a:gd name="connsiteX0" fmla="*/ 0 w 903343"/>
-              <a:gd name="connsiteY0" fmla="*/ 50483 h 50483"/>
-              <a:gd name="connsiteX1" fmla="*/ 893082 w 903343"/>
-              <a:gd name="connsiteY1" fmla="*/ 47818 h 50483"/>
-              <a:gd name="connsiteX2" fmla="*/ 884970 w 903343"/>
-              <a:gd name="connsiteY2" fmla="*/ 0 h 50483"/>
-              <a:gd name="connsiteX0" fmla="*/ 0 w 1022427"/>
-              <a:gd name="connsiteY0" fmla="*/ 18344 h 47818"/>
-              <a:gd name="connsiteX1" fmla="*/ 1012166 w 1022427"/>
-              <a:gd name="connsiteY1" fmla="*/ 47818 h 47818"/>
-              <a:gd name="connsiteX2" fmla="*/ 1004054 w 1022427"/>
-              <a:gd name="connsiteY2" fmla="*/ 0 h 47818"/>
-              <a:gd name="connsiteX0" fmla="*/ 0 w 1006304"/>
-              <a:gd name="connsiteY0" fmla="*/ 18344 h 21268"/>
-              <a:gd name="connsiteX1" fmla="*/ 993784 w 1006304"/>
-              <a:gd name="connsiteY1" fmla="*/ 21268 h 21268"/>
-              <a:gd name="connsiteX2" fmla="*/ 1004054 w 1006304"/>
-              <a:gd name="connsiteY2" fmla="*/ 0 h 21268"/>
-              <a:gd name="connsiteX0" fmla="*/ 0 w 1004054"/>
-              <a:gd name="connsiteY0" fmla="*/ 18344 h 21268"/>
-              <a:gd name="connsiteX1" fmla="*/ 993784 w 1004054"/>
-              <a:gd name="connsiteY1" fmla="*/ 21268 h 21268"/>
-              <a:gd name="connsiteX2" fmla="*/ 1004054 w 1004054"/>
-              <a:gd name="connsiteY2" fmla="*/ 0 h 21268"/>
-              <a:gd name="connsiteX0" fmla="*/ 0 w 1004054"/>
-              <a:gd name="connsiteY0" fmla="*/ 18344 h 21268"/>
-              <a:gd name="connsiteX1" fmla="*/ 993784 w 1004054"/>
-              <a:gd name="connsiteY1" fmla="*/ 21268 h 21268"/>
-              <a:gd name="connsiteX2" fmla="*/ 1004054 w 1004054"/>
-              <a:gd name="connsiteY2" fmla="*/ 0 h 21268"/>
-              <a:gd name="connsiteX0" fmla="*/ 0 w 993784"/>
-              <a:gd name="connsiteY0" fmla="*/ 21837 h 24761"/>
-              <a:gd name="connsiteX1" fmla="*/ 993784 w 993784"/>
-              <a:gd name="connsiteY1" fmla="*/ 24761 h 24761"/>
-              <a:gd name="connsiteX2" fmla="*/ 991266 w 993784"/>
-              <a:gd name="connsiteY2" fmla="*/ 0 h 24761"/>
-              <a:gd name="connsiteX0" fmla="*/ 0 w 991266"/>
-              <a:gd name="connsiteY0" fmla="*/ 21837 h 21837"/>
-              <a:gd name="connsiteX1" fmla="*/ 873901 w 991266"/>
-              <a:gd name="connsiteY1" fmla="*/ 21617 h 21837"/>
-              <a:gd name="connsiteX2" fmla="*/ 991266 w 991266"/>
-              <a:gd name="connsiteY2" fmla="*/ 0 h 21837"/>
-              <a:gd name="connsiteX0" fmla="*/ 0 w 873901"/>
-              <a:gd name="connsiteY0" fmla="*/ 22012 h 22012"/>
-              <a:gd name="connsiteX1" fmla="*/ 873901 w 873901"/>
-              <a:gd name="connsiteY1" fmla="*/ 21792 h 22012"/>
-              <a:gd name="connsiteX2" fmla="*/ 872981 w 873901"/>
-              <a:gd name="connsiteY2" fmla="*/ 0 h 22012"/>
-              <a:gd name="connsiteX0" fmla="*/ 0 w 881094"/>
-              <a:gd name="connsiteY0" fmla="*/ 22012 h 22012"/>
-              <a:gd name="connsiteX1" fmla="*/ 881094 w 881094"/>
-              <a:gd name="connsiteY1" fmla="*/ 21967 h 22012"/>
-              <a:gd name="connsiteX2" fmla="*/ 872981 w 881094"/>
-              <a:gd name="connsiteY2" fmla="*/ 0 h 22012"/>
-              <a:gd name="connsiteX0" fmla="*/ 0 w 881094"/>
-              <a:gd name="connsiteY0" fmla="*/ 21837 h 21837"/>
-              <a:gd name="connsiteX1" fmla="*/ 881094 w 881094"/>
-              <a:gd name="connsiteY1" fmla="*/ 21792 h 21837"/>
-              <a:gd name="connsiteX2" fmla="*/ 880974 w 881094"/>
-              <a:gd name="connsiteY2" fmla="*/ 0 h 21837"/>
-              <a:gd name="connsiteX0" fmla="*/ 0 w 890685"/>
-              <a:gd name="connsiteY0" fmla="*/ 20964 h 21792"/>
-              <a:gd name="connsiteX1" fmla="*/ 890685 w 890685"/>
-              <a:gd name="connsiteY1" fmla="*/ 21792 h 21792"/>
-              <a:gd name="connsiteX2" fmla="*/ 890565 w 890685"/>
-              <a:gd name="connsiteY2" fmla="*/ 0 h 21792"/>
-              <a:gd name="connsiteX0" fmla="*/ 0 w 898677"/>
-              <a:gd name="connsiteY0" fmla="*/ 20789 h 21792"/>
-              <a:gd name="connsiteX1" fmla="*/ 898677 w 898677"/>
-              <a:gd name="connsiteY1" fmla="*/ 21792 h 21792"/>
-              <a:gd name="connsiteX2" fmla="*/ 898557 w 898677"/>
-              <a:gd name="connsiteY2" fmla="*/ 0 h 21792"/>
-              <a:gd name="connsiteX0" fmla="*/ 0 w 898677"/>
-              <a:gd name="connsiteY0" fmla="*/ 20789 h 21443"/>
-              <a:gd name="connsiteX1" fmla="*/ 898677 w 898677"/>
-              <a:gd name="connsiteY1" fmla="*/ 21443 h 21443"/>
-              <a:gd name="connsiteX2" fmla="*/ 898557 w 898677"/>
-              <a:gd name="connsiteY2" fmla="*/ 0 h 21443"/>
-              <a:gd name="connsiteX0" fmla="*/ 0 w 900167"/>
-              <a:gd name="connsiteY0" fmla="*/ 20789 h 21443"/>
-              <a:gd name="connsiteX1" fmla="*/ 898677 w 900167"/>
-              <a:gd name="connsiteY1" fmla="*/ 21443 h 21443"/>
-              <a:gd name="connsiteX2" fmla="*/ 898557 w 900167"/>
-              <a:gd name="connsiteY2" fmla="*/ 0 h 21443"/>
-              <a:gd name="connsiteX0" fmla="*/ 0 w 899119"/>
-              <a:gd name="connsiteY0" fmla="*/ 20789 h 21443"/>
-              <a:gd name="connsiteX1" fmla="*/ 898677 w 899119"/>
-              <a:gd name="connsiteY1" fmla="*/ 21443 h 21443"/>
-              <a:gd name="connsiteX2" fmla="*/ 898557 w 899119"/>
-              <a:gd name="connsiteY2" fmla="*/ 0 h 21443"/>
-              <a:gd name="connsiteX0" fmla="*/ 0 w 899500"/>
-              <a:gd name="connsiteY0" fmla="*/ 20789 h 21443"/>
-              <a:gd name="connsiteX1" fmla="*/ 898677 w 899500"/>
-              <a:gd name="connsiteY1" fmla="*/ 21443 h 21443"/>
-              <a:gd name="connsiteX2" fmla="*/ 898557 w 899500"/>
-              <a:gd name="connsiteY2" fmla="*/ 0 h 21443"/>
-              <a:gd name="connsiteX0" fmla="*/ 0 w 899119"/>
-              <a:gd name="connsiteY0" fmla="*/ 20789 h 21443"/>
-              <a:gd name="connsiteX1" fmla="*/ 898677 w 899119"/>
-              <a:gd name="connsiteY1" fmla="*/ 21443 h 21443"/>
-              <a:gd name="connsiteX2" fmla="*/ 898557 w 899119"/>
-              <a:gd name="connsiteY2" fmla="*/ 0 h 21443"/>
-              <a:gd name="connsiteX0" fmla="*/ 0 w 898677"/>
-              <a:gd name="connsiteY0" fmla="*/ 20789 h 21443"/>
-              <a:gd name="connsiteX1" fmla="*/ 898677 w 898677"/>
-              <a:gd name="connsiteY1" fmla="*/ 21443 h 21443"/>
-              <a:gd name="connsiteX2" fmla="*/ 898557 w 898677"/>
-              <a:gd name="connsiteY2" fmla="*/ 0 h 21443"/>
-              <a:gd name="connsiteX0" fmla="*/ 0 w 898677"/>
-              <a:gd name="connsiteY0" fmla="*/ 20789 h 21443"/>
-              <a:gd name="connsiteX1" fmla="*/ 898677 w 898677"/>
-              <a:gd name="connsiteY1" fmla="*/ 21443 h 21443"/>
-              <a:gd name="connsiteX2" fmla="*/ 898557 w 898677"/>
-              <a:gd name="connsiteY2" fmla="*/ 0 h 21443"/>
-              <a:gd name="connsiteX0" fmla="*/ 0 w 898677"/>
-              <a:gd name="connsiteY0" fmla="*/ 20789 h 20832"/>
-              <a:gd name="connsiteX1" fmla="*/ 898677 w 898677"/>
-              <a:gd name="connsiteY1" fmla="*/ 20832 h 20832"/>
-              <a:gd name="connsiteX2" fmla="*/ 898557 w 898677"/>
-              <a:gd name="connsiteY2" fmla="*/ 0 h 20832"/>
-              <a:gd name="connsiteX0" fmla="*/ 0 w 899204"/>
-              <a:gd name="connsiteY0" fmla="*/ 20789 h 20832"/>
-              <a:gd name="connsiteX1" fmla="*/ 898677 w 899204"/>
-              <a:gd name="connsiteY1" fmla="*/ 20832 h 20832"/>
-              <a:gd name="connsiteX2" fmla="*/ 898557 w 899204"/>
-              <a:gd name="connsiteY2" fmla="*/ 0 h 20832"/>
-              <a:gd name="connsiteX0" fmla="*/ 0 w 898718"/>
-              <a:gd name="connsiteY0" fmla="*/ 20789 h 20832"/>
-              <a:gd name="connsiteX1" fmla="*/ 898677 w 898718"/>
-              <a:gd name="connsiteY1" fmla="*/ 20832 h 20832"/>
-              <a:gd name="connsiteX2" fmla="*/ 898557 w 898718"/>
-              <a:gd name="connsiteY2" fmla="*/ 0 h 20832"/>
-              <a:gd name="connsiteX0" fmla="*/ 0 w 899043"/>
-              <a:gd name="connsiteY0" fmla="*/ 20789 h 20832"/>
-              <a:gd name="connsiteX1" fmla="*/ 898677 w 899043"/>
-              <a:gd name="connsiteY1" fmla="*/ 20832 h 20832"/>
-              <a:gd name="connsiteX2" fmla="*/ 898557 w 899043"/>
-              <a:gd name="connsiteY2" fmla="*/ 0 h 20832"/>
-              <a:gd name="connsiteX0" fmla="*/ 0 w 899043"/>
-              <a:gd name="connsiteY0" fmla="*/ 21488 h 21531"/>
-              <a:gd name="connsiteX1" fmla="*/ 898677 w 899043"/>
-              <a:gd name="connsiteY1" fmla="*/ 21531 h 21531"/>
-              <a:gd name="connsiteX2" fmla="*/ 898557 w 899043"/>
-              <a:gd name="connsiteY2" fmla="*/ 0 h 21531"/>
-            </a:gdLst>
-            <a:ahLst/>
-            <a:cxnLst>
-              <a:cxn ang="0">
-                <a:pos x="connsiteX0" y="connsiteY0"/>
-              </a:cxn>
-              <a:cxn ang="0">
-                <a:pos x="connsiteX1" y="connsiteY1"/>
-              </a:cxn>
-              <a:cxn ang="0">
-                <a:pos x="connsiteX2" y="connsiteY2"/>
-              </a:cxn>
-            </a:cxnLst>
-            <a:rect l="l" t="t" r="r" b="b"/>
-            <a:pathLst>
-              <a:path w="899043" h="21531">
-                <a:moveTo>
-                  <a:pt x="0" y="21488"/>
-                </a:moveTo>
-                <a:lnTo>
-                  <a:pt x="898677" y="21531"/>
-                </a:lnTo>
-                <a:cubicBezTo>
-                  <a:pt x="899149" y="14264"/>
-                  <a:pt x="899222" y="6408"/>
-                  <a:pt x="898557" y="0"/>
-                </a:cubicBezTo>
-              </a:path>
-            </a:pathLst>
-          </a:custGeom>
-          <a:noFill/>
-          <a:ln w="9525">
-            <a:solidFill>
-              <a:schemeClr val="tx1"/>
-            </a:solidFill>
-            <a:tailEnd type="triangle" w="sm" len="sm"/>
-          </a:ln>
-        </p:spPr>
-        <p:style>
-          <a:lnRef idx="2">
-            <a:schemeClr val="accent1">
-              <a:shade val="50000"/>
-            </a:schemeClr>
-          </a:lnRef>
-          <a:fillRef idx="1">
-            <a:schemeClr val="accent1"/>
-          </a:fillRef>
-          <a:effectRef idx="0">
-            <a:schemeClr val="accent1"/>
-          </a:effectRef>
-          <a:fontRef idx="minor">
-            <a:schemeClr val="lt1"/>
-          </a:fontRef>
-        </p:style>
-        <p:txBody>
-          <a:bodyPr rtlCol="0" anchor="ctr"/>
-          <a:lstStyle/>
-          <a:p>
-            <a:pPr algn="ctr"/>
-            <a:endParaRPr lang="en-US" dirty="0"/>
-          </a:p>
-        </p:txBody>
-      </p:sp>
       <p:sp>
         <p:nvSpPr>
           <p:cNvPr id="403" name="TextBox 402"/>
@@ -18611,14 +18025,7 @@
                   <a:latin typeface="Arial" panose="020B0604020202020204" pitchFamily="34" charset="0"/>
                   <a:cs typeface="Arial" panose="020B0604020202020204" pitchFamily="34" charset="0"/>
                 </a:rPr>
-                <a:t> </a:t>
-              </a:r>
-              <a:r>
-                <a:rPr lang="en-US" sz="800" dirty="0" smtClean="0">
-                  <a:latin typeface="Arial" panose="020B0604020202020204" pitchFamily="34" charset="0"/>
-                  <a:cs typeface="Arial" panose="020B0604020202020204" pitchFamily="34" charset="0"/>
-                </a:rPr>
-                <a:t>{</a:t>
+                <a:t> {</a:t>
               </a:r>
             </a:p>
             <a:p>
@@ -18874,10 +18281,6 @@
                 </a:rPr>
                 <a:t> {}</a:t>
               </a:r>
-              <a:endParaRPr lang="en-US" sz="800" dirty="0" smtClean="0">
-                <a:latin typeface="Arial" panose="020B0604020202020204" pitchFamily="34" charset="0"/>
-                <a:cs typeface="Arial" panose="020B0604020202020204" pitchFamily="34" charset="0"/>
-              </a:endParaRPr>
             </a:p>
             <a:p>
               <a:r>
@@ -19555,6 +18958,43 @@
           </p:txBody>
         </p:sp>
       </p:grpSp>
+      <p:cxnSp>
+        <p:nvCxnSpPr>
+          <p:cNvPr id="150" name="Straight Arrow Connector 149"/>
+          <p:cNvCxnSpPr/>
+          <p:nvPr/>
+        </p:nvCxnSpPr>
+        <p:spPr>
+          <a:xfrm flipV="1">
+            <a:off x="461858" y="5022701"/>
+            <a:ext cx="2448000" cy="701"/>
+          </a:xfrm>
+          <a:prstGeom prst="straightConnector1">
+            <a:avLst/>
+          </a:prstGeom>
+          <a:ln w="9525">
+            <a:solidFill>
+              <a:schemeClr val="tx1"/>
+            </a:solidFill>
+            <a:prstDash val="solid"/>
+            <a:tailEnd type="triangle" w="sm" len="sm"/>
+          </a:ln>
+        </p:spPr>
+        <p:style>
+          <a:lnRef idx="1">
+            <a:schemeClr val="accent1"/>
+          </a:lnRef>
+          <a:fillRef idx="0">
+            <a:schemeClr val="accent1"/>
+          </a:fillRef>
+          <a:effectRef idx="0">
+            <a:schemeClr val="accent1"/>
+          </a:effectRef>
+          <a:fontRef idx="minor">
+            <a:schemeClr val="tx1"/>
+          </a:fontRef>
+        </p:style>
+      </p:cxnSp>
     </p:spTree>
     <p:extLst>
       <p:ext uri="{BB962C8B-B14F-4D97-AF65-F5344CB8AC3E}">

--- a/webpayment.resources/docs/webpay-card-payment-statediagram.pptx
+++ b/webpayment.resources/docs/webpay-card-payment-statediagram.pptx
@@ -192,7 +192,7 @@
           <a:p>
             <a:fld id="{EC8C8056-B549-4FBF-9C23-C3E3767DB98D}" type="datetimeFigureOut">
               <a:rPr lang="en-US" smtClean="0"/>
-              <a:t>2015-09-28</a:t>
+              <a:t>2015-09-29</a:t>
             </a:fld>
             <a:endParaRPr lang="en-US"/>
           </a:p>
@@ -905,7 +905,7 @@
         <p:spPr>
           <a:xfrm>
             <a:off x="472023" y="906290"/>
-            <a:ext cx="0" cy="14760000"/>
+            <a:ext cx="0" cy="14832000"/>
           </a:xfrm>
           <a:prstGeom prst="line">
             <a:avLst/>
@@ -974,7 +974,7 @@
         <p:spPr>
           <a:xfrm>
             <a:off x="4167256" y="1668062"/>
-            <a:ext cx="0" cy="13716000"/>
+            <a:ext cx="0" cy="13824000"/>
           </a:xfrm>
           <a:prstGeom prst="line">
             <a:avLst/>
@@ -1004,7 +1004,7 @@
         </p:nvCxnSpPr>
         <p:spPr>
           <a:xfrm flipH="1">
-            <a:off x="2479005" y="11405508"/>
+            <a:off x="2479005" y="11549524"/>
             <a:ext cx="4680000" cy="0"/>
           </a:xfrm>
           <a:prstGeom prst="straightConnector1">
@@ -1041,7 +1041,7 @@
         <p:spPr>
           <a:xfrm flipH="1">
             <a:off x="2449959" y="846036"/>
-            <a:ext cx="2428" cy="14832000"/>
+            <a:ext cx="2428" cy="14904000"/>
           </a:xfrm>
           <a:prstGeom prst="line">
             <a:avLst/>
@@ -11687,7 +11687,7 @@
         </p:nvCxnSpPr>
         <p:spPr>
           <a:xfrm>
-            <a:off x="1328880" y="15418546"/>
+            <a:off x="1328880" y="15521221"/>
             <a:ext cx="1131700" cy="216"/>
           </a:xfrm>
           <a:prstGeom prst="straightConnector1">
@@ -12275,7 +12275,7 @@
         <p:spPr>
           <a:xfrm>
             <a:off x="1308578" y="846036"/>
-            <a:ext cx="567" cy="14832000"/>
+            <a:ext cx="567" cy="14904000"/>
           </a:xfrm>
           <a:prstGeom prst="line">
             <a:avLst/>
@@ -12306,7 +12306,7 @@
         <p:spPr>
           <a:xfrm>
             <a:off x="7909302" y="846037"/>
-            <a:ext cx="6302" cy="14832000"/>
+            <a:ext cx="6302" cy="14904000"/>
           </a:xfrm>
           <a:prstGeom prst="line">
             <a:avLst/>
@@ -13337,7 +13337,7 @@
         </p:nvCxnSpPr>
         <p:spPr>
           <a:xfrm flipH="1">
-            <a:off x="2465443" y="8147950"/>
+            <a:off x="2465443" y="8192218"/>
             <a:ext cx="4629083" cy="0"/>
           </a:xfrm>
           <a:prstGeom prst="straightConnector1">
@@ -13410,7 +13410,7 @@
         </p:nvSpPr>
         <p:spPr>
           <a:xfrm>
-            <a:off x="1356728" y="15217170"/>
+            <a:off x="1356728" y="15319845"/>
             <a:ext cx="1043876" cy="195814"/>
           </a:xfrm>
           <a:prstGeom prst="rect">
@@ -13447,7 +13447,7 @@
         </p:nvSpPr>
         <p:spPr>
           <a:xfrm>
-            <a:off x="2964437" y="7961858"/>
+            <a:off x="2964437" y="8006126"/>
             <a:ext cx="611312" cy="153888"/>
           </a:xfrm>
           <a:prstGeom prst="rect">
@@ -13498,7 +13498,7 @@
         <p:spPr>
           <a:xfrm>
             <a:off x="7039392" y="10021589"/>
-            <a:ext cx="1745981" cy="550962"/>
+            <a:ext cx="1745981" cy="697885"/>
           </a:xfrm>
           <a:prstGeom prst="snip2DiagRect">
             <a:avLst/>
@@ -13546,7 +13546,7 @@
                 <a:latin typeface="Arial" panose="020B0604020202020204" pitchFamily="34" charset="0"/>
                 <a:cs typeface="Arial" panose="020B0604020202020204" pitchFamily="34" charset="0"/>
               </a:rPr>
-              <a:t>Decrypting </a:t>
+              <a:t>Decrypt </a:t>
             </a:r>
             <a:r>
               <a:rPr lang="en-US" sz="800" dirty="0" err="1" smtClean="0">
@@ -13555,12 +13555,32 @@
               </a:rPr>
               <a:t>authorizationData</a:t>
             </a:r>
+            <a:endParaRPr lang="en-US" sz="800" dirty="0" smtClean="0">
+              <a:latin typeface="Arial" panose="020B0604020202020204" pitchFamily="34" charset="0"/>
+              <a:cs typeface="Arial" panose="020B0604020202020204" pitchFamily="34" charset="0"/>
+            </a:endParaRPr>
+          </a:p>
+          <a:p>
+            <a:r>
+              <a:rPr lang="en-US" sz="800" dirty="0" smtClean="0">
+                <a:latin typeface="Lucida Sans Unicode"/>
+                <a:cs typeface="Lucida Sans Unicode"/>
+              </a:rPr>
+              <a:t>∙</a:t>
+            </a:r>
+            <a:r>
+              <a:rPr lang="en-US" sz="800" dirty="0" smtClean="0">
+                <a:latin typeface="Arial" panose="020B0604020202020204" pitchFamily="34" charset="0"/>
+                <a:cs typeface="Arial" panose="020B0604020202020204" pitchFamily="34" charset="0"/>
+              </a:rPr>
+              <a:t> </a:t>
+            </a:r>
             <a:r>
               <a:rPr lang="en-US" sz="800" i="1" dirty="0" smtClean="0">
                 <a:latin typeface="Arial" panose="020B0604020202020204" pitchFamily="34" charset="0"/>
                 <a:cs typeface="Arial" panose="020B0604020202020204" pitchFamily="34" charset="0"/>
               </a:rPr>
-              <a:t/>
+              <a:t>Encrypt user account data</a:t>
             </a:r>
             <a:br>
               <a:rPr lang="en-US" sz="800" i="1" dirty="0" smtClean="0">
@@ -13587,7 +13607,7 @@
                 <a:latin typeface="Arial" panose="020B0604020202020204" pitchFamily="34" charset="0"/>
                 <a:cs typeface="Arial" panose="020B0604020202020204" pitchFamily="34" charset="0"/>
               </a:rPr>
-              <a:t>Hooking into the local bank</a:t>
+              <a:t>Hook into the local bank</a:t>
             </a:r>
             <a:br>
               <a:rPr lang="en-US" sz="800" i="1" dirty="0" smtClean="0">
@@ -13624,7 +13644,7 @@
         </p:nvCxnSpPr>
         <p:spPr>
           <a:xfrm>
-            <a:off x="2466889" y="7884116"/>
+            <a:off x="2466889" y="7928384"/>
             <a:ext cx="4620628" cy="0"/>
           </a:xfrm>
           <a:prstGeom prst="straightConnector1">
@@ -14898,7 +14918,7 @@
         </p:nvCxnSpPr>
         <p:spPr>
           <a:xfrm flipV="1">
-            <a:off x="2459903" y="15417915"/>
+            <a:off x="2459903" y="15520590"/>
             <a:ext cx="1690332" cy="756"/>
           </a:xfrm>
           <a:prstGeom prst="line">
@@ -14935,7 +14955,7 @@
         </p:nvSpPr>
         <p:spPr>
           <a:xfrm>
-            <a:off x="4124593" y="15373481"/>
+            <a:off x="4124593" y="15476156"/>
             <a:ext cx="85326" cy="90380"/>
           </a:xfrm>
           <a:prstGeom prst="ellipse">
@@ -14979,7 +14999,7 @@
         </p:nvSpPr>
         <p:spPr>
           <a:xfrm>
-            <a:off x="2665429" y="15257662"/>
+            <a:off x="2665429" y="15360337"/>
             <a:ext cx="1324080" cy="123111"/>
           </a:xfrm>
           <a:prstGeom prst="rect">
@@ -15015,7 +15035,7 @@
         </p:nvSpPr>
         <p:spPr>
           <a:xfrm>
-            <a:off x="5323321" y="8076937"/>
+            <a:off x="5323321" y="8121205"/>
             <a:ext cx="834130" cy="123111"/>
           </a:xfrm>
           <a:prstGeom prst="rect">
@@ -15059,7 +15079,7 @@
         </p:nvSpPr>
         <p:spPr>
           <a:xfrm>
-            <a:off x="5435531" y="7813961"/>
+            <a:off x="5435531" y="7858229"/>
             <a:ext cx="609710" cy="123111"/>
           </a:xfrm>
           <a:prstGeom prst="rect">
@@ -15496,7 +15516,7 @@
         </p:nvGrpSpPr>
         <p:grpSpPr>
           <a:xfrm>
-            <a:off x="7087517" y="7649093"/>
+            <a:off x="7087517" y="7703430"/>
             <a:ext cx="1587201" cy="739079"/>
             <a:chOff x="6871493" y="6953746"/>
             <a:chExt cx="1587201" cy="739079"/>
@@ -15689,7 +15709,7 @@
         </p:nvSpPr>
         <p:spPr>
           <a:xfrm>
-            <a:off x="2592685" y="11215389"/>
+            <a:off x="2592685" y="11359405"/>
             <a:ext cx="1476934" cy="153888"/>
           </a:xfrm>
           <a:prstGeom prst="rect">
@@ -15732,7 +15752,7 @@
         </p:nvCxnSpPr>
         <p:spPr>
           <a:xfrm>
-            <a:off x="2911053" y="8836384"/>
+            <a:off x="2911053" y="8860768"/>
             <a:ext cx="4968000" cy="0"/>
           </a:xfrm>
           <a:prstGeom prst="straightConnector1">
@@ -15968,7 +15988,7 @@
         </p:nvSpPr>
         <p:spPr>
           <a:xfrm>
-            <a:off x="6481117" y="8635060"/>
+            <a:off x="6481117" y="8659444"/>
             <a:ext cx="1304844" cy="153888"/>
           </a:xfrm>
           <a:prstGeom prst="rect">
@@ -16009,7 +16029,7 @@
         </p:nvSpPr>
         <p:spPr>
           <a:xfrm>
-            <a:off x="5323321" y="11337650"/>
+            <a:off x="5323321" y="11481666"/>
             <a:ext cx="834130" cy="123111"/>
           </a:xfrm>
           <a:prstGeom prst="rect">
@@ -16053,7 +16073,7 @@
         </p:nvSpPr>
         <p:spPr>
           <a:xfrm>
-            <a:off x="5401067" y="8769117"/>
+            <a:off x="5401067" y="8793501"/>
             <a:ext cx="678638" cy="123111"/>
           </a:xfrm>
           <a:prstGeom prst="rect">
@@ -16089,265 +16109,52 @@
           </a:p>
         </p:txBody>
       </p:sp>
-      <p:sp>
-        <p:nvSpPr>
-          <p:cNvPr id="396" name="Rectangle 395"/>
-          <p:cNvSpPr/>
-          <p:nvPr/>
-        </p:nvSpPr>
-        <p:spPr>
-          <a:xfrm>
-            <a:off x="7130969" y="10933002"/>
-            <a:ext cx="1587201" cy="1792398"/>
-          </a:xfrm>
-          <a:prstGeom prst="rect">
-            <a:avLst/>
-          </a:prstGeom>
-          <a:solidFill>
-            <a:schemeClr val="accent3">
-              <a:lumMod val="20000"/>
-              <a:lumOff val="80000"/>
-            </a:schemeClr>
-          </a:solidFill>
-          <a:ln w="15875">
-            <a:solidFill>
-              <a:srgbClr val="FF0000"/>
-            </a:solidFill>
-          </a:ln>
-          <a:effectLst>
-            <a:outerShdw blurRad="50800" dist="38100" dir="2700000" algn="tl" rotWithShape="0">
-              <a:prstClr val="black">
-                <a:alpha val="40000"/>
-              </a:prstClr>
-            </a:outerShdw>
-          </a:effectLst>
-        </p:spPr>
-        <p:style>
-          <a:lnRef idx="2">
-            <a:schemeClr val="accent1">
-              <a:shade val="50000"/>
-            </a:schemeClr>
-          </a:lnRef>
-          <a:fillRef idx="1">
-            <a:schemeClr val="accent1"/>
-          </a:fillRef>
-          <a:effectRef idx="0">
-            <a:schemeClr val="accent1"/>
-          </a:effectRef>
-          <a:fontRef idx="minor">
-            <a:schemeClr val="lt1"/>
-          </a:fontRef>
-        </p:style>
-        <p:txBody>
-          <a:bodyPr rtlCol="0" anchor="ctr"/>
-          <a:lstStyle/>
-          <a:p>
-            <a:endParaRPr lang="en-US" dirty="0"/>
-          </a:p>
-        </p:txBody>
-      </p:sp>
-      <p:sp>
-        <p:nvSpPr>
-          <p:cNvPr id="397" name="TextBox 396"/>
-          <p:cNvSpPr txBox="1"/>
-          <p:nvPr/>
-        </p:nvSpPr>
-        <p:spPr>
-          <a:xfrm>
-            <a:off x="7129189" y="11875288"/>
-            <a:ext cx="1303562" cy="830997"/>
-          </a:xfrm>
-          <a:prstGeom prst="rect">
-            <a:avLst/>
-          </a:prstGeom>
-          <a:noFill/>
-        </p:spPr>
-        <p:txBody>
-          <a:bodyPr wrap="none" rtlCol="0">
-            <a:spAutoFit/>
-          </a:bodyPr>
-          <a:lstStyle/>
-          <a:p>
-            <a:r>
-              <a:rPr lang="en-US" sz="800" dirty="0" err="1" smtClean="0">
-                <a:latin typeface="Arial" panose="020B0604020202020204" pitchFamily="34" charset="0"/>
-                <a:cs typeface="Arial" panose="020B0604020202020204" pitchFamily="34" charset="0"/>
-              </a:rPr>
-              <a:t>accountType</a:t>
-            </a:r>
-            <a:endParaRPr lang="en-US" sz="800" dirty="0" smtClean="0">
-              <a:latin typeface="Arial" panose="020B0604020202020204" pitchFamily="34" charset="0"/>
-              <a:cs typeface="Arial" panose="020B0604020202020204" pitchFamily="34" charset="0"/>
-            </a:endParaRPr>
-          </a:p>
-          <a:p>
-            <a:r>
-              <a:rPr lang="en-US" sz="800" dirty="0" err="1" smtClean="0">
-                <a:latin typeface="Arial" panose="020B0604020202020204" pitchFamily="34" charset="0"/>
-                <a:cs typeface="Arial" panose="020B0604020202020204" pitchFamily="34" charset="0"/>
-              </a:rPr>
-              <a:t>accountReference</a:t>
-            </a:r>
-            <a:endParaRPr lang="en-US" sz="800" dirty="0" smtClean="0">
-              <a:latin typeface="Arial" panose="020B0604020202020204" pitchFamily="34" charset="0"/>
-              <a:cs typeface="Arial" panose="020B0604020202020204" pitchFamily="34" charset="0"/>
-            </a:endParaRPr>
-          </a:p>
-          <a:p>
-            <a:r>
-              <a:rPr lang="en-US" sz="800" dirty="0" err="1" smtClean="0">
-                <a:latin typeface="Arial" panose="020B0604020202020204" pitchFamily="34" charset="0"/>
-                <a:cs typeface="Arial" panose="020B0604020202020204" pitchFamily="34" charset="0"/>
-              </a:rPr>
-              <a:t>protectedAccountData</a:t>
-            </a:r>
-            <a:r>
-              <a:rPr lang="en-US" sz="800" dirty="0" smtClean="0">
-                <a:latin typeface="Arial" panose="020B0604020202020204" pitchFamily="34" charset="0"/>
-                <a:cs typeface="Arial" panose="020B0604020202020204" pitchFamily="34" charset="0"/>
-              </a:rPr>
-              <a:t> {}</a:t>
-            </a:r>
-          </a:p>
-          <a:p>
-            <a:r>
-              <a:rPr lang="en-US" sz="800" dirty="0" smtClean="0">
-                <a:latin typeface="Arial" panose="020B0604020202020204" pitchFamily="34" charset="0"/>
-                <a:cs typeface="Arial" panose="020B0604020202020204" pitchFamily="34" charset="0"/>
-              </a:rPr>
-              <a:t>expires</a:t>
-            </a:r>
-          </a:p>
-          <a:p>
-            <a:r>
-              <a:rPr lang="en-US" sz="800" dirty="0" smtClean="0">
-                <a:latin typeface="Arial" panose="020B0604020202020204" pitchFamily="34" charset="0"/>
-                <a:cs typeface="Arial" panose="020B0604020202020204" pitchFamily="34" charset="0"/>
-              </a:rPr>
-              <a:t>    …</a:t>
-            </a:r>
-          </a:p>
-          <a:p>
-            <a:r>
-              <a:rPr lang="en-US" sz="800" b="1" dirty="0" smtClean="0">
-                <a:solidFill>
-                  <a:schemeClr val="accent2"/>
-                </a:solidFill>
-                <a:latin typeface="Arial" panose="020B0604020202020204" pitchFamily="34" charset="0"/>
-                <a:cs typeface="Arial" panose="020B0604020202020204" pitchFamily="34" charset="0"/>
-              </a:rPr>
-              <a:t>signature</a:t>
-            </a:r>
-            <a:r>
-              <a:rPr lang="en-US" sz="800" dirty="0" smtClean="0">
-                <a:solidFill>
-                  <a:schemeClr val="accent2"/>
-                </a:solidFill>
-                <a:latin typeface="Arial" panose="020B0604020202020204" pitchFamily="34" charset="0"/>
-                <a:cs typeface="Arial" panose="020B0604020202020204" pitchFamily="34" charset="0"/>
-              </a:rPr>
-              <a:t> </a:t>
-            </a:r>
-            <a:r>
-              <a:rPr lang="en-US" sz="800" dirty="0" smtClean="0">
-                <a:latin typeface="Arial" panose="020B0604020202020204" pitchFamily="34" charset="0"/>
-                <a:cs typeface="Arial" panose="020B0604020202020204" pitchFamily="34" charset="0"/>
-              </a:rPr>
-              <a:t>{} </a:t>
-            </a:r>
-            <a:endParaRPr lang="en-US" sz="800" dirty="0">
-              <a:latin typeface="Arial" panose="020B0604020202020204" pitchFamily="34" charset="0"/>
-              <a:cs typeface="Arial" panose="020B0604020202020204" pitchFamily="34" charset="0"/>
-            </a:endParaRPr>
-          </a:p>
-        </p:txBody>
-      </p:sp>
-      <p:sp>
-        <p:nvSpPr>
-          <p:cNvPr id="398" name="TextBox 397"/>
-          <p:cNvSpPr txBox="1"/>
-          <p:nvPr/>
-        </p:nvSpPr>
-        <p:spPr>
-          <a:xfrm>
-            <a:off x="7130970" y="10940629"/>
-            <a:ext cx="1027845" cy="215444"/>
-          </a:xfrm>
-          <a:prstGeom prst="rect">
-            <a:avLst/>
-          </a:prstGeom>
-          <a:noFill/>
-        </p:spPr>
-        <p:txBody>
-          <a:bodyPr wrap="none" rtlCol="0">
-            <a:spAutoFit/>
-          </a:bodyPr>
-          <a:lstStyle/>
-          <a:p>
-            <a:r>
-              <a:rPr lang="en-US" sz="800" dirty="0" err="1" smtClean="0">
-                <a:latin typeface="Arial" panose="020B0604020202020204" pitchFamily="34" charset="0"/>
-                <a:cs typeface="Arial" panose="020B0604020202020204" pitchFamily="34" charset="0"/>
-              </a:rPr>
-              <a:t>paymentRequest</a:t>
-            </a:r>
-            <a:r>
-              <a:rPr lang="en-US" sz="800" dirty="0">
-                <a:latin typeface="Arial" panose="020B0604020202020204" pitchFamily="34" charset="0"/>
-                <a:cs typeface="Arial" panose="020B0604020202020204" pitchFamily="34" charset="0"/>
-              </a:rPr>
-              <a:t> </a:t>
-            </a:r>
-            <a:r>
-              <a:rPr lang="en-US" sz="800" dirty="0" smtClean="0">
-                <a:latin typeface="Arial" panose="020B0604020202020204" pitchFamily="34" charset="0"/>
-                <a:cs typeface="Arial" panose="020B0604020202020204" pitchFamily="34" charset="0"/>
-              </a:rPr>
-              <a:t>{</a:t>
-            </a:r>
-            <a:endParaRPr lang="en-US" sz="800" dirty="0">
-              <a:latin typeface="Arial" panose="020B0604020202020204" pitchFamily="34" charset="0"/>
-              <a:cs typeface="Arial" panose="020B0604020202020204" pitchFamily="34" charset="0"/>
-            </a:endParaRPr>
-          </a:p>
-        </p:txBody>
-      </p:sp>
       <p:grpSp>
         <p:nvGrpSpPr>
-          <p:cNvPr id="399" name="Group 398"/>
+          <p:cNvPr id="3" name="Group 2"/>
           <p:cNvGrpSpPr/>
           <p:nvPr/>
         </p:nvGrpSpPr>
         <p:grpSpPr>
           <a:xfrm>
-            <a:off x="7296496" y="11163052"/>
-            <a:ext cx="845610" cy="724495"/>
-            <a:chOff x="625283" y="3209330"/>
-            <a:chExt cx="845610" cy="724495"/>
+            <a:off x="7129189" y="11143381"/>
+            <a:ext cx="1588981" cy="1792398"/>
+            <a:chOff x="7129189" y="11071373"/>
+            <a:chExt cx="1588981" cy="1792398"/>
           </a:xfrm>
         </p:grpSpPr>
         <p:sp>
           <p:nvSpPr>
-            <p:cNvPr id="400" name="Rectangle 399"/>
+            <p:cNvPr id="396" name="Rectangle 395"/>
             <p:cNvSpPr/>
             <p:nvPr/>
           </p:nvSpPr>
           <p:spPr>
             <a:xfrm>
-              <a:off x="644080" y="3209330"/>
-              <a:ext cx="826813" cy="724495"/>
+              <a:off x="7130969" y="11071373"/>
+              <a:ext cx="1587201" cy="1792398"/>
             </a:xfrm>
             <a:prstGeom prst="rect">
               <a:avLst/>
             </a:prstGeom>
             <a:solidFill>
-              <a:srgbClr val="FEFEDE"/>
+              <a:schemeClr val="accent3">
+                <a:lumMod val="20000"/>
+                <a:lumOff val="80000"/>
+              </a:schemeClr>
             </a:solidFill>
             <a:ln w="15875">
               <a:solidFill>
                 <a:srgbClr val="FF0000"/>
               </a:solidFill>
             </a:ln>
+            <a:effectLst>
+              <a:outerShdw blurRad="50800" dist="38100" dir="2700000" algn="tl" rotWithShape="0">
+                <a:prstClr val="black">
+                  <a:alpha val="40000"/>
+                </a:prstClr>
+              </a:outerShdw>
+            </a:effectLst>
           </p:spPr>
           <p:style>
             <a:lnRef idx="2">
@@ -16375,14 +16182,14 @@
         </p:sp>
         <p:sp>
           <p:nvSpPr>
-            <p:cNvPr id="401" name="TextBox 400"/>
+            <p:cNvPr id="397" name="TextBox 396"/>
             <p:cNvSpPr txBox="1"/>
             <p:nvPr/>
           </p:nvSpPr>
           <p:spPr>
             <a:xfrm>
-              <a:off x="625283" y="3209330"/>
-              <a:ext cx="772969" cy="707886"/>
+              <a:off x="7129189" y="12019304"/>
+              <a:ext cx="1303562" cy="830997"/>
             </a:xfrm>
             <a:prstGeom prst="rect">
               <a:avLst/>
@@ -16396,54 +16203,128 @@
             <a:lstStyle/>
             <a:p>
               <a:r>
-                <a:rPr lang="en-US" sz="800" dirty="0">
+                <a:rPr lang="en-US" sz="800" dirty="0" err="1" smtClean="0">
                   <a:latin typeface="Arial" panose="020B0604020202020204" pitchFamily="34" charset="0"/>
                   <a:cs typeface="Arial" panose="020B0604020202020204" pitchFamily="34" charset="0"/>
                 </a:rPr>
-                <a:t>p</a:t>
+                <a:t>accountType</a:t>
+              </a:r>
+              <a:endParaRPr lang="en-US" sz="800" dirty="0" smtClean="0">
+                <a:latin typeface="Arial" panose="020B0604020202020204" pitchFamily="34" charset="0"/>
+                <a:cs typeface="Arial" panose="020B0604020202020204" pitchFamily="34" charset="0"/>
+              </a:endParaRPr>
+            </a:p>
+            <a:p>
+              <a:r>
+                <a:rPr lang="en-US" sz="800" dirty="0" err="1" smtClean="0">
+                  <a:latin typeface="Arial" panose="020B0604020202020204" pitchFamily="34" charset="0"/>
+                  <a:cs typeface="Arial" panose="020B0604020202020204" pitchFamily="34" charset="0"/>
+                </a:rPr>
+                <a:t>accountReference</a:t>
+              </a:r>
+              <a:endParaRPr lang="en-US" sz="800" dirty="0" smtClean="0">
+                <a:latin typeface="Arial" panose="020B0604020202020204" pitchFamily="34" charset="0"/>
+                <a:cs typeface="Arial" panose="020B0604020202020204" pitchFamily="34" charset="0"/>
+              </a:endParaRPr>
+            </a:p>
+            <a:p>
+              <a:r>
+                <a:rPr lang="en-US" sz="800" dirty="0" err="1" smtClean="0">
+                  <a:latin typeface="Arial" panose="020B0604020202020204" pitchFamily="34" charset="0"/>
+                  <a:cs typeface="Arial" panose="020B0604020202020204" pitchFamily="34" charset="0"/>
+                </a:rPr>
+                <a:t>protectedAccountData</a:t>
               </a:r>
               <a:r>
                 <a:rPr lang="en-US" sz="800" dirty="0" smtClean="0">
                   <a:latin typeface="Arial" panose="020B0604020202020204" pitchFamily="34" charset="0"/>
                   <a:cs typeface="Arial" panose="020B0604020202020204" pitchFamily="34" charset="0"/>
                 </a:rPr>
-                <a:t>ayee</a:t>
+                <a:t> {}</a:t>
               </a:r>
-              <a:br>
+            </a:p>
+            <a:p>
+              <a:r>
                 <a:rPr lang="en-US" sz="800" dirty="0" smtClean="0">
                   <a:latin typeface="Arial" panose="020B0604020202020204" pitchFamily="34" charset="0"/>
                   <a:cs typeface="Arial" panose="020B0604020202020204" pitchFamily="34" charset="0"/>
                 </a:rPr>
-              </a:br>
+                <a:t>expires</a:t>
+              </a:r>
+            </a:p>
+            <a:p>
               <a:r>
-                <a:rPr lang="en-US" sz="800" dirty="0">
+                <a:rPr lang="en-US" sz="800" dirty="0" smtClean="0">
                   <a:latin typeface="Arial" panose="020B0604020202020204" pitchFamily="34" charset="0"/>
                   <a:cs typeface="Arial" panose="020B0604020202020204" pitchFamily="34" charset="0"/>
                 </a:rPr>
-                <a:t>a</a:t>
+                <a:t>    …</a:t>
+              </a:r>
+            </a:p>
+            <a:p>
+              <a:r>
+                <a:rPr lang="en-US" sz="800" b="1" dirty="0" smtClean="0">
+                  <a:solidFill>
+                    <a:schemeClr val="accent2"/>
+                  </a:solidFill>
+                  <a:latin typeface="Arial" panose="020B0604020202020204" pitchFamily="34" charset="0"/>
+                  <a:cs typeface="Arial" panose="020B0604020202020204" pitchFamily="34" charset="0"/>
+                </a:rPr>
+                <a:t>signature</a:t>
+              </a:r>
+              <a:r>
+                <a:rPr lang="en-US" sz="800" dirty="0" smtClean="0">
+                  <a:solidFill>
+                    <a:schemeClr val="accent2"/>
+                  </a:solidFill>
+                  <a:latin typeface="Arial" panose="020B0604020202020204" pitchFamily="34" charset="0"/>
+                  <a:cs typeface="Arial" panose="020B0604020202020204" pitchFamily="34" charset="0"/>
+                </a:rPr>
+                <a:t> </a:t>
               </a:r>
               <a:r>
                 <a:rPr lang="en-US" sz="800" dirty="0" smtClean="0">
                   <a:latin typeface="Arial" panose="020B0604020202020204" pitchFamily="34" charset="0"/>
                   <a:cs typeface="Arial" panose="020B0604020202020204" pitchFamily="34" charset="0"/>
                 </a:rPr>
-                <a:t>mount</a:t>
+                <a:t>{} </a:t>
               </a:r>
-              <a:br>
-                <a:rPr lang="en-US" sz="800" dirty="0" smtClean="0">
+              <a:endParaRPr lang="en-US" sz="800" dirty="0">
+                <a:latin typeface="Arial" panose="020B0604020202020204" pitchFamily="34" charset="0"/>
+                <a:cs typeface="Arial" panose="020B0604020202020204" pitchFamily="34" charset="0"/>
+              </a:endParaRPr>
+            </a:p>
+          </p:txBody>
+        </p:sp>
+        <p:sp>
+          <p:nvSpPr>
+            <p:cNvPr id="398" name="TextBox 397"/>
+            <p:cNvSpPr txBox="1"/>
+            <p:nvPr/>
+          </p:nvSpPr>
+          <p:spPr>
+            <a:xfrm>
+              <a:off x="7130970" y="11084645"/>
+              <a:ext cx="1027845" cy="215444"/>
+            </a:xfrm>
+            <a:prstGeom prst="rect">
+              <a:avLst/>
+            </a:prstGeom>
+            <a:noFill/>
+          </p:spPr>
+          <p:txBody>
+            <a:bodyPr wrap="none" rtlCol="0">
+              <a:spAutoFit/>
+            </a:bodyPr>
+            <a:lstStyle/>
+            <a:p>
+              <a:r>
+                <a:rPr lang="en-US" sz="800" dirty="0" err="1" smtClean="0">
                   <a:latin typeface="Arial" panose="020B0604020202020204" pitchFamily="34" charset="0"/>
                   <a:cs typeface="Arial" panose="020B0604020202020204" pitchFamily="34" charset="0"/>
                 </a:rPr>
-              </a:br>
-              <a:r>
-                <a:rPr lang="en-US" sz="800" dirty="0" smtClean="0">
-                  <a:latin typeface="Arial" panose="020B0604020202020204" pitchFamily="34" charset="0"/>
-                  <a:cs typeface="Arial" panose="020B0604020202020204" pitchFamily="34" charset="0"/>
-                </a:rPr>
-                <a:t>currency</a:t>
+                <a:t>paymentRequest</a:t>
               </a:r>
-            </a:p>
-            <a:p>
               <a:r>
                 <a:rPr lang="en-US" sz="800" dirty="0">
                   <a:latin typeface="Arial" panose="020B0604020202020204" pitchFamily="34" charset="0"/>
@@ -16456,27 +16337,7 @@
                   <a:latin typeface="Arial" panose="020B0604020202020204" pitchFamily="34" charset="0"/>
                   <a:cs typeface="Arial" panose="020B0604020202020204" pitchFamily="34" charset="0"/>
                 </a:rPr>
-                <a:t>    …</a:t>
-              </a:r>
-              <a:br>
-                <a:rPr lang="en-US" sz="800" dirty="0" smtClean="0">
-                  <a:latin typeface="Arial" panose="020B0604020202020204" pitchFamily="34" charset="0"/>
-                  <a:cs typeface="Arial" panose="020B0604020202020204" pitchFamily="34" charset="0"/>
-                </a:rPr>
-              </a:br>
-              <a:r>
-                <a:rPr lang="en-US" sz="800" b="1" dirty="0" smtClean="0">
-                  <a:latin typeface="Arial" panose="020B0604020202020204" pitchFamily="34" charset="0"/>
-                  <a:cs typeface="Arial" panose="020B0604020202020204" pitchFamily="34" charset="0"/>
-                </a:rPr>
-                <a:t>signature</a:t>
-              </a:r>
-              <a:r>
-                <a:rPr lang="en-US" sz="800" dirty="0" smtClean="0">
-                  <a:latin typeface="Arial" panose="020B0604020202020204" pitchFamily="34" charset="0"/>
-                  <a:cs typeface="Arial" panose="020B0604020202020204" pitchFamily="34" charset="0"/>
-                </a:rPr>
-                <a:t> {}</a:t>
+                <a:t>{</a:t>
               </a:r>
               <a:endParaRPr lang="en-US" sz="800" dirty="0">
                 <a:latin typeface="Arial" panose="020B0604020202020204" pitchFamily="34" charset="0"/>
@@ -16485,6 +16346,180 @@
             </a:p>
           </p:txBody>
         </p:sp>
+        <p:grpSp>
+          <p:nvGrpSpPr>
+            <p:cNvPr id="399" name="Group 398"/>
+            <p:cNvGrpSpPr/>
+            <p:nvPr/>
+          </p:nvGrpSpPr>
+          <p:grpSpPr>
+            <a:xfrm>
+              <a:off x="7296496" y="11307068"/>
+              <a:ext cx="845610" cy="724495"/>
+              <a:chOff x="625283" y="3209330"/>
+              <a:chExt cx="845610" cy="724495"/>
+            </a:xfrm>
+          </p:grpSpPr>
+          <p:sp>
+            <p:nvSpPr>
+              <p:cNvPr id="400" name="Rectangle 399"/>
+              <p:cNvSpPr/>
+              <p:nvPr/>
+            </p:nvSpPr>
+            <p:spPr>
+              <a:xfrm>
+                <a:off x="644080" y="3209330"/>
+                <a:ext cx="826813" cy="724495"/>
+              </a:xfrm>
+              <a:prstGeom prst="rect">
+                <a:avLst/>
+              </a:prstGeom>
+              <a:solidFill>
+                <a:srgbClr val="FEFEDE"/>
+              </a:solidFill>
+              <a:ln w="15875">
+                <a:solidFill>
+                  <a:srgbClr val="FF0000"/>
+                </a:solidFill>
+              </a:ln>
+            </p:spPr>
+            <p:style>
+              <a:lnRef idx="2">
+                <a:schemeClr val="accent1">
+                  <a:shade val="50000"/>
+                </a:schemeClr>
+              </a:lnRef>
+              <a:fillRef idx="1">
+                <a:schemeClr val="accent1"/>
+              </a:fillRef>
+              <a:effectRef idx="0">
+                <a:schemeClr val="accent1"/>
+              </a:effectRef>
+              <a:fontRef idx="minor">
+                <a:schemeClr val="lt1"/>
+              </a:fontRef>
+            </p:style>
+            <p:txBody>
+              <a:bodyPr rtlCol="0" anchor="ctr"/>
+              <a:lstStyle/>
+              <a:p>
+                <a:endParaRPr lang="en-US" dirty="0"/>
+              </a:p>
+            </p:txBody>
+          </p:sp>
+          <p:sp>
+            <p:nvSpPr>
+              <p:cNvPr id="401" name="TextBox 400"/>
+              <p:cNvSpPr txBox="1"/>
+              <p:nvPr/>
+            </p:nvSpPr>
+            <p:spPr>
+              <a:xfrm>
+                <a:off x="625283" y="3209330"/>
+                <a:ext cx="772969" cy="707886"/>
+              </a:xfrm>
+              <a:prstGeom prst="rect">
+                <a:avLst/>
+              </a:prstGeom>
+              <a:noFill/>
+            </p:spPr>
+            <p:txBody>
+              <a:bodyPr wrap="none" rtlCol="0">
+                <a:spAutoFit/>
+              </a:bodyPr>
+              <a:lstStyle/>
+              <a:p>
+                <a:r>
+                  <a:rPr lang="en-US" sz="800" dirty="0">
+                    <a:latin typeface="Arial" panose="020B0604020202020204" pitchFamily="34" charset="0"/>
+                    <a:cs typeface="Arial" panose="020B0604020202020204" pitchFamily="34" charset="0"/>
+                  </a:rPr>
+                  <a:t>p</a:t>
+                </a:r>
+                <a:r>
+                  <a:rPr lang="en-US" sz="800" dirty="0" smtClean="0">
+                    <a:latin typeface="Arial" panose="020B0604020202020204" pitchFamily="34" charset="0"/>
+                    <a:cs typeface="Arial" panose="020B0604020202020204" pitchFamily="34" charset="0"/>
+                  </a:rPr>
+                  <a:t>ayee</a:t>
+                </a:r>
+                <a:br>
+                  <a:rPr lang="en-US" sz="800" dirty="0" smtClean="0">
+                    <a:latin typeface="Arial" panose="020B0604020202020204" pitchFamily="34" charset="0"/>
+                    <a:cs typeface="Arial" panose="020B0604020202020204" pitchFamily="34" charset="0"/>
+                  </a:rPr>
+                </a:br>
+                <a:r>
+                  <a:rPr lang="en-US" sz="800" dirty="0">
+                    <a:latin typeface="Arial" panose="020B0604020202020204" pitchFamily="34" charset="0"/>
+                    <a:cs typeface="Arial" panose="020B0604020202020204" pitchFamily="34" charset="0"/>
+                  </a:rPr>
+                  <a:t>a</a:t>
+                </a:r>
+                <a:r>
+                  <a:rPr lang="en-US" sz="800" dirty="0" smtClean="0">
+                    <a:latin typeface="Arial" panose="020B0604020202020204" pitchFamily="34" charset="0"/>
+                    <a:cs typeface="Arial" panose="020B0604020202020204" pitchFamily="34" charset="0"/>
+                  </a:rPr>
+                  <a:t>mount</a:t>
+                </a:r>
+                <a:br>
+                  <a:rPr lang="en-US" sz="800" dirty="0" smtClean="0">
+                    <a:latin typeface="Arial" panose="020B0604020202020204" pitchFamily="34" charset="0"/>
+                    <a:cs typeface="Arial" panose="020B0604020202020204" pitchFamily="34" charset="0"/>
+                  </a:rPr>
+                </a:br>
+                <a:r>
+                  <a:rPr lang="en-US" sz="800" dirty="0" smtClean="0">
+                    <a:latin typeface="Arial" panose="020B0604020202020204" pitchFamily="34" charset="0"/>
+                    <a:cs typeface="Arial" panose="020B0604020202020204" pitchFamily="34" charset="0"/>
+                  </a:rPr>
+                  <a:t>currency</a:t>
+                </a:r>
+              </a:p>
+              <a:p>
+                <a:r>
+                  <a:rPr lang="en-US" sz="800" dirty="0">
+                    <a:latin typeface="Arial" panose="020B0604020202020204" pitchFamily="34" charset="0"/>
+                    <a:cs typeface="Arial" panose="020B0604020202020204" pitchFamily="34" charset="0"/>
+                  </a:rPr>
+                  <a:t> </a:t>
+                </a:r>
+                <a:r>
+                  <a:rPr lang="en-US" sz="800" dirty="0" smtClean="0">
+                    <a:latin typeface="Arial" panose="020B0604020202020204" pitchFamily="34" charset="0"/>
+                    <a:cs typeface="Arial" panose="020B0604020202020204" pitchFamily="34" charset="0"/>
+                  </a:rPr>
+                  <a:t>    …</a:t>
+                </a:r>
+                <a:br>
+                  <a:rPr lang="en-US" sz="800" dirty="0" smtClean="0">
+                    <a:latin typeface="Arial" panose="020B0604020202020204" pitchFamily="34" charset="0"/>
+                    <a:cs typeface="Arial" panose="020B0604020202020204" pitchFamily="34" charset="0"/>
+                  </a:rPr>
+                </a:br>
+                <a:r>
+                  <a:rPr lang="en-US" sz="800" b="1" dirty="0" smtClean="0">
+                    <a:latin typeface="Arial" panose="020B0604020202020204" pitchFamily="34" charset="0"/>
+                    <a:cs typeface="Arial" panose="020B0604020202020204" pitchFamily="34" charset="0"/>
+                  </a:rPr>
+                  <a:t>signature</a:t>
+                </a:r>
+                <a:r>
+                  <a:rPr lang="en-US" sz="800" dirty="0" smtClean="0">
+                    <a:latin typeface="Arial" panose="020B0604020202020204" pitchFamily="34" charset="0"/>
+                    <a:cs typeface="Arial" panose="020B0604020202020204" pitchFamily="34" charset="0"/>
+                  </a:rPr>
+                  <a:t> {}</a:t>
+                </a:r>
+                <a:endParaRPr lang="en-US" sz="800" dirty="0">
+                  <a:latin typeface="Arial" panose="020B0604020202020204" pitchFamily="34" charset="0"/>
+                  <a:cs typeface="Arial" panose="020B0604020202020204" pitchFamily="34" charset="0"/>
+                </a:endParaRPr>
+              </a:p>
+            </p:txBody>
+          </p:sp>
+        </p:grpSp>
       </p:grpSp>
       <p:sp>
         <p:nvSpPr>
@@ -16756,7 +16791,7 @@
         </p:nvSpPr>
         <p:spPr>
           <a:xfrm>
-            <a:off x="2142853" y="8077132"/>
+            <a:off x="2142853" y="8121400"/>
             <a:ext cx="165567" cy="172758"/>
           </a:xfrm>
           <a:prstGeom prst="roundRect">
@@ -16799,7 +16834,7 @@
         </p:nvSpPr>
         <p:spPr>
           <a:xfrm>
-            <a:off x="8046893" y="8750373"/>
+            <a:off x="8046893" y="8774757"/>
             <a:ext cx="165567" cy="172758"/>
           </a:xfrm>
           <a:prstGeom prst="roundRect">
@@ -16842,7 +16877,7 @@
         </p:nvSpPr>
         <p:spPr>
           <a:xfrm>
-            <a:off x="2080856" y="11309644"/>
+            <a:off x="2080856" y="11453660"/>
             <a:ext cx="241931" cy="174281"/>
           </a:xfrm>
           <a:prstGeom prst="roundRect">
@@ -16889,7 +16924,7 @@
         </p:nvSpPr>
         <p:spPr>
           <a:xfrm>
-            <a:off x="7039392" y="7404082"/>
+            <a:off x="7039392" y="7464877"/>
             <a:ext cx="795637" cy="215444"/>
           </a:xfrm>
           <a:prstGeom prst="rect">
@@ -16948,7 +16983,7 @@
         <p:spPr>
           <a:xfrm>
             <a:off x="10138646" y="837243"/>
-            <a:ext cx="6302" cy="14832000"/>
+            <a:ext cx="6302" cy="14904000"/>
           </a:xfrm>
           <a:prstGeom prst="line">
             <a:avLst/>
@@ -17080,8 +17115,8 @@
         </p:nvSpPr>
         <p:spPr>
           <a:xfrm>
-            <a:off x="9154939" y="13658898"/>
-            <a:ext cx="1970338" cy="550962"/>
+            <a:off x="9219984" y="13802914"/>
+            <a:ext cx="1869645" cy="550962"/>
           </a:xfrm>
           <a:prstGeom prst="snip2DiagRect">
             <a:avLst/>
@@ -17129,7 +17164,7 @@
                 <a:latin typeface="Arial" panose="020B0604020202020204" pitchFamily="34" charset="0"/>
                 <a:cs typeface="Arial" panose="020B0604020202020204" pitchFamily="34" charset="0"/>
               </a:rPr>
-              <a:t>Decrypting </a:t>
+              <a:t>Decrypt </a:t>
             </a:r>
             <a:r>
               <a:rPr lang="en-US" sz="800" dirty="0" err="1" smtClean="0">
@@ -17170,7 +17205,7 @@
                 <a:latin typeface="Arial" panose="020B0604020202020204" pitchFamily="34" charset="0"/>
                 <a:cs typeface="Arial" panose="020B0604020202020204" pitchFamily="34" charset="0"/>
               </a:rPr>
-              <a:t>Hooking into the payment network</a:t>
+              <a:t>Hook into the payment network</a:t>
             </a:r>
             <a:br>
               <a:rPr lang="en-US" sz="800" i="1" dirty="0" smtClean="0">
@@ -17207,7 +17242,7 @@
         </p:nvSpPr>
         <p:spPr>
           <a:xfrm>
-            <a:off x="9268736" y="8785398"/>
+            <a:off x="9268736" y="8835973"/>
             <a:ext cx="795637" cy="215444"/>
           </a:xfrm>
           <a:prstGeom prst="rect">
@@ -17285,7 +17320,7 @@
                 <a:latin typeface="Arial" panose="020B0604020202020204" pitchFamily="34" charset="0"/>
                 <a:cs typeface="Arial" panose="020B0604020202020204" pitchFamily="34" charset="0"/>
               </a:rPr>
-              <a:t>WebPKI.org/AR 20150928</a:t>
+              <a:t>WebPKI.org/AR 20150929</a:t>
             </a:r>
             <a:endParaRPr lang="en-US" sz="700" dirty="0">
               <a:latin typeface="Arial" panose="020B0604020202020204" pitchFamily="34" charset="0"/>
@@ -17302,7 +17337,7 @@
         </p:nvCxnSpPr>
         <p:spPr>
           <a:xfrm flipH="1">
-            <a:off x="7936241" y="9535691"/>
+            <a:off x="7936241" y="9574074"/>
             <a:ext cx="1434723" cy="0"/>
           </a:xfrm>
           <a:prstGeom prst="straightConnector1">
@@ -17338,8 +17373,8 @@
         </p:nvSpPr>
         <p:spPr>
           <a:xfrm>
-            <a:off x="8030045" y="9649494"/>
-            <a:ext cx="611312" cy="153888"/>
+            <a:off x="6925088" y="9477669"/>
+            <a:ext cx="576046" cy="153888"/>
           </a:xfrm>
           <a:prstGeom prst="rect">
             <a:avLst/>
@@ -17355,7 +17390,7 @@
           </a:bodyPr>
           <a:lstStyle/>
           <a:p>
-            <a:pPr algn="ctr"/>
+            <a:pPr algn="r"/>
             <a:r>
               <a:rPr lang="en-US" sz="1000" dirty="0" smtClean="0">
                 <a:solidFill>
@@ -17365,13 +17400,6 @@
                 <a:cs typeface="Arial" panose="020B0604020202020204" pitchFamily="34" charset="0"/>
               </a:rPr>
               <a:t>Authority</a:t>
-            </a:r>
-            <a:r>
-              <a:rPr lang="en-US" sz="1000" dirty="0" smtClean="0">
-                <a:latin typeface="Arial" panose="020B0604020202020204" pitchFamily="34" charset="0"/>
-                <a:cs typeface="Arial" panose="020B0604020202020204" pitchFamily="34" charset="0"/>
-              </a:rPr>
-              <a:t> </a:t>
             </a:r>
             <a:endParaRPr lang="en-US" sz="1000" dirty="0">
               <a:latin typeface="Arial" panose="020B0604020202020204" pitchFamily="34" charset="0"/>
@@ -17388,7 +17416,7 @@
         </p:nvCxnSpPr>
         <p:spPr>
           <a:xfrm>
-            <a:off x="7928354" y="9236498"/>
+            <a:off x="7928354" y="9287073"/>
             <a:ext cx="1373118" cy="0"/>
           </a:xfrm>
           <a:prstGeom prst="straightConnector1">
@@ -17424,7 +17452,7 @@
         </p:nvSpPr>
         <p:spPr>
           <a:xfrm>
-            <a:off x="8320809" y="9464678"/>
+            <a:off x="8320809" y="9503061"/>
             <a:ext cx="834130" cy="123111"/>
           </a:xfrm>
           <a:prstGeom prst="rect">
@@ -17468,7 +17496,7 @@
         </p:nvSpPr>
         <p:spPr>
           <a:xfrm>
-            <a:off x="8410739" y="9166343"/>
+            <a:off x="8410739" y="9216918"/>
             <a:ext cx="609710" cy="123111"/>
           </a:xfrm>
           <a:prstGeom prst="rect">
@@ -17512,7 +17540,7 @@
         </p:nvSpPr>
         <p:spPr>
           <a:xfrm>
-            <a:off x="7611694" y="9433470"/>
+            <a:off x="7611694" y="9471853"/>
             <a:ext cx="165567" cy="172758"/>
           </a:xfrm>
           <a:prstGeom prst="roundRect">
@@ -17555,7 +17583,7 @@
         </p:nvGrpSpPr>
         <p:grpSpPr>
           <a:xfrm>
-            <a:off x="9316861" y="9030409"/>
+            <a:off x="9316861" y="9080984"/>
             <a:ext cx="1587201" cy="739079"/>
             <a:chOff x="6871493" y="6953746"/>
             <a:chExt cx="1587201" cy="739079"/>
@@ -17747,7 +17775,7 @@
         </p:nvCxnSpPr>
         <p:spPr>
           <a:xfrm>
-            <a:off x="2912248" y="13192535"/>
+            <a:off x="2912248" y="13336551"/>
             <a:ext cx="7200000" cy="0"/>
           </a:xfrm>
           <a:prstGeom prst="straightConnector1">
@@ -17783,7 +17811,7 @@
         </p:nvSpPr>
         <p:spPr>
           <a:xfrm>
-            <a:off x="8950178" y="12991211"/>
+            <a:off x="8950178" y="13135227"/>
             <a:ext cx="915315" cy="153888"/>
           </a:xfrm>
           <a:prstGeom prst="rect">
@@ -17824,7 +17852,7 @@
         </p:nvSpPr>
         <p:spPr>
           <a:xfrm>
-            <a:off x="5402262" y="13125268"/>
+            <a:off x="5402262" y="13269284"/>
             <a:ext cx="678638" cy="123111"/>
           </a:xfrm>
           <a:prstGeom prst="rect">
@@ -17868,7 +17896,7 @@
         </p:nvSpPr>
         <p:spPr>
           <a:xfrm>
-            <a:off x="10271634" y="13105763"/>
+            <a:off x="10271634" y="13249779"/>
             <a:ext cx="241931" cy="174281"/>
           </a:xfrm>
           <a:prstGeom prst="roundRect">
@@ -17915,7 +17943,7 @@
         </p:nvGrpSpPr>
         <p:grpSpPr>
           <a:xfrm>
-            <a:off x="1790508" y="11791453"/>
+            <a:off x="1790508" y="11935469"/>
             <a:ext cx="1954305" cy="2616308"/>
             <a:chOff x="1790508" y="12076005"/>
             <a:chExt cx="1954305" cy="2616308"/>
@@ -18592,7 +18620,7 @@
         </p:nvSpPr>
         <p:spPr>
           <a:xfrm>
-            <a:off x="10674974" y="13105763"/>
+            <a:off x="10674974" y="13249779"/>
             <a:ext cx="241931" cy="174281"/>
           </a:xfrm>
           <a:prstGeom prst="roundRect">
@@ -18639,7 +18667,7 @@
         </p:nvCxnSpPr>
         <p:spPr>
           <a:xfrm flipH="1">
-            <a:off x="2467726" y="14915743"/>
+            <a:off x="2467726" y="15059759"/>
             <a:ext cx="6984000" cy="0"/>
           </a:xfrm>
           <a:prstGeom prst="straightConnector1">
@@ -18675,7 +18703,7 @@
         </p:nvSpPr>
         <p:spPr>
           <a:xfrm>
-            <a:off x="2724301" y="14725624"/>
+            <a:off x="2724301" y="14869640"/>
             <a:ext cx="1087404" cy="153888"/>
           </a:xfrm>
           <a:prstGeom prst="rect">
@@ -18718,7 +18746,7 @@
         </p:nvSpPr>
         <p:spPr>
           <a:xfrm>
-            <a:off x="5312042" y="14847885"/>
+            <a:off x="5312042" y="14991901"/>
             <a:ext cx="834130" cy="123111"/>
           </a:xfrm>
           <a:prstGeom prst="rect">
@@ -18762,7 +18790,7 @@
         </p:nvSpPr>
         <p:spPr>
           <a:xfrm>
-            <a:off x="2059488" y="14819879"/>
+            <a:off x="2059488" y="14963895"/>
             <a:ext cx="241931" cy="174281"/>
           </a:xfrm>
           <a:prstGeom prst="roundRect">
@@ -18809,7 +18837,7 @@
         </p:nvGrpSpPr>
         <p:grpSpPr>
           <a:xfrm>
-            <a:off x="9385844" y="14653616"/>
+            <a:off x="9385844" y="14797632"/>
             <a:ext cx="1587201" cy="532186"/>
             <a:chOff x="9385844" y="14455402"/>
             <a:chExt cx="1587201" cy="532186"/>

--- a/webpayment.resources/docs/webpay-card-payment-statediagram.pptx
+++ b/webpayment.resources/docs/webpay-card-payment-statediagram.pptx
@@ -17066,7 +17066,7 @@
                 <a:latin typeface="Arial" panose="020B0604020202020204" pitchFamily="34" charset="0"/>
                 <a:cs typeface="Arial" panose="020B0604020202020204" pitchFamily="34" charset="0"/>
               </a:rPr>
-              <a:t>Payment Provider</a:t>
+              <a:t>Acquirer</a:t>
             </a:r>
             <a:r>
               <a:rPr lang="en-US" sz="1000" dirty="0" smtClean="0">
@@ -17095,7 +17095,7 @@
                 <a:latin typeface="Arial" panose="020B0604020202020204" pitchFamily="34" charset="0"/>
                 <a:cs typeface="Arial" panose="020B0604020202020204" pitchFamily="34" charset="0"/>
               </a:rPr>
-              <a:t>(Bank Server)</a:t>
+              <a:t>(Card Processor)</a:t>
             </a:r>
             <a:endParaRPr lang="en-US" sz="700" dirty="0">
               <a:solidFill>

--- a/webpayment.resources/docs/webpay-card-payment-statediagram.pptx
+++ b/webpayment.resources/docs/webpay-card-payment-statediagram.pptx
@@ -10,7 +10,7 @@
   <p:sldIdLst>
     <p:sldId id="256" r:id="rId2"/>
   </p:sldIdLst>
-  <p:sldSz cx="11522075" cy="16094075"/>
+  <p:sldSz cx="11522075" cy="17281525"/>
   <p:notesSz cx="6858000" cy="9144000"/>
   <p:defaultTextStyle>
     <a:defPPr>
@@ -210,8 +210,8 @@
         </p:nvSpPr>
         <p:spPr>
           <a:xfrm>
-            <a:off x="2201863" y="685800"/>
-            <a:ext cx="2454275" cy="3429000"/>
+            <a:off x="2286000" y="685800"/>
+            <a:ext cx="2286000" cy="3429000"/>
           </a:xfrm>
           <a:prstGeom prst="rect">
             <a:avLst/>
@@ -489,8 +489,8 @@
         </p:nvSpPr>
         <p:spPr>
           <a:xfrm>
-            <a:off x="2201863" y="685800"/>
-            <a:ext cx="2454275" cy="3429000"/>
+            <a:off x="2286000" y="685800"/>
+            <a:ext cx="2286000" cy="3429000"/>
           </a:xfrm>
         </p:spPr>
       </p:sp>
@@ -898,14 +898,14 @@
       </p:grpSpPr>
       <p:cxnSp>
         <p:nvCxnSpPr>
-          <p:cNvPr id="346" name="Straight Connector 345"/>
+          <p:cNvPr id="299" name="Straight Connector 298"/>
           <p:cNvCxnSpPr/>
           <p:nvPr/>
         </p:nvCxnSpPr>
         <p:spPr>
           <a:xfrm>
             <a:off x="472023" y="906290"/>
-            <a:ext cx="0" cy="14832000"/>
+            <a:ext cx="0" cy="15912000"/>
           </a:xfrm>
           <a:prstGeom prst="line">
             <a:avLst/>
@@ -929,9 +929,9 @@
       </p:cxnSp>
       <p:cxnSp>
         <p:nvCxnSpPr>
-          <p:cNvPr id="300" name="Straight Connector 299"/>
+          <p:cNvPr id="371" name="Straight Connector 370"/>
           <p:cNvCxnSpPr>
-            <a:stCxn id="407" idx="2"/>
+            <a:stCxn id="549" idx="2"/>
           </p:cNvCxnSpPr>
           <p:nvPr/>
         </p:nvCxnSpPr>
@@ -967,14 +967,14 @@
       </p:cxnSp>
       <p:cxnSp>
         <p:nvCxnSpPr>
-          <p:cNvPr id="301" name="Straight Connector 300"/>
+          <p:cNvPr id="395" name="Straight Connector 394"/>
           <p:cNvCxnSpPr/>
           <p:nvPr/>
         </p:nvCxnSpPr>
         <p:spPr>
           <a:xfrm>
             <a:off x="4167256" y="1668062"/>
-            <a:ext cx="0" cy="13824000"/>
+            <a:ext cx="0" cy="14868000"/>
           </a:xfrm>
           <a:prstGeom prst="line">
             <a:avLst/>
@@ -998,13 +998,13 @@
       </p:cxnSp>
       <p:cxnSp>
         <p:nvCxnSpPr>
-          <p:cNvPr id="302" name="Straight Arrow Connector 301"/>
+          <p:cNvPr id="402" name="Straight Arrow Connector 401"/>
           <p:cNvCxnSpPr/>
           <p:nvPr/>
         </p:nvCxnSpPr>
         <p:spPr>
           <a:xfrm flipH="1">
-            <a:off x="2479005" y="11549524"/>
+            <a:off x="2479005" y="12572628"/>
             <a:ext cx="4680000" cy="0"/>
           </a:xfrm>
           <a:prstGeom prst="straightConnector1">
@@ -1034,14 +1034,14 @@
       </p:cxnSp>
       <p:cxnSp>
         <p:nvCxnSpPr>
-          <p:cNvPr id="303" name="Straight Connector 302"/>
+          <p:cNvPr id="431" name="Straight Connector 430"/>
           <p:cNvCxnSpPr/>
           <p:nvPr/>
         </p:nvCxnSpPr>
         <p:spPr>
           <a:xfrm flipH="1">
             <a:off x="2449959" y="846036"/>
-            <a:ext cx="2428" cy="14904000"/>
+            <a:ext cx="2428" cy="15984000"/>
           </a:xfrm>
           <a:prstGeom prst="line">
             <a:avLst/>
@@ -1065,7 +1065,7 @@
       </p:cxnSp>
       <p:sp>
         <p:nvSpPr>
-          <p:cNvPr id="304" name="TextBox 303"/>
+          <p:cNvPr id="449" name="TextBox 448"/>
           <p:cNvSpPr txBox="1"/>
           <p:nvPr/>
         </p:nvSpPr>
@@ -1108,7 +1108,7 @@
       </p:sp>
       <p:cxnSp>
         <p:nvCxnSpPr>
-          <p:cNvPr id="305" name="Straight Connector 304"/>
+          <p:cNvPr id="450" name="Straight Connector 449"/>
           <p:cNvCxnSpPr/>
           <p:nvPr/>
         </p:nvCxnSpPr>
@@ -1145,7 +1145,7 @@
       </p:cxnSp>
       <p:cxnSp>
         <p:nvCxnSpPr>
-          <p:cNvPr id="306" name="Straight Arrow Connector 305"/>
+          <p:cNvPr id="451" name="Straight Arrow Connector 450"/>
           <p:cNvCxnSpPr/>
           <p:nvPr/>
         </p:nvCxnSpPr>
@@ -1182,7 +1182,7 @@
       </p:cxnSp>
       <p:cxnSp>
         <p:nvCxnSpPr>
-          <p:cNvPr id="307" name="Straight Arrow Connector 306"/>
+          <p:cNvPr id="452" name="Straight Arrow Connector 451"/>
           <p:cNvCxnSpPr/>
           <p:nvPr/>
         </p:nvCxnSpPr>
@@ -1219,7 +1219,7 @@
       </p:cxnSp>
       <p:sp>
         <p:nvSpPr>
-          <p:cNvPr id="308" name="Freeform 307"/>
+          <p:cNvPr id="453" name="Freeform 452"/>
           <p:cNvSpPr/>
           <p:nvPr/>
         </p:nvSpPr>
@@ -11681,13 +11681,13 @@
       </p:sp>
       <p:cxnSp>
         <p:nvCxnSpPr>
-          <p:cNvPr id="309" name="Straight Arrow Connector 308"/>
+          <p:cNvPr id="454" name="Straight Arrow Connector 453"/>
           <p:cNvCxnSpPr/>
           <p:nvPr/>
         </p:nvCxnSpPr>
         <p:spPr>
           <a:xfrm>
-            <a:off x="1328880" y="15521221"/>
+            <a:off x="1328880" y="16544325"/>
             <a:ext cx="1131700" cy="216"/>
           </a:xfrm>
           <a:prstGeom prst="straightConnector1">
@@ -11718,7 +11718,7 @@
       </p:cxnSp>
       <p:cxnSp>
         <p:nvCxnSpPr>
-          <p:cNvPr id="310" name="Straight Arrow Connector 309"/>
+          <p:cNvPr id="455" name="Straight Arrow Connector 454"/>
           <p:cNvCxnSpPr/>
           <p:nvPr/>
         </p:nvCxnSpPr>
@@ -11754,7 +11754,7 @@
       </p:cxnSp>
       <p:sp>
         <p:nvSpPr>
-          <p:cNvPr id="311" name="Freeform 310"/>
+          <p:cNvPr id="456" name="Freeform 455"/>
           <p:cNvSpPr/>
           <p:nvPr/>
         </p:nvSpPr>
@@ -11958,7 +11958,7 @@
       </p:sp>
       <p:cxnSp>
         <p:nvCxnSpPr>
-          <p:cNvPr id="312" name="Straight Arrow Connector 311"/>
+          <p:cNvPr id="457" name="Straight Arrow Connector 456"/>
           <p:cNvCxnSpPr/>
           <p:nvPr/>
         </p:nvCxnSpPr>
@@ -11994,7 +11994,7 @@
       </p:cxnSp>
       <p:cxnSp>
         <p:nvCxnSpPr>
-          <p:cNvPr id="313" name="Straight Arrow Connector 312"/>
+          <p:cNvPr id="458" name="Straight Arrow Connector 457"/>
           <p:cNvCxnSpPr/>
           <p:nvPr/>
         </p:nvCxnSpPr>
@@ -12030,7 +12030,7 @@
       </p:cxnSp>
       <p:grpSp>
         <p:nvGrpSpPr>
-          <p:cNvPr id="314" name="Group 313"/>
+          <p:cNvPr id="459" name="Group 458"/>
           <p:cNvGrpSpPr/>
           <p:nvPr/>
         </p:nvGrpSpPr>
@@ -12044,7 +12044,7 @@
         </p:grpSpPr>
         <p:sp>
           <p:nvSpPr>
-            <p:cNvPr id="315" name="Oval 314"/>
+            <p:cNvPr id="460" name="Oval 459"/>
             <p:cNvSpPr/>
             <p:nvPr/>
           </p:nvSpPr>
@@ -12090,9 +12090,9 @@
         </p:sp>
         <p:cxnSp>
           <p:nvCxnSpPr>
-            <p:cNvPr id="316" name="Straight Connector 315"/>
+            <p:cNvPr id="461" name="Straight Connector 460"/>
             <p:cNvCxnSpPr>
-              <a:stCxn id="315" idx="4"/>
+              <a:stCxn id="460" idx="4"/>
             </p:cNvCxnSpPr>
             <p:nvPr/>
           </p:nvCxnSpPr>
@@ -12127,7 +12127,7 @@
         </p:cxnSp>
         <p:cxnSp>
           <p:nvCxnSpPr>
-            <p:cNvPr id="317" name="Straight Connector 316"/>
+            <p:cNvPr id="462" name="Straight Connector 461"/>
             <p:cNvCxnSpPr/>
             <p:nvPr/>
           </p:nvCxnSpPr>
@@ -12162,7 +12162,7 @@
         </p:cxnSp>
         <p:cxnSp>
           <p:nvCxnSpPr>
-            <p:cNvPr id="318" name="Straight Connector 317"/>
+            <p:cNvPr id="463" name="Straight Connector 462"/>
             <p:cNvCxnSpPr/>
             <p:nvPr/>
           </p:nvCxnSpPr>
@@ -12197,7 +12197,7 @@
         </p:cxnSp>
         <p:cxnSp>
           <p:nvCxnSpPr>
-            <p:cNvPr id="319" name="Straight Connector 318"/>
+            <p:cNvPr id="464" name="Straight Connector 463"/>
             <p:cNvCxnSpPr/>
             <p:nvPr/>
           </p:nvCxnSpPr>
@@ -12232,7 +12232,7 @@
         </p:cxnSp>
         <p:cxnSp>
           <p:nvCxnSpPr>
-            <p:cNvPr id="320" name="Straight Connector 319"/>
+            <p:cNvPr id="465" name="Straight Connector 464"/>
             <p:cNvCxnSpPr/>
             <p:nvPr/>
           </p:nvCxnSpPr>
@@ -12268,14 +12268,14 @@
       </p:grpSp>
       <p:cxnSp>
         <p:nvCxnSpPr>
-          <p:cNvPr id="321" name="Straight Connector 320"/>
+          <p:cNvPr id="466" name="Straight Connector 465"/>
           <p:cNvCxnSpPr/>
           <p:nvPr/>
         </p:nvCxnSpPr>
         <p:spPr>
           <a:xfrm>
             <a:off x="1308578" y="846036"/>
-            <a:ext cx="567" cy="14904000"/>
+            <a:ext cx="567" cy="15984000"/>
           </a:xfrm>
           <a:prstGeom prst="line">
             <a:avLst/>
@@ -12299,14 +12299,14 @@
       </p:cxnSp>
       <p:cxnSp>
         <p:nvCxnSpPr>
-          <p:cNvPr id="322" name="Straight Connector 321"/>
+          <p:cNvPr id="467" name="Straight Connector 466"/>
           <p:cNvCxnSpPr/>
           <p:nvPr/>
         </p:nvCxnSpPr>
         <p:spPr>
           <a:xfrm>
             <a:off x="7909302" y="846037"/>
-            <a:ext cx="6302" cy="14904000"/>
+            <a:ext cx="6302" cy="15984000"/>
           </a:xfrm>
           <a:prstGeom prst="line">
             <a:avLst/>
@@ -12330,7 +12330,7 @@
       </p:cxnSp>
       <p:sp>
         <p:nvSpPr>
-          <p:cNvPr id="323" name="Rounded Rectangle 322"/>
+          <p:cNvPr id="468" name="Rounded Rectangle 467"/>
           <p:cNvSpPr/>
           <p:nvPr/>
         </p:nvSpPr>
@@ -12436,7 +12436,7 @@
       </p:sp>
       <p:sp>
         <p:nvSpPr>
-          <p:cNvPr id="324" name="Rounded Rectangle 323"/>
+          <p:cNvPr id="469" name="Rounded Rectangle 468"/>
           <p:cNvSpPr/>
           <p:nvPr/>
         </p:nvSpPr>
@@ -12538,7 +12538,7 @@
       </p:sp>
       <p:cxnSp>
         <p:nvCxnSpPr>
-          <p:cNvPr id="325" name="Straight Arrow Connector 324"/>
+          <p:cNvPr id="470" name="Straight Arrow Connector 469"/>
           <p:cNvCxnSpPr/>
           <p:nvPr/>
         </p:nvCxnSpPr>
@@ -12574,7 +12574,7 @@
       </p:cxnSp>
       <p:sp>
         <p:nvSpPr>
-          <p:cNvPr id="326" name="TextBox 325"/>
+          <p:cNvPr id="471" name="TextBox 470"/>
           <p:cNvSpPr txBox="1"/>
           <p:nvPr/>
         </p:nvSpPr>
@@ -12611,7 +12611,7 @@
       </p:sp>
       <p:sp>
         <p:nvSpPr>
-          <p:cNvPr id="327" name="TextBox 326"/>
+          <p:cNvPr id="472" name="TextBox 471"/>
           <p:cNvSpPr txBox="1"/>
           <p:nvPr/>
         </p:nvSpPr>
@@ -12656,7 +12656,7 @@
       </p:sp>
       <p:cxnSp>
         <p:nvCxnSpPr>
-          <p:cNvPr id="328" name="Straight Arrow Connector 327"/>
+          <p:cNvPr id="473" name="Straight Arrow Connector 472"/>
           <p:cNvCxnSpPr/>
           <p:nvPr/>
         </p:nvCxnSpPr>
@@ -12692,7 +12692,7 @@
       </p:cxnSp>
       <p:sp>
         <p:nvSpPr>
-          <p:cNvPr id="329" name="TextBox 328"/>
+          <p:cNvPr id="474" name="TextBox 473"/>
           <p:cNvSpPr txBox="1"/>
           <p:nvPr/>
         </p:nvSpPr>
@@ -12731,7 +12731,7 @@
       </p:sp>
       <p:sp>
         <p:nvSpPr>
-          <p:cNvPr id="330" name="Rectangle 329"/>
+          <p:cNvPr id="475" name="Rectangle 474"/>
           <p:cNvSpPr/>
           <p:nvPr/>
         </p:nvSpPr>
@@ -12788,7 +12788,7 @@
       </p:sp>
       <p:sp>
         <p:nvSpPr>
-          <p:cNvPr id="331" name="TextBox 330"/>
+          <p:cNvPr id="476" name="TextBox 475"/>
           <p:cNvSpPr txBox="1"/>
           <p:nvPr/>
         </p:nvSpPr>
@@ -12851,7 +12851,7 @@
       </p:sp>
       <p:grpSp>
         <p:nvGrpSpPr>
-          <p:cNvPr id="332" name="Group 331"/>
+          <p:cNvPr id="477" name="Group 476"/>
           <p:cNvGrpSpPr/>
           <p:nvPr/>
         </p:nvGrpSpPr>
@@ -12865,7 +12865,7 @@
         </p:grpSpPr>
         <p:sp>
           <p:nvSpPr>
-            <p:cNvPr id="333" name="Rectangle 332"/>
+            <p:cNvPr id="478" name="Rectangle 477"/>
             <p:cNvSpPr/>
             <p:nvPr/>
           </p:nvSpPr>
@@ -12912,7 +12912,7 @@
         </p:sp>
         <p:sp>
           <p:nvSpPr>
-            <p:cNvPr id="334" name="TextBox 333"/>
+            <p:cNvPr id="479" name="TextBox 478"/>
             <p:cNvSpPr txBox="1"/>
             <p:nvPr/>
           </p:nvSpPr>
@@ -13038,7 +13038,7 @@
       </p:grpSp>
       <p:cxnSp>
         <p:nvCxnSpPr>
-          <p:cNvPr id="335" name="Straight Arrow Connector 334"/>
+          <p:cNvPr id="480" name="Straight Arrow Connector 479"/>
           <p:cNvCxnSpPr/>
           <p:nvPr/>
         </p:nvCxnSpPr>
@@ -13075,7 +13075,7 @@
       </p:cxnSp>
       <p:sp>
         <p:nvSpPr>
-          <p:cNvPr id="336" name="TextBox 335"/>
+          <p:cNvPr id="481" name="TextBox 480"/>
           <p:cNvSpPr txBox="1"/>
           <p:nvPr/>
         </p:nvSpPr>
@@ -13112,7 +13112,7 @@
       </p:sp>
       <p:sp>
         <p:nvSpPr>
-          <p:cNvPr id="337" name="TextBox 336"/>
+          <p:cNvPr id="482" name="TextBox 481"/>
           <p:cNvSpPr txBox="1"/>
           <p:nvPr/>
         </p:nvSpPr>
@@ -13149,7 +13149,7 @@
       </p:sp>
       <p:sp>
         <p:nvSpPr>
-          <p:cNvPr id="338" name="TextBox 337"/>
+          <p:cNvPr id="483" name="TextBox 482"/>
           <p:cNvSpPr txBox="1"/>
           <p:nvPr/>
         </p:nvSpPr>
@@ -13200,7 +13200,7 @@
       </p:sp>
       <p:sp>
         <p:nvSpPr>
-          <p:cNvPr id="339" name="Rectangle 338"/>
+          <p:cNvPr id="484" name="Rectangle 483"/>
           <p:cNvSpPr/>
           <p:nvPr/>
         </p:nvSpPr>
@@ -13257,7 +13257,7 @@
       </p:sp>
       <p:sp>
         <p:nvSpPr>
-          <p:cNvPr id="340" name="TextBox 339"/>
+          <p:cNvPr id="485" name="TextBox 484"/>
           <p:cNvSpPr txBox="1"/>
           <p:nvPr/>
         </p:nvSpPr>
@@ -13331,13 +13331,13 @@
       </p:sp>
       <p:cxnSp>
         <p:nvCxnSpPr>
-          <p:cNvPr id="341" name="Straight Arrow Connector 340"/>
+          <p:cNvPr id="486" name="Straight Arrow Connector 485"/>
           <p:cNvCxnSpPr/>
           <p:nvPr/>
         </p:nvCxnSpPr>
         <p:spPr>
           <a:xfrm flipH="1">
-            <a:off x="2465443" y="8192218"/>
+            <a:off x="2465443" y="8647467"/>
             <a:ext cx="4629083" cy="0"/>
           </a:xfrm>
           <a:prstGeom prst="straightConnector1">
@@ -13367,7 +13367,7 @@
       </p:cxnSp>
       <p:sp>
         <p:nvSpPr>
-          <p:cNvPr id="342" name="TextBox 341"/>
+          <p:cNvPr id="487" name="TextBox 486"/>
           <p:cNvSpPr txBox="1"/>
           <p:nvPr/>
         </p:nvSpPr>
@@ -13404,13 +13404,13 @@
       </p:sp>
       <p:sp>
         <p:nvSpPr>
-          <p:cNvPr id="343" name="TextBox 342"/>
+          <p:cNvPr id="488" name="TextBox 487"/>
           <p:cNvSpPr txBox="1"/>
           <p:nvPr/>
         </p:nvSpPr>
         <p:spPr>
           <a:xfrm>
-            <a:off x="1356728" y="15319845"/>
+            <a:off x="1356728" y="16342949"/>
             <a:ext cx="1043876" cy="195814"/>
           </a:xfrm>
           <a:prstGeom prst="rect">
@@ -13441,13 +13441,13 @@
       </p:sp>
       <p:sp>
         <p:nvSpPr>
-          <p:cNvPr id="344" name="TextBox 343"/>
+          <p:cNvPr id="489" name="TextBox 488"/>
           <p:cNvSpPr txBox="1"/>
           <p:nvPr/>
         </p:nvSpPr>
         <p:spPr>
           <a:xfrm>
-            <a:off x="2964437" y="8006126"/>
+            <a:off x="2797611" y="8436062"/>
             <a:ext cx="611312" cy="153888"/>
           </a:xfrm>
           <a:prstGeom prst="rect">
@@ -13491,13 +13491,13 @@
       </p:sp>
       <p:sp>
         <p:nvSpPr>
-          <p:cNvPr id="345" name="TextBox 344"/>
+          <p:cNvPr id="490" name="TextBox 489"/>
           <p:cNvSpPr txBox="1"/>
           <p:nvPr/>
         </p:nvSpPr>
         <p:spPr>
           <a:xfrm>
-            <a:off x="7039392" y="10021589"/>
+            <a:off x="7039392" y="11044693"/>
             <a:ext cx="1745981" cy="697885"/>
           </a:xfrm>
           <a:prstGeom prst="snip2DiagRect">
@@ -13638,14 +13638,14 @@
       </p:sp>
       <p:cxnSp>
         <p:nvCxnSpPr>
-          <p:cNvPr id="347" name="Straight Arrow Connector 346"/>
+          <p:cNvPr id="491" name="Straight Arrow Connector 490"/>
           <p:cNvCxnSpPr/>
           <p:nvPr/>
         </p:nvCxnSpPr>
         <p:spPr>
           <a:xfrm>
             <a:off x="2466889" y="7928384"/>
-            <a:ext cx="4620628" cy="0"/>
+            <a:ext cx="5418000" cy="0"/>
           </a:xfrm>
           <a:prstGeom prst="straightConnector1">
             <a:avLst/>
@@ -13674,7 +13674,7 @@
       </p:cxnSp>
       <p:sp>
         <p:nvSpPr>
-          <p:cNvPr id="348" name="TextBox 347"/>
+          <p:cNvPr id="492" name="TextBox 491"/>
           <p:cNvSpPr txBox="1"/>
           <p:nvPr/>
         </p:nvSpPr>
@@ -13717,7 +13717,7 @@
       </p:sp>
       <p:sp>
         <p:nvSpPr>
-          <p:cNvPr id="349" name="TextBox 348"/>
+          <p:cNvPr id="493" name="TextBox 492"/>
           <p:cNvSpPr txBox="1"/>
           <p:nvPr/>
         </p:nvSpPr>
@@ -13758,7 +13758,7 @@
       </p:sp>
       <p:sp>
         <p:nvSpPr>
-          <p:cNvPr id="350" name="TextBox 349"/>
+          <p:cNvPr id="494" name="TextBox 493"/>
           <p:cNvSpPr txBox="1"/>
           <p:nvPr/>
         </p:nvSpPr>
@@ -13800,7 +13800,7 @@
       </p:sp>
       <p:sp>
         <p:nvSpPr>
-          <p:cNvPr id="351" name="Oval 350"/>
+          <p:cNvPr id="495" name="Oval 494"/>
           <p:cNvSpPr/>
           <p:nvPr/>
         </p:nvSpPr>
@@ -13844,7 +13844,7 @@
       </p:sp>
       <p:sp>
         <p:nvSpPr>
-          <p:cNvPr id="352" name="TextBox 351"/>
+          <p:cNvPr id="496" name="TextBox 495"/>
           <p:cNvSpPr txBox="1"/>
           <p:nvPr/>
         </p:nvSpPr>
@@ -13881,7 +13881,7 @@
       </p:sp>
       <p:grpSp>
         <p:nvGrpSpPr>
-          <p:cNvPr id="353" name="Group 352"/>
+          <p:cNvPr id="497" name="Group 496"/>
           <p:cNvGrpSpPr/>
           <p:nvPr/>
         </p:nvGrpSpPr>
@@ -13895,7 +13895,7 @@
         </p:grpSpPr>
         <p:sp>
           <p:nvSpPr>
-            <p:cNvPr id="354" name="Rectangle 353"/>
+            <p:cNvPr id="498" name="Rectangle 497"/>
             <p:cNvSpPr/>
             <p:nvPr/>
           </p:nvSpPr>
@@ -13944,7 +13944,7 @@
         </p:sp>
         <p:sp>
           <p:nvSpPr>
-            <p:cNvPr id="355" name="TextBox 354"/>
+            <p:cNvPr id="499" name="TextBox 498"/>
             <p:cNvSpPr txBox="1"/>
             <p:nvPr/>
           </p:nvSpPr>
@@ -13980,7 +13980,7 @@
         </p:sp>
         <p:sp>
           <p:nvSpPr>
-            <p:cNvPr id="356" name="TextBox 355"/>
+            <p:cNvPr id="500" name="TextBox 499"/>
             <p:cNvSpPr txBox="1"/>
             <p:nvPr/>
           </p:nvSpPr>
@@ -14017,7 +14017,7 @@
         </p:sp>
         <p:sp>
           <p:nvSpPr>
-            <p:cNvPr id="357" name="TextBox 356"/>
+            <p:cNvPr id="501" name="TextBox 500"/>
             <p:cNvSpPr txBox="1"/>
             <p:nvPr/>
           </p:nvSpPr>
@@ -14053,7 +14053,7 @@
         </p:sp>
         <p:cxnSp>
           <p:nvCxnSpPr>
-            <p:cNvPr id="358" name="Straight Connector 357"/>
+            <p:cNvPr id="502" name="Straight Connector 501"/>
             <p:cNvCxnSpPr/>
             <p:nvPr/>
           </p:nvCxnSpPr>
@@ -14090,7 +14090,7 @@
       </p:grpSp>
       <p:sp>
         <p:nvSpPr>
-          <p:cNvPr id="359" name="TextBox 358"/>
+          <p:cNvPr id="503" name="TextBox 502"/>
           <p:cNvSpPr txBox="1"/>
           <p:nvPr/>
         </p:nvSpPr>
@@ -14144,7 +14144,7 @@
       </p:sp>
       <p:sp>
         <p:nvSpPr>
-          <p:cNvPr id="360" name="Oval 359"/>
+          <p:cNvPr id="504" name="Oval 503"/>
           <p:cNvSpPr/>
           <p:nvPr/>
         </p:nvSpPr>
@@ -14190,7 +14190,7 @@
       </p:sp>
       <p:sp>
         <p:nvSpPr>
-          <p:cNvPr id="361" name="TextBox 360"/>
+          <p:cNvPr id="505" name="TextBox 504"/>
           <p:cNvSpPr txBox="1"/>
           <p:nvPr/>
         </p:nvSpPr>
@@ -14262,7 +14262,7 @@
       </p:sp>
       <p:sp>
         <p:nvSpPr>
-          <p:cNvPr id="362" name="TextBox 361"/>
+          <p:cNvPr id="506" name="TextBox 505"/>
           <p:cNvSpPr txBox="1"/>
           <p:nvPr/>
         </p:nvSpPr>
@@ -14294,7 +14294,7 @@
       </p:sp>
       <p:sp>
         <p:nvSpPr>
-          <p:cNvPr id="363" name="Rounded Rectangle 362"/>
+          <p:cNvPr id="507" name="Rounded Rectangle 506"/>
           <p:cNvSpPr/>
           <p:nvPr/>
         </p:nvSpPr>
@@ -14397,7 +14397,7 @@
       </p:sp>
       <p:sp>
         <p:nvSpPr>
-          <p:cNvPr id="364" name="TextBox 363"/>
+          <p:cNvPr id="508" name="TextBox 507"/>
           <p:cNvSpPr txBox="1"/>
           <p:nvPr/>
         </p:nvSpPr>
@@ -14441,7 +14441,7 @@
       </p:sp>
       <p:sp>
         <p:nvSpPr>
-          <p:cNvPr id="365" name="Rounded Rectangle 364"/>
+          <p:cNvPr id="509" name="Rounded Rectangle 508"/>
           <p:cNvSpPr/>
           <p:nvPr/>
         </p:nvSpPr>
@@ -14528,7 +14528,7 @@
       </p:sp>
       <p:sp>
         <p:nvSpPr>
-          <p:cNvPr id="366" name="Rounded Rectangle 365"/>
+          <p:cNvPr id="510" name="Rounded Rectangle 509"/>
           <p:cNvSpPr/>
           <p:nvPr/>
         </p:nvSpPr>
@@ -14594,7 +14594,7 @@
       </p:sp>
       <p:sp>
         <p:nvSpPr>
-          <p:cNvPr id="367" name="Rounded Rectangle 366"/>
+          <p:cNvPr id="511" name="Rounded Rectangle 510"/>
           <p:cNvSpPr/>
           <p:nvPr/>
         </p:nvSpPr>
@@ -14660,7 +14660,7 @@
       </p:sp>
       <p:sp>
         <p:nvSpPr>
-          <p:cNvPr id="368" name="Rounded Rectangle 367"/>
+          <p:cNvPr id="512" name="Rounded Rectangle 511"/>
           <p:cNvSpPr/>
           <p:nvPr/>
         </p:nvSpPr>
@@ -14747,7 +14747,7 @@
       </p:sp>
       <p:sp>
         <p:nvSpPr>
-          <p:cNvPr id="369" name="Rectangle 368"/>
+          <p:cNvPr id="513" name="Rectangle 512"/>
           <p:cNvSpPr/>
           <p:nvPr/>
         </p:nvSpPr>
@@ -14804,7 +14804,7 @@
       </p:sp>
       <p:sp>
         <p:nvSpPr>
-          <p:cNvPr id="370" name="TextBox 369"/>
+          <p:cNvPr id="514" name="TextBox 513"/>
           <p:cNvSpPr txBox="1"/>
           <p:nvPr/>
         </p:nvSpPr>
@@ -14846,7 +14846,7 @@
       </p:sp>
       <p:sp>
         <p:nvSpPr>
-          <p:cNvPr id="372" name="Rounded Rectangle 371"/>
+          <p:cNvPr id="515" name="Rounded Rectangle 514"/>
           <p:cNvSpPr/>
           <p:nvPr/>
         </p:nvSpPr>
@@ -14912,13 +14912,13 @@
       </p:sp>
       <p:cxnSp>
         <p:nvCxnSpPr>
-          <p:cNvPr id="373" name="Straight Connector 372"/>
+          <p:cNvPr id="516" name="Straight Connector 515"/>
           <p:cNvCxnSpPr/>
           <p:nvPr/>
         </p:nvCxnSpPr>
         <p:spPr>
           <a:xfrm flipV="1">
-            <a:off x="2459903" y="15520590"/>
+            <a:off x="2459903" y="16543694"/>
             <a:ext cx="1690332" cy="756"/>
           </a:xfrm>
           <a:prstGeom prst="line">
@@ -14949,13 +14949,13 @@
       </p:cxnSp>
       <p:sp>
         <p:nvSpPr>
-          <p:cNvPr id="374" name="Oval 373"/>
+          <p:cNvPr id="517" name="Oval 516"/>
           <p:cNvSpPr/>
           <p:nvPr/>
         </p:nvSpPr>
         <p:spPr>
           <a:xfrm>
-            <a:off x="4124593" y="15476156"/>
+            <a:off x="4124593" y="16499260"/>
             <a:ext cx="85326" cy="90380"/>
           </a:xfrm>
           <a:prstGeom prst="ellipse">
@@ -14993,13 +14993,13 @@
       </p:sp>
       <p:sp>
         <p:nvSpPr>
-          <p:cNvPr id="375" name="TextBox 374"/>
+          <p:cNvPr id="518" name="TextBox 517"/>
           <p:cNvSpPr txBox="1"/>
           <p:nvPr/>
         </p:nvSpPr>
         <p:spPr>
           <a:xfrm>
-            <a:off x="2665429" y="15360337"/>
+            <a:off x="2665429" y="16383441"/>
             <a:ext cx="1324080" cy="123111"/>
           </a:xfrm>
           <a:prstGeom prst="rect">
@@ -15029,13 +15029,13 @@
       </p:sp>
       <p:sp>
         <p:nvSpPr>
-          <p:cNvPr id="376" name="TextBox 375"/>
+          <p:cNvPr id="519" name="TextBox 518"/>
           <p:cNvSpPr txBox="1"/>
           <p:nvPr/>
         </p:nvSpPr>
         <p:spPr>
           <a:xfrm>
-            <a:off x="5323321" y="8121205"/>
+            <a:off x="5323321" y="8576454"/>
             <a:ext cx="834130" cy="123111"/>
           </a:xfrm>
           <a:prstGeom prst="rect">
@@ -15073,7 +15073,7 @@
       </p:sp>
       <p:sp>
         <p:nvSpPr>
-          <p:cNvPr id="377" name="TextBox 376"/>
+          <p:cNvPr id="520" name="TextBox 519"/>
           <p:cNvSpPr txBox="1"/>
           <p:nvPr/>
         </p:nvSpPr>
@@ -15117,7 +15117,7 @@
       </p:sp>
       <p:grpSp>
         <p:nvGrpSpPr>
-          <p:cNvPr id="378" name="Group 377"/>
+          <p:cNvPr id="521" name="Group 520"/>
           <p:cNvGrpSpPr/>
           <p:nvPr/>
         </p:nvGrpSpPr>
@@ -15131,7 +15131,7 @@
         </p:grpSpPr>
         <p:sp>
           <p:nvSpPr>
-            <p:cNvPr id="379" name="Rectangle 378"/>
+            <p:cNvPr id="522" name="Rectangle 521"/>
             <p:cNvSpPr/>
             <p:nvPr/>
           </p:nvSpPr>
@@ -15188,7 +15188,7 @@
         </p:sp>
         <p:sp>
           <p:nvSpPr>
-            <p:cNvPr id="380" name="TextBox 379"/>
+            <p:cNvPr id="523" name="TextBox 522"/>
             <p:cNvSpPr txBox="1"/>
             <p:nvPr/>
           </p:nvSpPr>
@@ -15285,7 +15285,7 @@
         </p:sp>
         <p:sp>
           <p:nvSpPr>
-            <p:cNvPr id="381" name="TextBox 380"/>
+            <p:cNvPr id="524" name="TextBox 523"/>
             <p:cNvSpPr txBox="1"/>
             <p:nvPr/>
           </p:nvSpPr>
@@ -15335,7 +15335,7 @@
         </p:sp>
         <p:grpSp>
           <p:nvGrpSpPr>
-            <p:cNvPr id="382" name="Group 381"/>
+            <p:cNvPr id="525" name="Group 524"/>
             <p:cNvGrpSpPr/>
             <p:nvPr/>
           </p:nvGrpSpPr>
@@ -15349,7 +15349,7 @@
           </p:grpSpPr>
           <p:sp>
             <p:nvSpPr>
-              <p:cNvPr id="383" name="Rectangle 382"/>
+              <p:cNvPr id="526" name="Rectangle 525"/>
               <p:cNvSpPr/>
               <p:nvPr/>
             </p:nvSpPr>
@@ -15396,7 +15396,7 @@
           </p:sp>
           <p:sp>
             <p:nvSpPr>
-              <p:cNvPr id="384" name="TextBox 383"/>
+              <p:cNvPr id="527" name="TextBox 526"/>
               <p:cNvSpPr txBox="1"/>
               <p:nvPr/>
             </p:nvSpPr>
@@ -15510,13 +15510,13 @@
       </p:grpSp>
       <p:grpSp>
         <p:nvGrpSpPr>
-          <p:cNvPr id="385" name="Group 384"/>
+          <p:cNvPr id="528" name="Group 527"/>
           <p:cNvGrpSpPr/>
           <p:nvPr/>
         </p:nvGrpSpPr>
         <p:grpSpPr>
           <a:xfrm>
-            <a:off x="7087517" y="7703430"/>
+            <a:off x="7087517" y="8277753"/>
             <a:ext cx="1587201" cy="739079"/>
             <a:chOff x="6871493" y="6953746"/>
             <a:chExt cx="1587201" cy="739079"/>
@@ -15524,7 +15524,7 @@
         </p:grpSpPr>
         <p:sp>
           <p:nvSpPr>
-            <p:cNvPr id="386" name="Rectangle 385"/>
+            <p:cNvPr id="529" name="Rectangle 528"/>
             <p:cNvSpPr/>
             <p:nvPr/>
           </p:nvSpPr>
@@ -15581,7 +15581,7 @@
         </p:sp>
         <p:sp>
           <p:nvSpPr>
-            <p:cNvPr id="387" name="TextBox 386"/>
+            <p:cNvPr id="530" name="TextBox 529"/>
             <p:cNvSpPr txBox="1"/>
             <p:nvPr/>
           </p:nvSpPr>
@@ -15703,13 +15703,13 @@
       </p:grpSp>
       <p:sp>
         <p:nvSpPr>
-          <p:cNvPr id="388" name="TextBox 387"/>
+          <p:cNvPr id="531" name="TextBox 530"/>
           <p:cNvSpPr txBox="1"/>
           <p:nvPr/>
         </p:nvSpPr>
         <p:spPr>
           <a:xfrm>
-            <a:off x="2592685" y="11359405"/>
+            <a:off x="2592685" y="12382509"/>
             <a:ext cx="1476934" cy="153888"/>
           </a:xfrm>
           <a:prstGeom prst="rect">
@@ -15746,13 +15746,13 @@
       </p:sp>
       <p:cxnSp>
         <p:nvCxnSpPr>
-          <p:cNvPr id="389" name="Straight Arrow Connector 388"/>
+          <p:cNvPr id="532" name="Straight Arrow Connector 531"/>
           <p:cNvCxnSpPr/>
           <p:nvPr/>
         </p:nvCxnSpPr>
         <p:spPr>
           <a:xfrm>
-            <a:off x="2911053" y="8860768"/>
+            <a:off x="2911053" y="9435091"/>
             <a:ext cx="4968000" cy="0"/>
           </a:xfrm>
           <a:prstGeom prst="straightConnector1">
@@ -15782,13 +15782,13 @@
       </p:cxnSp>
       <p:sp>
         <p:nvSpPr>
-          <p:cNvPr id="390" name="Rectangle 389"/>
+          <p:cNvPr id="533" name="Rectangle 532"/>
           <p:cNvSpPr/>
           <p:nvPr/>
         </p:nvSpPr>
         <p:spPr>
           <a:xfrm>
-            <a:off x="1807755" y="8599433"/>
+            <a:off x="1807755" y="9173756"/>
             <a:ext cx="1295512" cy="973192"/>
           </a:xfrm>
           <a:prstGeom prst="rect">
@@ -15836,13 +15836,13 @@
       </p:sp>
       <p:sp>
         <p:nvSpPr>
-          <p:cNvPr id="391" name="TextBox 390"/>
+          <p:cNvPr id="534" name="TextBox 533"/>
           <p:cNvSpPr txBox="1"/>
           <p:nvPr/>
         </p:nvSpPr>
         <p:spPr>
           <a:xfrm>
-            <a:off x="1800597" y="8608114"/>
+            <a:off x="1800597" y="9182437"/>
             <a:ext cx="1296144" cy="954107"/>
           </a:xfrm>
           <a:prstGeom prst="rect">
@@ -15982,13 +15982,13 @@
       </p:sp>
       <p:sp>
         <p:nvSpPr>
-          <p:cNvPr id="392" name="TextBox 391"/>
+          <p:cNvPr id="535" name="TextBox 534"/>
           <p:cNvSpPr txBox="1"/>
           <p:nvPr/>
         </p:nvSpPr>
         <p:spPr>
           <a:xfrm>
-            <a:off x="6481117" y="8659444"/>
+            <a:off x="6481117" y="9233767"/>
             <a:ext cx="1304844" cy="153888"/>
           </a:xfrm>
           <a:prstGeom prst="rect">
@@ -16023,13 +16023,13 @@
       </p:sp>
       <p:sp>
         <p:nvSpPr>
-          <p:cNvPr id="393" name="TextBox 392"/>
+          <p:cNvPr id="536" name="TextBox 535"/>
           <p:cNvSpPr txBox="1"/>
           <p:nvPr/>
         </p:nvSpPr>
         <p:spPr>
           <a:xfrm>
-            <a:off x="5323321" y="11481666"/>
+            <a:off x="5323321" y="12504770"/>
             <a:ext cx="834130" cy="123111"/>
           </a:xfrm>
           <a:prstGeom prst="rect">
@@ -16067,13 +16067,13 @@
       </p:sp>
       <p:sp>
         <p:nvSpPr>
-          <p:cNvPr id="394" name="TextBox 393"/>
+          <p:cNvPr id="537" name="TextBox 536"/>
           <p:cNvSpPr txBox="1"/>
           <p:nvPr/>
         </p:nvSpPr>
         <p:spPr>
           <a:xfrm>
-            <a:off x="5401067" y="8793501"/>
+            <a:off x="5401067" y="9367824"/>
             <a:ext cx="678638" cy="123111"/>
           </a:xfrm>
           <a:prstGeom prst="rect">
@@ -16111,13 +16111,13 @@
       </p:sp>
       <p:grpSp>
         <p:nvGrpSpPr>
-          <p:cNvPr id="3" name="Group 2"/>
+          <p:cNvPr id="538" name="Group 537"/>
           <p:cNvGrpSpPr/>
           <p:nvPr/>
         </p:nvGrpSpPr>
         <p:grpSpPr>
           <a:xfrm>
-            <a:off x="7129189" y="11143381"/>
+            <a:off x="7129189" y="12166485"/>
             <a:ext cx="1588981" cy="1792398"/>
             <a:chOff x="7129189" y="11071373"/>
             <a:chExt cx="1588981" cy="1792398"/>
@@ -16125,7 +16125,7 @@
         </p:grpSpPr>
         <p:sp>
           <p:nvSpPr>
-            <p:cNvPr id="396" name="Rectangle 395"/>
+            <p:cNvPr id="539" name="Rectangle 538"/>
             <p:cNvSpPr/>
             <p:nvPr/>
           </p:nvSpPr>
@@ -16182,7 +16182,7 @@
         </p:sp>
         <p:sp>
           <p:nvSpPr>
-            <p:cNvPr id="397" name="TextBox 396"/>
+            <p:cNvPr id="540" name="TextBox 539"/>
             <p:cNvSpPr txBox="1"/>
             <p:nvPr/>
           </p:nvSpPr>
@@ -16298,7 +16298,7 @@
         </p:sp>
         <p:sp>
           <p:nvSpPr>
-            <p:cNvPr id="398" name="TextBox 397"/>
+            <p:cNvPr id="541" name="TextBox 540"/>
             <p:cNvSpPr txBox="1"/>
             <p:nvPr/>
           </p:nvSpPr>
@@ -16348,7 +16348,7 @@
         </p:sp>
         <p:grpSp>
           <p:nvGrpSpPr>
-            <p:cNvPr id="399" name="Group 398"/>
+            <p:cNvPr id="542" name="Group 541"/>
             <p:cNvGrpSpPr/>
             <p:nvPr/>
           </p:nvGrpSpPr>
@@ -16362,7 +16362,7 @@
           </p:grpSpPr>
           <p:sp>
             <p:nvSpPr>
-              <p:cNvPr id="400" name="Rectangle 399"/>
+              <p:cNvPr id="543" name="Rectangle 542"/>
               <p:cNvSpPr/>
               <p:nvPr/>
             </p:nvSpPr>
@@ -16409,7 +16409,7 @@
           </p:sp>
           <p:sp>
             <p:nvSpPr>
-              <p:cNvPr id="401" name="TextBox 400"/>
+              <p:cNvPr id="544" name="TextBox 543"/>
               <p:cNvSpPr txBox="1"/>
               <p:nvPr/>
             </p:nvSpPr>
@@ -16523,7 +16523,7 @@
       </p:grpSp>
       <p:sp>
         <p:nvSpPr>
-          <p:cNvPr id="403" name="TextBox 402"/>
+          <p:cNvPr id="545" name="TextBox 544"/>
           <p:cNvSpPr txBox="1"/>
           <p:nvPr/>
         </p:nvSpPr>
@@ -16570,7 +16570,7 @@
       </p:sp>
       <p:sp>
         <p:nvSpPr>
-          <p:cNvPr id="404" name="TextBox 403"/>
+          <p:cNvPr id="546" name="TextBox 545"/>
           <p:cNvSpPr txBox="1"/>
           <p:nvPr/>
         </p:nvSpPr>
@@ -16613,7 +16613,7 @@
       </p:sp>
       <p:sp>
         <p:nvSpPr>
-          <p:cNvPr id="405" name="TextBox 404"/>
+          <p:cNvPr id="547" name="TextBox 546"/>
           <p:cNvSpPr txBox="1"/>
           <p:nvPr/>
         </p:nvSpPr>
@@ -16656,7 +16656,7 @@
       </p:sp>
       <p:sp>
         <p:nvSpPr>
-          <p:cNvPr id="406" name="TextBox 405"/>
+          <p:cNvPr id="548" name="TextBox 547"/>
           <p:cNvSpPr txBox="1"/>
           <p:nvPr/>
         </p:nvSpPr>
@@ -16699,7 +16699,7 @@
       </p:sp>
       <p:sp>
         <p:nvSpPr>
-          <p:cNvPr id="407" name="TextBox 406"/>
+          <p:cNvPr id="549" name="TextBox 548"/>
           <p:cNvSpPr txBox="1"/>
           <p:nvPr/>
         </p:nvSpPr>
@@ -16742,7 +16742,7 @@
       </p:sp>
       <p:sp>
         <p:nvSpPr>
-          <p:cNvPr id="408" name="TextBox 407"/>
+          <p:cNvPr id="550" name="TextBox 549"/>
           <p:cNvSpPr txBox="1"/>
           <p:nvPr/>
         </p:nvSpPr>
@@ -16785,13 +16785,13 @@
       </p:sp>
       <p:sp>
         <p:nvSpPr>
-          <p:cNvPr id="409" name="TextBox 408"/>
+          <p:cNvPr id="551" name="TextBox 550"/>
           <p:cNvSpPr txBox="1"/>
           <p:nvPr/>
         </p:nvSpPr>
         <p:spPr>
           <a:xfrm>
-            <a:off x="2142853" y="8121400"/>
+            <a:off x="2142853" y="8576649"/>
             <a:ext cx="165567" cy="172758"/>
           </a:xfrm>
           <a:prstGeom prst="roundRect">
@@ -16828,13 +16828,13 @@
       </p:sp>
       <p:sp>
         <p:nvSpPr>
-          <p:cNvPr id="410" name="TextBox 409"/>
+          <p:cNvPr id="552" name="TextBox 551"/>
           <p:cNvSpPr txBox="1"/>
           <p:nvPr/>
         </p:nvSpPr>
         <p:spPr>
           <a:xfrm>
-            <a:off x="8046893" y="8774757"/>
+            <a:off x="8046893" y="9349080"/>
             <a:ext cx="165567" cy="172758"/>
           </a:xfrm>
           <a:prstGeom prst="roundRect">
@@ -16871,13 +16871,13 @@
       </p:sp>
       <p:sp>
         <p:nvSpPr>
-          <p:cNvPr id="411" name="TextBox 410"/>
+          <p:cNvPr id="553" name="TextBox 552"/>
           <p:cNvSpPr txBox="1"/>
           <p:nvPr/>
         </p:nvSpPr>
         <p:spPr>
           <a:xfrm>
-            <a:off x="2080856" y="11453660"/>
+            <a:off x="2080856" y="12476764"/>
             <a:ext cx="241931" cy="174281"/>
           </a:xfrm>
           <a:prstGeom prst="roundRect">
@@ -16918,13 +16918,13 @@
       </p:sp>
       <p:sp>
         <p:nvSpPr>
-          <p:cNvPr id="412" name="TextBox 411"/>
+          <p:cNvPr id="554" name="TextBox 553"/>
           <p:cNvSpPr txBox="1"/>
           <p:nvPr/>
         </p:nvSpPr>
         <p:spPr>
           <a:xfrm>
-            <a:off x="7039392" y="7464877"/>
+            <a:off x="7039392" y="8052783"/>
             <a:ext cx="795637" cy="215444"/>
           </a:xfrm>
           <a:prstGeom prst="rect">
@@ -16976,14 +16976,14 @@
       </p:sp>
       <p:cxnSp>
         <p:nvCxnSpPr>
-          <p:cNvPr id="413" name="Straight Connector 412"/>
+          <p:cNvPr id="555" name="Straight Connector 554"/>
           <p:cNvCxnSpPr/>
           <p:nvPr/>
         </p:nvCxnSpPr>
         <p:spPr>
           <a:xfrm>
             <a:off x="10138646" y="837243"/>
-            <a:ext cx="6302" cy="14904000"/>
+            <a:ext cx="6302" cy="15984000"/>
           </a:xfrm>
           <a:prstGeom prst="line">
             <a:avLst/>
@@ -17007,7 +17007,7 @@
       </p:cxnSp>
       <p:sp>
         <p:nvSpPr>
-          <p:cNvPr id="414" name="Rounded Rectangle 413"/>
+          <p:cNvPr id="556" name="Rounded Rectangle 555"/>
           <p:cNvSpPr/>
           <p:nvPr/>
         </p:nvSpPr>
@@ -17109,13 +17109,13 @@
       </p:sp>
       <p:sp>
         <p:nvSpPr>
-          <p:cNvPr id="415" name="TextBox 414"/>
+          <p:cNvPr id="557" name="TextBox 556"/>
           <p:cNvSpPr txBox="1"/>
           <p:nvPr/>
         </p:nvSpPr>
         <p:spPr>
           <a:xfrm>
-            <a:off x="9219984" y="13802914"/>
+            <a:off x="9219984" y="14826018"/>
             <a:ext cx="1869645" cy="550962"/>
           </a:xfrm>
           <a:prstGeom prst="snip2DiagRect">
@@ -17236,13 +17236,13 @@
       </p:sp>
       <p:sp>
         <p:nvSpPr>
-          <p:cNvPr id="416" name="TextBox 415"/>
+          <p:cNvPr id="558" name="TextBox 557"/>
           <p:cNvSpPr txBox="1"/>
           <p:nvPr/>
         </p:nvSpPr>
         <p:spPr>
           <a:xfrm>
-            <a:off x="9268736" y="8835973"/>
+            <a:off x="9343599" y="10018440"/>
             <a:ext cx="795637" cy="215444"/>
           </a:xfrm>
           <a:prstGeom prst="rect">
@@ -17294,13 +17294,13 @@
       </p:sp>
       <p:sp>
         <p:nvSpPr>
-          <p:cNvPr id="417" name="TextBox 416"/>
+          <p:cNvPr id="559" name="TextBox 558"/>
           <p:cNvSpPr txBox="1"/>
           <p:nvPr/>
         </p:nvSpPr>
         <p:spPr>
           <a:xfrm>
-            <a:off x="10072709" y="15895909"/>
+            <a:off x="10063183" y="17067378"/>
             <a:ext cx="1436776" cy="200055"/>
           </a:xfrm>
           <a:prstGeom prst="rect">
@@ -17331,13 +17331,13 @@
       </p:sp>
       <p:cxnSp>
         <p:nvCxnSpPr>
-          <p:cNvPr id="418" name="Straight Arrow Connector 417"/>
+          <p:cNvPr id="560" name="Straight Arrow Connector 559"/>
           <p:cNvCxnSpPr/>
           <p:nvPr/>
         </p:nvCxnSpPr>
         <p:spPr>
           <a:xfrm flipH="1">
-            <a:off x="7936241" y="9574074"/>
+            <a:off x="7936241" y="10597178"/>
             <a:ext cx="1434723" cy="0"/>
           </a:xfrm>
           <a:prstGeom prst="straightConnector1">
@@ -17367,13 +17367,13 @@
       </p:cxnSp>
       <p:sp>
         <p:nvSpPr>
-          <p:cNvPr id="419" name="TextBox 418"/>
+          <p:cNvPr id="561" name="TextBox 560"/>
           <p:cNvSpPr txBox="1"/>
           <p:nvPr/>
         </p:nvSpPr>
         <p:spPr>
           <a:xfrm>
-            <a:off x="6925088" y="9477669"/>
+            <a:off x="6925088" y="10500773"/>
             <a:ext cx="576046" cy="153888"/>
           </a:xfrm>
           <a:prstGeom prst="rect">
@@ -17410,14 +17410,14 @@
       </p:sp>
       <p:cxnSp>
         <p:nvCxnSpPr>
-          <p:cNvPr id="420" name="Straight Arrow Connector 419"/>
+          <p:cNvPr id="562" name="Straight Arrow Connector 561"/>
           <p:cNvCxnSpPr/>
           <p:nvPr/>
         </p:nvCxnSpPr>
         <p:spPr>
           <a:xfrm>
-            <a:off x="7928354" y="9287073"/>
-            <a:ext cx="1373118" cy="0"/>
+            <a:off x="7928354" y="9861396"/>
+            <a:ext cx="2178000" cy="0"/>
           </a:xfrm>
           <a:prstGeom prst="straightConnector1">
             <a:avLst/>
@@ -17446,13 +17446,13 @@
       </p:cxnSp>
       <p:sp>
         <p:nvSpPr>
-          <p:cNvPr id="421" name="TextBox 420"/>
+          <p:cNvPr id="563" name="TextBox 562"/>
           <p:cNvSpPr txBox="1"/>
           <p:nvPr/>
         </p:nvSpPr>
         <p:spPr>
           <a:xfrm>
-            <a:off x="8320809" y="9503061"/>
+            <a:off x="8320809" y="10526165"/>
             <a:ext cx="834130" cy="123111"/>
           </a:xfrm>
           <a:prstGeom prst="rect">
@@ -17490,13 +17490,13 @@
       </p:sp>
       <p:sp>
         <p:nvSpPr>
-          <p:cNvPr id="422" name="TextBox 421"/>
+          <p:cNvPr id="564" name="TextBox 563"/>
           <p:cNvSpPr txBox="1"/>
           <p:nvPr/>
         </p:nvSpPr>
         <p:spPr>
           <a:xfrm>
-            <a:off x="8410739" y="9216918"/>
+            <a:off x="8410739" y="9791241"/>
             <a:ext cx="609710" cy="123111"/>
           </a:xfrm>
           <a:prstGeom prst="rect">
@@ -17534,13 +17534,13 @@
       </p:sp>
       <p:sp>
         <p:nvSpPr>
-          <p:cNvPr id="423" name="TextBox 422"/>
+          <p:cNvPr id="565" name="TextBox 564"/>
           <p:cNvSpPr txBox="1"/>
           <p:nvPr/>
         </p:nvSpPr>
         <p:spPr>
           <a:xfrm>
-            <a:off x="7611694" y="9471853"/>
+            <a:off x="7611694" y="10494957"/>
             <a:ext cx="165567" cy="172758"/>
           </a:xfrm>
           <a:prstGeom prst="roundRect">
@@ -17577,13 +17577,13 @@
       </p:sp>
       <p:grpSp>
         <p:nvGrpSpPr>
-          <p:cNvPr id="424" name="Group 423"/>
+          <p:cNvPr id="566" name="Group 565"/>
           <p:cNvGrpSpPr/>
           <p:nvPr/>
         </p:nvGrpSpPr>
         <p:grpSpPr>
           <a:xfrm>
-            <a:off x="9316861" y="9080984"/>
+            <a:off x="9358412" y="10224411"/>
             <a:ext cx="1587201" cy="739079"/>
             <a:chOff x="6871493" y="6953746"/>
             <a:chExt cx="1587201" cy="739079"/>
@@ -17591,7 +17591,7 @@
         </p:grpSpPr>
         <p:sp>
           <p:nvSpPr>
-            <p:cNvPr id="425" name="Rectangle 424"/>
+            <p:cNvPr id="567" name="Rectangle 566"/>
             <p:cNvSpPr/>
             <p:nvPr/>
           </p:nvSpPr>
@@ -17647,7 +17647,7 @@
         </p:sp>
         <p:sp>
           <p:nvSpPr>
-            <p:cNvPr id="426" name="TextBox 425"/>
+            <p:cNvPr id="568" name="TextBox 567"/>
             <p:cNvSpPr txBox="1"/>
             <p:nvPr/>
           </p:nvSpPr>
@@ -17769,13 +17769,13 @@
       </p:grpSp>
       <p:cxnSp>
         <p:nvCxnSpPr>
-          <p:cNvPr id="427" name="Straight Arrow Connector 426"/>
+          <p:cNvPr id="569" name="Straight Arrow Connector 568"/>
           <p:cNvCxnSpPr/>
           <p:nvPr/>
         </p:nvCxnSpPr>
         <p:spPr>
           <a:xfrm>
-            <a:off x="2912248" y="13336551"/>
+            <a:off x="2912248" y="14359655"/>
             <a:ext cx="7200000" cy="0"/>
           </a:xfrm>
           <a:prstGeom prst="straightConnector1">
@@ -17805,13 +17805,13 @@
       </p:cxnSp>
       <p:sp>
         <p:nvSpPr>
-          <p:cNvPr id="428" name="TextBox 427"/>
+          <p:cNvPr id="570" name="TextBox 569"/>
           <p:cNvSpPr txBox="1"/>
           <p:nvPr/>
         </p:nvSpPr>
         <p:spPr>
           <a:xfrm>
-            <a:off x="8950178" y="13135227"/>
+            <a:off x="8950178" y="14158331"/>
             <a:ext cx="915315" cy="153888"/>
           </a:xfrm>
           <a:prstGeom prst="rect">
@@ -17846,13 +17846,13 @@
       </p:sp>
       <p:sp>
         <p:nvSpPr>
-          <p:cNvPr id="429" name="TextBox 428"/>
+          <p:cNvPr id="571" name="TextBox 570"/>
           <p:cNvSpPr txBox="1"/>
           <p:nvPr/>
         </p:nvSpPr>
         <p:spPr>
           <a:xfrm>
-            <a:off x="5402262" y="13269284"/>
+            <a:off x="5402262" y="14292388"/>
             <a:ext cx="678638" cy="123111"/>
           </a:xfrm>
           <a:prstGeom prst="rect">
@@ -17890,13 +17890,13 @@
       </p:sp>
       <p:sp>
         <p:nvSpPr>
-          <p:cNvPr id="430" name="TextBox 429"/>
+          <p:cNvPr id="572" name="TextBox 571"/>
           <p:cNvSpPr txBox="1"/>
           <p:nvPr/>
         </p:nvSpPr>
         <p:spPr>
           <a:xfrm>
-            <a:off x="10271634" y="13249779"/>
+            <a:off x="10271634" y="14272883"/>
             <a:ext cx="241931" cy="174281"/>
           </a:xfrm>
           <a:prstGeom prst="roundRect">
@@ -17937,13 +17937,13 @@
       </p:sp>
       <p:grpSp>
         <p:nvGrpSpPr>
-          <p:cNvPr id="2" name="Group 1"/>
+          <p:cNvPr id="573" name="Group 572"/>
           <p:cNvGrpSpPr/>
           <p:nvPr/>
         </p:nvGrpSpPr>
         <p:grpSpPr>
           <a:xfrm>
-            <a:off x="1790508" y="11935469"/>
+            <a:off x="1790508" y="12958573"/>
             <a:ext cx="1954305" cy="2616308"/>
             <a:chOff x="1790508" y="12076005"/>
             <a:chExt cx="1954305" cy="2616308"/>
@@ -17951,7 +17951,7 @@
         </p:grpSpPr>
         <p:sp>
           <p:nvSpPr>
-            <p:cNvPr id="432" name="Rectangle 431"/>
+            <p:cNvPr id="574" name="Rectangle 573"/>
             <p:cNvSpPr/>
             <p:nvPr/>
           </p:nvSpPr>
@@ -18005,7 +18005,7 @@
         </p:sp>
         <p:sp>
           <p:nvSpPr>
-            <p:cNvPr id="433" name="TextBox 432"/>
+            <p:cNvPr id="575" name="TextBox 574"/>
             <p:cNvSpPr txBox="1"/>
             <p:nvPr/>
           </p:nvSpPr>
@@ -18198,7 +18198,7 @@
         </p:sp>
         <p:sp>
           <p:nvSpPr>
-            <p:cNvPr id="434" name="Rectangle 433"/>
+            <p:cNvPr id="576" name="Rectangle 575"/>
             <p:cNvSpPr/>
             <p:nvPr/>
           </p:nvSpPr>
@@ -18249,7 +18249,7 @@
         </p:sp>
         <p:sp>
           <p:nvSpPr>
-            <p:cNvPr id="435" name="TextBox 434"/>
+            <p:cNvPr id="577" name="TextBox 576"/>
             <p:cNvSpPr txBox="1"/>
             <p:nvPr/>
           </p:nvSpPr>
@@ -18352,7 +18352,7 @@
         </p:sp>
         <p:sp>
           <p:nvSpPr>
-            <p:cNvPr id="436" name="TextBox 435"/>
+            <p:cNvPr id="578" name="TextBox 577"/>
             <p:cNvSpPr txBox="1"/>
             <p:nvPr/>
           </p:nvSpPr>
@@ -18402,7 +18402,7 @@
         </p:sp>
         <p:grpSp>
           <p:nvGrpSpPr>
-            <p:cNvPr id="437" name="Group 436"/>
+            <p:cNvPr id="579" name="Group 578"/>
             <p:cNvGrpSpPr/>
             <p:nvPr/>
           </p:nvGrpSpPr>
@@ -18416,7 +18416,7 @@
           </p:grpSpPr>
           <p:sp>
             <p:nvSpPr>
-              <p:cNvPr id="438" name="Rectangle 437"/>
+              <p:cNvPr id="580" name="Rectangle 579"/>
               <p:cNvSpPr/>
               <p:nvPr/>
             </p:nvSpPr>
@@ -18463,7 +18463,7 @@
           </p:sp>
           <p:sp>
             <p:nvSpPr>
-              <p:cNvPr id="439" name="TextBox 438"/>
+              <p:cNvPr id="581" name="TextBox 580"/>
               <p:cNvSpPr txBox="1"/>
               <p:nvPr/>
             </p:nvSpPr>
@@ -18577,7 +18577,7 @@
       </p:grpSp>
       <p:pic>
         <p:nvPicPr>
-          <p:cNvPr id="440" name="Picture 439"/>
+          <p:cNvPr id="582" name="Picture 581"/>
           <p:cNvPicPr>
             <a:picLocks noChangeAspect="1"/>
           </p:cNvPicPr>
@@ -18614,13 +18614,13 @@
       </p:pic>
       <p:sp>
         <p:nvSpPr>
-          <p:cNvPr id="441" name="TextBox 440"/>
+          <p:cNvPr id="583" name="TextBox 582"/>
           <p:cNvSpPr txBox="1"/>
           <p:nvPr/>
         </p:nvSpPr>
         <p:spPr>
           <a:xfrm>
-            <a:off x="10674974" y="13249779"/>
+            <a:off x="10674974" y="14272883"/>
             <a:ext cx="241931" cy="174281"/>
           </a:xfrm>
           <a:prstGeom prst="roundRect">
@@ -18661,13 +18661,13 @@
       </p:sp>
       <p:cxnSp>
         <p:nvCxnSpPr>
-          <p:cNvPr id="442" name="Straight Arrow Connector 441"/>
+          <p:cNvPr id="584" name="Straight Arrow Connector 583"/>
           <p:cNvCxnSpPr/>
           <p:nvPr/>
         </p:nvCxnSpPr>
         <p:spPr>
           <a:xfrm flipH="1">
-            <a:off x="2467726" y="15059759"/>
+            <a:off x="2467726" y="16082863"/>
             <a:ext cx="6984000" cy="0"/>
           </a:xfrm>
           <a:prstGeom prst="straightConnector1">
@@ -18697,13 +18697,13 @@
       </p:cxnSp>
       <p:sp>
         <p:nvSpPr>
-          <p:cNvPr id="443" name="TextBox 442"/>
+          <p:cNvPr id="585" name="TextBox 584"/>
           <p:cNvSpPr txBox="1"/>
           <p:nvPr/>
         </p:nvSpPr>
         <p:spPr>
           <a:xfrm>
-            <a:off x="2724301" y="14869640"/>
+            <a:off x="2724301" y="15892744"/>
             <a:ext cx="1087404" cy="153888"/>
           </a:xfrm>
           <a:prstGeom prst="rect">
@@ -18740,13 +18740,13 @@
       </p:sp>
       <p:sp>
         <p:nvSpPr>
-          <p:cNvPr id="444" name="TextBox 443"/>
+          <p:cNvPr id="586" name="TextBox 585"/>
           <p:cNvSpPr txBox="1"/>
           <p:nvPr/>
         </p:nvSpPr>
         <p:spPr>
           <a:xfrm>
-            <a:off x="5312042" y="14991901"/>
+            <a:off x="5312042" y="16015005"/>
             <a:ext cx="834130" cy="123111"/>
           </a:xfrm>
           <a:prstGeom prst="rect">
@@ -18784,13 +18784,13 @@
       </p:sp>
       <p:sp>
         <p:nvSpPr>
-          <p:cNvPr id="445" name="TextBox 444"/>
+          <p:cNvPr id="587" name="TextBox 586"/>
           <p:cNvSpPr txBox="1"/>
           <p:nvPr/>
         </p:nvSpPr>
         <p:spPr>
           <a:xfrm>
-            <a:off x="2059488" y="14963895"/>
+            <a:off x="2059488" y="15986999"/>
             <a:ext cx="241931" cy="174281"/>
           </a:xfrm>
           <a:prstGeom prst="roundRect">
@@ -18831,13 +18831,13 @@
       </p:sp>
       <p:grpSp>
         <p:nvGrpSpPr>
-          <p:cNvPr id="446" name="Group 445"/>
+          <p:cNvPr id="588" name="Group 587"/>
           <p:cNvGrpSpPr/>
           <p:nvPr/>
         </p:nvGrpSpPr>
         <p:grpSpPr>
           <a:xfrm>
-            <a:off x="9385844" y="14797632"/>
+            <a:off x="9385844" y="15820736"/>
             <a:ext cx="1587201" cy="532186"/>
             <a:chOff x="9385844" y="14455402"/>
             <a:chExt cx="1587201" cy="532186"/>
@@ -18845,7 +18845,7 @@
         </p:grpSpPr>
         <p:sp>
           <p:nvSpPr>
-            <p:cNvPr id="447" name="Rectangle 446"/>
+            <p:cNvPr id="589" name="Rectangle 588"/>
             <p:cNvSpPr/>
             <p:nvPr/>
           </p:nvSpPr>
@@ -18901,7 +18901,7 @@
         </p:sp>
         <p:sp>
           <p:nvSpPr>
-            <p:cNvPr id="448" name="TextBox 447"/>
+            <p:cNvPr id="590" name="TextBox 589"/>
             <p:cNvSpPr txBox="1"/>
             <p:nvPr/>
           </p:nvSpPr>
@@ -18988,7 +18988,7 @@
       </p:grpSp>
       <p:cxnSp>
         <p:nvCxnSpPr>
-          <p:cNvPr id="150" name="Straight Arrow Connector 149"/>
+          <p:cNvPr id="591" name="Straight Arrow Connector 590"/>
           <p:cNvCxnSpPr/>
           <p:nvPr/>
         </p:nvCxnSpPr>

--- a/webpayment.resources/docs/webpay-card-payment-statediagram.pptx
+++ b/webpayment.resources/docs/webpay-card-payment-statediagram.pptx
@@ -10,7 +10,7 @@
   <p:sldIdLst>
     <p:sldId id="256" r:id="rId2"/>
   </p:sldIdLst>
-  <p:sldSz cx="11522075" cy="17281525"/>
+  <p:sldSz cx="12241213" cy="17281525"/>
   <p:notesSz cx="6858000" cy="9144000"/>
   <p:defaultTextStyle>
     <a:defPPr>
@@ -210,8 +210,8 @@
         </p:nvSpPr>
         <p:spPr>
           <a:xfrm>
-            <a:off x="2286000" y="685800"/>
-            <a:ext cx="2286000" cy="3429000"/>
+            <a:off x="2214563" y="685800"/>
+            <a:ext cx="2428875" cy="3429000"/>
           </a:xfrm>
           <a:prstGeom prst="rect">
             <a:avLst/>
@@ -489,8 +489,8 @@
         </p:nvSpPr>
         <p:spPr>
           <a:xfrm>
-            <a:off x="2286000" y="685800"/>
-            <a:ext cx="2286000" cy="3429000"/>
+            <a:off x="2214563" y="685800"/>
+            <a:ext cx="2428875" cy="3429000"/>
           </a:xfrm>
         </p:spPr>
       </p:sp>
@@ -898,7 +898,7 @@
       </p:grpSpPr>
       <p:cxnSp>
         <p:nvCxnSpPr>
-          <p:cNvPr id="299" name="Straight Connector 298"/>
+          <p:cNvPr id="298" name="Straight Connector 297"/>
           <p:cNvCxnSpPr/>
           <p:nvPr/>
         </p:nvCxnSpPr>
@@ -929,15 +929,15 @@
       </p:cxnSp>
       <p:cxnSp>
         <p:nvCxnSpPr>
-          <p:cNvPr id="371" name="Straight Connector 370"/>
+          <p:cNvPr id="300" name="Straight Connector 299"/>
           <p:cNvCxnSpPr>
-            <a:stCxn id="549" idx="2"/>
+            <a:stCxn id="407" idx="2"/>
           </p:cNvCxnSpPr>
           <p:nvPr/>
         </p:nvCxnSpPr>
         <p:spPr>
           <a:xfrm flipH="1">
-            <a:off x="5169421" y="3608691"/>
+            <a:off x="5838740" y="3608691"/>
             <a:ext cx="205320" cy="302065"/>
           </a:xfrm>
           <a:prstGeom prst="line">
@@ -967,13 +967,13 @@
       </p:cxnSp>
       <p:cxnSp>
         <p:nvCxnSpPr>
-          <p:cNvPr id="395" name="Straight Connector 394"/>
+          <p:cNvPr id="301" name="Straight Connector 300"/>
           <p:cNvCxnSpPr/>
           <p:nvPr/>
         </p:nvCxnSpPr>
         <p:spPr>
           <a:xfrm>
-            <a:off x="4167256" y="1668062"/>
+            <a:off x="4836575" y="1668062"/>
             <a:ext cx="0" cy="14868000"/>
           </a:xfrm>
           <a:prstGeom prst="line">
@@ -998,13 +998,13 @@
       </p:cxnSp>
       <p:cxnSp>
         <p:nvCxnSpPr>
-          <p:cNvPr id="402" name="Straight Arrow Connector 401"/>
+          <p:cNvPr id="302" name="Straight Arrow Connector 301"/>
           <p:cNvCxnSpPr/>
           <p:nvPr/>
         </p:nvCxnSpPr>
         <p:spPr>
           <a:xfrm flipH="1">
-            <a:off x="2479005" y="12572628"/>
+            <a:off x="3148324" y="12572628"/>
             <a:ext cx="4680000" cy="0"/>
           </a:xfrm>
           <a:prstGeom prst="straightConnector1">
@@ -1034,13 +1034,13 @@
       </p:cxnSp>
       <p:cxnSp>
         <p:nvCxnSpPr>
-          <p:cNvPr id="431" name="Straight Connector 430"/>
+          <p:cNvPr id="303" name="Straight Connector 302"/>
           <p:cNvCxnSpPr/>
           <p:nvPr/>
         </p:nvCxnSpPr>
         <p:spPr>
           <a:xfrm flipH="1">
-            <a:off x="2449959" y="846036"/>
+            <a:off x="3119278" y="846036"/>
             <a:ext cx="2428" cy="15984000"/>
           </a:xfrm>
           <a:prstGeom prst="line">
@@ -1065,13 +1065,13 @@
       </p:cxnSp>
       <p:sp>
         <p:nvSpPr>
-          <p:cNvPr id="449" name="TextBox 448"/>
+          <p:cNvPr id="304" name="TextBox 303"/>
           <p:cNvSpPr txBox="1"/>
           <p:nvPr/>
         </p:nvSpPr>
         <p:spPr>
           <a:xfrm>
-            <a:off x="2553915" y="7135738"/>
+            <a:off x="3223234" y="7135738"/>
             <a:ext cx="1077218" cy="190240"/>
           </a:xfrm>
           <a:prstGeom prst="rect">
@@ -1108,13 +1108,13 @@
       </p:sp>
       <p:cxnSp>
         <p:nvCxnSpPr>
-          <p:cNvPr id="450" name="Straight Connector 449"/>
+          <p:cNvPr id="305" name="Straight Connector 304"/>
           <p:cNvCxnSpPr/>
           <p:nvPr/>
         </p:nvCxnSpPr>
         <p:spPr>
           <a:xfrm flipV="1">
-            <a:off x="2466889" y="1664956"/>
+            <a:off x="3136208" y="1664956"/>
             <a:ext cx="1690332" cy="756"/>
           </a:xfrm>
           <a:prstGeom prst="line">
@@ -1145,14 +1145,14 @@
       </p:cxnSp>
       <p:cxnSp>
         <p:nvCxnSpPr>
-          <p:cNvPr id="451" name="Straight Arrow Connector 450"/>
+          <p:cNvPr id="306" name="Straight Arrow Connector 305"/>
           <p:cNvCxnSpPr/>
           <p:nvPr/>
         </p:nvCxnSpPr>
         <p:spPr>
           <a:xfrm>
-            <a:off x="1325829" y="1665066"/>
-            <a:ext cx="1123463" cy="0"/>
+            <a:off x="1707115" y="1665066"/>
+            <a:ext cx="1422000" cy="0"/>
           </a:xfrm>
           <a:prstGeom prst="straightConnector1">
             <a:avLst/>
@@ -1182,14 +1182,14 @@
       </p:cxnSp>
       <p:cxnSp>
         <p:nvCxnSpPr>
-          <p:cNvPr id="452" name="Straight Arrow Connector 451"/>
+          <p:cNvPr id="307" name="Straight Arrow Connector 306"/>
           <p:cNvCxnSpPr/>
           <p:nvPr/>
         </p:nvCxnSpPr>
         <p:spPr>
           <a:xfrm flipV="1">
-            <a:off x="1312668" y="1305522"/>
-            <a:ext cx="1123463" cy="8"/>
+            <a:off x="1693954" y="1305522"/>
+            <a:ext cx="1404000" cy="8"/>
           </a:xfrm>
           <a:prstGeom prst="straightConnector1">
             <a:avLst/>
@@ -1219,13 +1219,13 @@
       </p:cxnSp>
       <p:sp>
         <p:nvSpPr>
-          <p:cNvPr id="453" name="Freeform 452"/>
+          <p:cNvPr id="308" name="Freeform 307"/>
           <p:cNvSpPr/>
           <p:nvPr/>
         </p:nvSpPr>
         <p:spPr>
           <a:xfrm>
-            <a:off x="4181043" y="3459214"/>
+            <a:off x="4850362" y="3459214"/>
             <a:ext cx="2636221" cy="2552694"/>
           </a:xfrm>
           <a:custGeom>
@@ -11681,14 +11681,14 @@
       </p:sp>
       <p:cxnSp>
         <p:nvCxnSpPr>
-          <p:cNvPr id="454" name="Straight Arrow Connector 453"/>
+          <p:cNvPr id="309" name="Straight Arrow Connector 308"/>
           <p:cNvCxnSpPr/>
           <p:nvPr/>
         </p:nvCxnSpPr>
         <p:spPr>
           <a:xfrm>
-            <a:off x="1328880" y="16544325"/>
-            <a:ext cx="1131700" cy="216"/>
+            <a:off x="1710167" y="16544325"/>
+            <a:ext cx="1422000" cy="216"/>
           </a:xfrm>
           <a:prstGeom prst="straightConnector1">
             <a:avLst/>
@@ -11718,14 +11718,14 @@
       </p:cxnSp>
       <p:cxnSp>
         <p:nvCxnSpPr>
-          <p:cNvPr id="455" name="Straight Arrow Connector 454"/>
+          <p:cNvPr id="310" name="Straight Arrow Connector 309"/>
           <p:cNvCxnSpPr/>
           <p:nvPr/>
         </p:nvCxnSpPr>
         <p:spPr>
           <a:xfrm>
-            <a:off x="1312668" y="7570177"/>
-            <a:ext cx="1123463" cy="2308"/>
+            <a:off x="1693954" y="7570177"/>
+            <a:ext cx="1404000" cy="2308"/>
           </a:xfrm>
           <a:prstGeom prst="straightConnector1">
             <a:avLst/>
@@ -11754,13 +11754,13 @@
       </p:cxnSp>
       <p:sp>
         <p:nvSpPr>
-          <p:cNvPr id="456" name="Freeform 455"/>
+          <p:cNvPr id="311" name="Freeform 310"/>
           <p:cNvSpPr/>
           <p:nvPr/>
         </p:nvSpPr>
         <p:spPr>
           <a:xfrm>
-            <a:off x="1208598" y="7328059"/>
+            <a:off x="1589885" y="7328059"/>
             <a:ext cx="105249" cy="241012"/>
           </a:xfrm>
           <a:custGeom>
@@ -11958,13 +11958,13 @@
       </p:sp>
       <p:cxnSp>
         <p:nvCxnSpPr>
-          <p:cNvPr id="457" name="Straight Arrow Connector 456"/>
+          <p:cNvPr id="312" name="Straight Arrow Connector 311"/>
           <p:cNvCxnSpPr/>
           <p:nvPr/>
         </p:nvCxnSpPr>
         <p:spPr>
           <a:xfrm flipH="1">
-            <a:off x="1328357" y="2863064"/>
+            <a:off x="1709644" y="2863064"/>
             <a:ext cx="2839862" cy="0"/>
           </a:xfrm>
           <a:prstGeom prst="straightConnector1">
@@ -11994,14 +11994,14 @@
       </p:cxnSp>
       <p:cxnSp>
         <p:nvCxnSpPr>
-          <p:cNvPr id="458" name="Straight Arrow Connector 457"/>
+          <p:cNvPr id="313" name="Straight Arrow Connector 312"/>
           <p:cNvCxnSpPr/>
           <p:nvPr/>
         </p:nvCxnSpPr>
         <p:spPr>
           <a:xfrm flipH="1">
-            <a:off x="1323937" y="7332148"/>
-            <a:ext cx="2458050" cy="0"/>
+            <a:off x="1705224" y="7332148"/>
+            <a:ext cx="2736000" cy="0"/>
           </a:xfrm>
           <a:prstGeom prst="straightConnector1">
             <a:avLst/>
@@ -12030,7 +12030,7 @@
       </p:cxnSp>
       <p:grpSp>
         <p:nvGrpSpPr>
-          <p:cNvPr id="459" name="Group 458"/>
+          <p:cNvPr id="314" name="Group 313"/>
           <p:cNvGrpSpPr/>
           <p:nvPr/>
         </p:nvGrpSpPr>
@@ -12044,7 +12044,7 @@
         </p:grpSpPr>
         <p:sp>
           <p:nvSpPr>
-            <p:cNvPr id="460" name="Oval 459"/>
+            <p:cNvPr id="315" name="Oval 314"/>
             <p:cNvSpPr/>
             <p:nvPr/>
           </p:nvSpPr>
@@ -12090,9 +12090,9 @@
         </p:sp>
         <p:cxnSp>
           <p:nvCxnSpPr>
-            <p:cNvPr id="461" name="Straight Connector 460"/>
+            <p:cNvPr id="316" name="Straight Connector 315"/>
             <p:cNvCxnSpPr>
-              <a:stCxn id="460" idx="4"/>
+              <a:stCxn id="315" idx="4"/>
             </p:cNvCxnSpPr>
             <p:nvPr/>
           </p:nvCxnSpPr>
@@ -12127,7 +12127,7 @@
         </p:cxnSp>
         <p:cxnSp>
           <p:nvCxnSpPr>
-            <p:cNvPr id="462" name="Straight Connector 461"/>
+            <p:cNvPr id="317" name="Straight Connector 316"/>
             <p:cNvCxnSpPr/>
             <p:nvPr/>
           </p:nvCxnSpPr>
@@ -12162,7 +12162,7 @@
         </p:cxnSp>
         <p:cxnSp>
           <p:nvCxnSpPr>
-            <p:cNvPr id="463" name="Straight Connector 462"/>
+            <p:cNvPr id="318" name="Straight Connector 317"/>
             <p:cNvCxnSpPr/>
             <p:nvPr/>
           </p:nvCxnSpPr>
@@ -12197,7 +12197,7 @@
         </p:cxnSp>
         <p:cxnSp>
           <p:nvCxnSpPr>
-            <p:cNvPr id="464" name="Straight Connector 463"/>
+            <p:cNvPr id="319" name="Straight Connector 318"/>
             <p:cNvCxnSpPr/>
             <p:nvPr/>
           </p:nvCxnSpPr>
@@ -12232,7 +12232,7 @@
         </p:cxnSp>
         <p:cxnSp>
           <p:nvCxnSpPr>
-            <p:cNvPr id="465" name="Straight Connector 464"/>
+            <p:cNvPr id="320" name="Straight Connector 319"/>
             <p:cNvCxnSpPr/>
             <p:nvPr/>
           </p:nvCxnSpPr>
@@ -12268,13 +12268,13 @@
       </p:grpSp>
       <p:cxnSp>
         <p:nvCxnSpPr>
-          <p:cNvPr id="466" name="Straight Connector 465"/>
+          <p:cNvPr id="321" name="Straight Connector 320"/>
           <p:cNvCxnSpPr/>
           <p:nvPr/>
         </p:nvCxnSpPr>
         <p:spPr>
           <a:xfrm>
-            <a:off x="1308578" y="846036"/>
+            <a:off x="1689865" y="846036"/>
             <a:ext cx="567" cy="15984000"/>
           </a:xfrm>
           <a:prstGeom prst="line">
@@ -12299,13 +12299,13 @@
       </p:cxnSp>
       <p:cxnSp>
         <p:nvCxnSpPr>
-          <p:cNvPr id="467" name="Straight Connector 466"/>
+          <p:cNvPr id="322" name="Straight Connector 321"/>
           <p:cNvCxnSpPr/>
           <p:nvPr/>
         </p:nvCxnSpPr>
         <p:spPr>
           <a:xfrm>
-            <a:off x="7909302" y="846037"/>
+            <a:off x="8578621" y="846037"/>
             <a:ext cx="6302" cy="15984000"/>
           </a:xfrm>
           <a:prstGeom prst="line">
@@ -12330,14 +12330,14 @@
       </p:cxnSp>
       <p:sp>
         <p:nvSpPr>
-          <p:cNvPr id="468" name="Rounded Rectangle 467"/>
+          <p:cNvPr id="323" name="Rounded Rectangle 322"/>
           <p:cNvSpPr/>
           <p:nvPr/>
         </p:nvSpPr>
         <p:spPr>
           <a:xfrm>
-            <a:off x="1046975" y="436242"/>
-            <a:ext cx="1649641" cy="421772"/>
+            <a:off x="1428261" y="436242"/>
+            <a:ext cx="1962000" cy="421772"/>
           </a:xfrm>
           <a:prstGeom prst="roundRect">
             <a:avLst/>
@@ -12436,13 +12436,13 @@
       </p:sp>
       <p:sp>
         <p:nvSpPr>
-          <p:cNvPr id="469" name="Rounded Rectangle 468"/>
+          <p:cNvPr id="324" name="Rounded Rectangle 323"/>
           <p:cNvSpPr/>
           <p:nvPr/>
         </p:nvSpPr>
         <p:spPr>
           <a:xfrm>
-            <a:off x="7370437" y="441264"/>
+            <a:off x="8039756" y="441264"/>
             <a:ext cx="1085232" cy="421772"/>
           </a:xfrm>
           <a:prstGeom prst="roundRect">
@@ -12538,14 +12538,14 @@
       </p:sp>
       <p:cxnSp>
         <p:nvCxnSpPr>
-          <p:cNvPr id="470" name="Straight Arrow Connector 469"/>
+          <p:cNvPr id="325" name="Straight Arrow Connector 324"/>
           <p:cNvCxnSpPr/>
           <p:nvPr/>
         </p:nvCxnSpPr>
         <p:spPr>
           <a:xfrm flipV="1">
             <a:off x="472316" y="1301561"/>
-            <a:ext cx="821796" cy="406"/>
+            <a:ext cx="1206000" cy="406"/>
           </a:xfrm>
           <a:prstGeom prst="straightConnector1">
             <a:avLst/>
@@ -12574,13 +12574,13 @@
       </p:cxnSp>
       <p:sp>
         <p:nvSpPr>
-          <p:cNvPr id="471" name="TextBox 470"/>
+          <p:cNvPr id="326" name="TextBox 325"/>
           <p:cNvSpPr txBox="1"/>
           <p:nvPr/>
         </p:nvSpPr>
         <p:spPr>
           <a:xfrm>
-            <a:off x="545754" y="1112431"/>
+            <a:off x="735153" y="1112431"/>
             <a:ext cx="688009" cy="195814"/>
           </a:xfrm>
           <a:prstGeom prst="rect">
@@ -12611,13 +12611,13 @@
       </p:sp>
       <p:sp>
         <p:nvSpPr>
-          <p:cNvPr id="472" name="TextBox 471"/>
+          <p:cNvPr id="327" name="TextBox 326"/>
           <p:cNvSpPr txBox="1"/>
           <p:nvPr/>
         </p:nvSpPr>
         <p:spPr>
           <a:xfrm>
-            <a:off x="2553915" y="2646366"/>
+            <a:off x="3223234" y="2646366"/>
             <a:ext cx="847519" cy="189622"/>
           </a:xfrm>
           <a:prstGeom prst="rect">
@@ -12656,14 +12656,14 @@
       </p:sp>
       <p:cxnSp>
         <p:nvCxnSpPr>
-          <p:cNvPr id="473" name="Straight Arrow Connector 472"/>
+          <p:cNvPr id="328" name="Straight Arrow Connector 327"/>
           <p:cNvCxnSpPr/>
           <p:nvPr/>
         </p:nvCxnSpPr>
         <p:spPr>
           <a:xfrm>
-            <a:off x="1820059" y="3357736"/>
-            <a:ext cx="2334158" cy="2"/>
+            <a:off x="2232174" y="3357736"/>
+            <a:ext cx="2584800" cy="2"/>
           </a:xfrm>
           <a:prstGeom prst="straightConnector1">
             <a:avLst/>
@@ -12692,13 +12692,13 @@
       </p:cxnSp>
       <p:sp>
         <p:nvSpPr>
-          <p:cNvPr id="474" name="TextBox 473"/>
+          <p:cNvPr id="329" name="TextBox 328"/>
           <p:cNvSpPr txBox="1"/>
           <p:nvPr/>
         </p:nvSpPr>
         <p:spPr>
           <a:xfrm>
-            <a:off x="2553915" y="3131588"/>
+            <a:off x="3202018" y="3131588"/>
             <a:ext cx="830356" cy="226591"/>
           </a:xfrm>
           <a:prstGeom prst="rect">
@@ -12731,13 +12731,13 @@
       </p:sp>
       <p:sp>
         <p:nvSpPr>
-          <p:cNvPr id="475" name="Rectangle 474"/>
+          <p:cNvPr id="330" name="Rectangle 329"/>
           <p:cNvSpPr/>
           <p:nvPr/>
         </p:nvSpPr>
         <p:spPr>
           <a:xfrm>
-            <a:off x="679083" y="3135956"/>
+            <a:off x="1060370" y="3135956"/>
             <a:ext cx="1257672" cy="1191323"/>
           </a:xfrm>
           <a:prstGeom prst="rect">
@@ -12788,13 +12788,13 @@
       </p:sp>
       <p:sp>
         <p:nvSpPr>
-          <p:cNvPr id="476" name="TextBox 475"/>
+          <p:cNvPr id="331" name="TextBox 330"/>
           <p:cNvSpPr txBox="1"/>
           <p:nvPr/>
         </p:nvSpPr>
         <p:spPr>
           <a:xfrm>
-            <a:off x="678805" y="3135566"/>
+            <a:off x="1060092" y="3135566"/>
             <a:ext cx="1258678" cy="338554"/>
           </a:xfrm>
           <a:prstGeom prst="rect">
@@ -12851,13 +12851,13 @@
       </p:sp>
       <p:grpSp>
         <p:nvGrpSpPr>
-          <p:cNvPr id="477" name="Group 476"/>
+          <p:cNvPr id="332" name="Group 331"/>
           <p:cNvGrpSpPr/>
           <p:nvPr/>
         </p:nvGrpSpPr>
         <p:grpSpPr>
           <a:xfrm>
-            <a:off x="803113" y="3494437"/>
+            <a:off x="1184400" y="3494437"/>
             <a:ext cx="845610" cy="724495"/>
             <a:chOff x="625283" y="3209330"/>
             <a:chExt cx="845610" cy="724495"/>
@@ -12865,7 +12865,7 @@
         </p:grpSpPr>
         <p:sp>
           <p:nvSpPr>
-            <p:cNvPr id="478" name="Rectangle 477"/>
+            <p:cNvPr id="333" name="Rectangle 332"/>
             <p:cNvSpPr/>
             <p:nvPr/>
           </p:nvSpPr>
@@ -12912,7 +12912,7 @@
         </p:sp>
         <p:sp>
           <p:nvSpPr>
-            <p:cNvPr id="479" name="TextBox 478"/>
+            <p:cNvPr id="334" name="TextBox 333"/>
             <p:cNvSpPr txBox="1"/>
             <p:nvPr/>
           </p:nvSpPr>
@@ -13038,14 +13038,14 @@
       </p:grpSp>
       <p:cxnSp>
         <p:nvCxnSpPr>
-          <p:cNvPr id="480" name="Straight Arrow Connector 479"/>
+          <p:cNvPr id="335" name="Straight Arrow Connector 334"/>
           <p:cNvCxnSpPr/>
           <p:nvPr/>
         </p:nvCxnSpPr>
         <p:spPr>
           <a:xfrm flipV="1">
             <a:off x="461234" y="4728658"/>
-            <a:ext cx="2448000" cy="701"/>
+            <a:ext cx="3114000" cy="701"/>
           </a:xfrm>
           <a:prstGeom prst="straightConnector1">
             <a:avLst/>
@@ -13075,13 +13075,13 @@
       </p:cxnSp>
       <p:sp>
         <p:nvSpPr>
-          <p:cNvPr id="481" name="TextBox 480"/>
+          <p:cNvPr id="336" name="TextBox 335"/>
           <p:cNvSpPr txBox="1"/>
           <p:nvPr/>
         </p:nvSpPr>
         <p:spPr>
           <a:xfrm>
-            <a:off x="491939" y="4518645"/>
+            <a:off x="681339" y="4518645"/>
             <a:ext cx="795637" cy="215444"/>
           </a:xfrm>
           <a:prstGeom prst="rect">
@@ -13112,13 +13112,13 @@
       </p:sp>
       <p:sp>
         <p:nvSpPr>
-          <p:cNvPr id="482" name="TextBox 481"/>
+          <p:cNvPr id="337" name="TextBox 336"/>
           <p:cNvSpPr txBox="1"/>
           <p:nvPr/>
         </p:nvSpPr>
         <p:spPr>
           <a:xfrm>
-            <a:off x="491939" y="4816201"/>
+            <a:off x="681339" y="4816201"/>
             <a:ext cx="795637" cy="215444"/>
           </a:xfrm>
           <a:prstGeom prst="rect">
@@ -13149,13 +13149,13 @@
       </p:sp>
       <p:sp>
         <p:nvSpPr>
-          <p:cNvPr id="483" name="TextBox 482"/>
+          <p:cNvPr id="338" name="TextBox 337"/>
           <p:cNvSpPr txBox="1"/>
           <p:nvPr/>
         </p:nvSpPr>
         <p:spPr>
           <a:xfrm>
-            <a:off x="1539352" y="4518645"/>
+            <a:off x="1992499" y="4518645"/>
             <a:ext cx="795637" cy="215444"/>
           </a:xfrm>
           <a:prstGeom prst="rect">
@@ -13200,13 +13200,13 @@
       </p:sp>
       <p:sp>
         <p:nvSpPr>
-          <p:cNvPr id="484" name="Rectangle 483"/>
+          <p:cNvPr id="339" name="Rectangle 338"/>
           <p:cNvSpPr/>
           <p:nvPr/>
         </p:nvSpPr>
         <p:spPr>
           <a:xfrm>
-            <a:off x="3734526" y="7101324"/>
+            <a:off x="4403845" y="7101324"/>
             <a:ext cx="1244448" cy="471161"/>
           </a:xfrm>
           <a:prstGeom prst="rect">
@@ -13257,13 +13257,13 @@
       </p:sp>
       <p:sp>
         <p:nvSpPr>
-          <p:cNvPr id="485" name="TextBox 484"/>
+          <p:cNvPr id="340" name="TextBox 339"/>
           <p:cNvSpPr txBox="1"/>
           <p:nvPr/>
         </p:nvSpPr>
         <p:spPr>
           <a:xfrm>
-            <a:off x="3754837" y="7105616"/>
+            <a:off x="4424156" y="7105616"/>
             <a:ext cx="1460472" cy="461665"/>
           </a:xfrm>
           <a:prstGeom prst="rect">
@@ -13331,13 +13331,13 @@
       </p:sp>
       <p:cxnSp>
         <p:nvCxnSpPr>
-          <p:cNvPr id="486" name="Straight Arrow Connector 485"/>
+          <p:cNvPr id="341" name="Straight Arrow Connector 340"/>
           <p:cNvCxnSpPr/>
           <p:nvPr/>
         </p:nvCxnSpPr>
         <p:spPr>
           <a:xfrm flipH="1">
-            <a:off x="2465443" y="8647467"/>
+            <a:off x="3134762" y="8647467"/>
             <a:ext cx="4629083" cy="0"/>
           </a:xfrm>
           <a:prstGeom prst="straightConnector1">
@@ -13367,13 +13367,13 @@
       </p:cxnSp>
       <p:sp>
         <p:nvSpPr>
-          <p:cNvPr id="487" name="TextBox 486"/>
+          <p:cNvPr id="342" name="TextBox 341"/>
           <p:cNvSpPr txBox="1"/>
           <p:nvPr/>
         </p:nvSpPr>
         <p:spPr>
           <a:xfrm>
-            <a:off x="1182861" y="4848557"/>
+            <a:off x="1656110" y="4848557"/>
             <a:ext cx="1468414" cy="159202"/>
           </a:xfrm>
           <a:prstGeom prst="rect">
@@ -13404,13 +13404,13 @@
       </p:sp>
       <p:sp>
         <p:nvSpPr>
-          <p:cNvPr id="488" name="TextBox 487"/>
+          <p:cNvPr id="343" name="TextBox 342"/>
           <p:cNvSpPr txBox="1"/>
           <p:nvPr/>
         </p:nvSpPr>
         <p:spPr>
           <a:xfrm>
-            <a:off x="1356728" y="16342949"/>
+            <a:off x="1868379" y="16342949"/>
             <a:ext cx="1043876" cy="195814"/>
           </a:xfrm>
           <a:prstGeom prst="rect">
@@ -13441,13 +13441,13 @@
       </p:sp>
       <p:sp>
         <p:nvSpPr>
-          <p:cNvPr id="489" name="TextBox 488"/>
+          <p:cNvPr id="344" name="TextBox 343"/>
           <p:cNvSpPr txBox="1"/>
           <p:nvPr/>
         </p:nvSpPr>
         <p:spPr>
           <a:xfrm>
-            <a:off x="2797611" y="8436062"/>
+            <a:off x="3466930" y="8436062"/>
             <a:ext cx="611312" cy="153888"/>
           </a:xfrm>
           <a:prstGeom prst="rect">
@@ -13491,13 +13491,13 @@
       </p:sp>
       <p:sp>
         <p:nvSpPr>
-          <p:cNvPr id="490" name="TextBox 489"/>
+          <p:cNvPr id="345" name="TextBox 344"/>
           <p:cNvSpPr txBox="1"/>
           <p:nvPr/>
         </p:nvSpPr>
         <p:spPr>
           <a:xfrm>
-            <a:off x="7039392" y="11044693"/>
+            <a:off x="7708711" y="11044693"/>
             <a:ext cx="1745981" cy="697885"/>
           </a:xfrm>
           <a:prstGeom prst="snip2DiagRect">
@@ -13638,13 +13638,13 @@
       </p:sp>
       <p:cxnSp>
         <p:nvCxnSpPr>
-          <p:cNvPr id="491" name="Straight Arrow Connector 490"/>
+          <p:cNvPr id="346" name="Straight Arrow Connector 345"/>
           <p:cNvCxnSpPr/>
           <p:nvPr/>
         </p:nvCxnSpPr>
         <p:spPr>
           <a:xfrm>
-            <a:off x="2466889" y="7928384"/>
+            <a:off x="3136208" y="7928384"/>
             <a:ext cx="5418000" cy="0"/>
           </a:xfrm>
           <a:prstGeom prst="straightConnector1">
@@ -13674,13 +13674,13 @@
       </p:cxnSp>
       <p:sp>
         <p:nvSpPr>
-          <p:cNvPr id="492" name="TextBox 491"/>
+          <p:cNvPr id="347" name="TextBox 346"/>
           <p:cNvSpPr txBox="1"/>
           <p:nvPr/>
         </p:nvSpPr>
         <p:spPr>
           <a:xfrm>
-            <a:off x="1414429" y="7508121"/>
+            <a:off x="1931574" y="7508121"/>
             <a:ext cx="917486" cy="123111"/>
           </a:xfrm>
           <a:prstGeom prst="rect">
@@ -13717,13 +13717,13 @@
       </p:sp>
       <p:sp>
         <p:nvSpPr>
-          <p:cNvPr id="493" name="TextBox 492"/>
+          <p:cNvPr id="348" name="TextBox 347"/>
           <p:cNvSpPr txBox="1"/>
           <p:nvPr/>
         </p:nvSpPr>
         <p:spPr>
           <a:xfrm>
-            <a:off x="1133098" y="697383"/>
+            <a:off x="1514385" y="697383"/>
             <a:ext cx="336681" cy="125898"/>
           </a:xfrm>
           <a:prstGeom prst="rect">
@@ -13758,13 +13758,13 @@
       </p:sp>
       <p:sp>
         <p:nvSpPr>
-          <p:cNvPr id="494" name="TextBox 493"/>
+          <p:cNvPr id="349" name="TextBox 348"/>
           <p:cNvSpPr txBox="1"/>
           <p:nvPr/>
         </p:nvSpPr>
         <p:spPr>
           <a:xfrm>
-            <a:off x="2198613" y="697383"/>
+            <a:off x="2904061" y="697383"/>
             <a:ext cx="409902" cy="125898"/>
           </a:xfrm>
           <a:prstGeom prst="rect">
@@ -13800,13 +13800,13 @@
       </p:sp>
       <p:sp>
         <p:nvSpPr>
-          <p:cNvPr id="495" name="Oval 494"/>
+          <p:cNvPr id="350" name="Oval 349"/>
           <p:cNvSpPr/>
           <p:nvPr/>
         </p:nvSpPr>
         <p:spPr>
           <a:xfrm>
-            <a:off x="4125914" y="1621094"/>
+            <a:off x="4795233" y="1621094"/>
             <a:ext cx="85326" cy="90380"/>
           </a:xfrm>
           <a:prstGeom prst="ellipse">
@@ -13844,13 +13844,13 @@
       </p:sp>
       <p:sp>
         <p:nvSpPr>
-          <p:cNvPr id="496" name="TextBox 495"/>
+          <p:cNvPr id="351" name="TextBox 350"/>
           <p:cNvSpPr txBox="1"/>
           <p:nvPr/>
         </p:nvSpPr>
         <p:spPr>
           <a:xfrm>
-            <a:off x="1388941" y="1461112"/>
+            <a:off x="1903004" y="1461112"/>
             <a:ext cx="974627" cy="195814"/>
           </a:xfrm>
           <a:prstGeom prst="rect">
@@ -13881,13 +13881,13 @@
       </p:sp>
       <p:grpSp>
         <p:nvGrpSpPr>
-          <p:cNvPr id="497" name="Group 496"/>
+          <p:cNvPr id="352" name="Group 351"/>
           <p:cNvGrpSpPr/>
           <p:nvPr/>
         </p:nvGrpSpPr>
         <p:grpSpPr>
           <a:xfrm>
-            <a:off x="11017555" y="1533135"/>
+            <a:off x="11686874" y="1533135"/>
             <a:ext cx="335722" cy="2584582"/>
             <a:chOff x="8735374" y="1533135"/>
             <a:chExt cx="335722" cy="2584582"/>
@@ -13895,7 +13895,7 @@
         </p:grpSpPr>
         <p:sp>
           <p:nvSpPr>
-            <p:cNvPr id="498" name="Rectangle 497"/>
+            <p:cNvPr id="353" name="Rectangle 352"/>
             <p:cNvSpPr/>
             <p:nvPr/>
           </p:nvSpPr>
@@ -13944,7 +13944,7 @@
         </p:sp>
         <p:sp>
           <p:nvSpPr>
-            <p:cNvPr id="499" name="TextBox 498"/>
+            <p:cNvPr id="354" name="TextBox 353"/>
             <p:cNvSpPr txBox="1"/>
             <p:nvPr/>
           </p:nvSpPr>
@@ -13980,7 +13980,7 @@
         </p:sp>
         <p:sp>
           <p:nvSpPr>
-            <p:cNvPr id="500" name="TextBox 499"/>
+            <p:cNvPr id="355" name="TextBox 354"/>
             <p:cNvSpPr txBox="1"/>
             <p:nvPr/>
           </p:nvSpPr>
@@ -14017,7 +14017,7 @@
         </p:sp>
         <p:sp>
           <p:nvSpPr>
-            <p:cNvPr id="501" name="TextBox 500"/>
+            <p:cNvPr id="356" name="TextBox 355"/>
             <p:cNvSpPr txBox="1"/>
             <p:nvPr/>
           </p:nvSpPr>
@@ -14053,7 +14053,7 @@
         </p:sp>
         <p:cxnSp>
           <p:nvCxnSpPr>
-            <p:cNvPr id="502" name="Straight Connector 501"/>
+            <p:cNvPr id="357" name="Straight Connector 356"/>
             <p:cNvCxnSpPr/>
             <p:nvPr/>
           </p:nvCxnSpPr>
@@ -14090,13 +14090,13 @@
       </p:grpSp>
       <p:sp>
         <p:nvSpPr>
-          <p:cNvPr id="503" name="TextBox 502"/>
+          <p:cNvPr id="358" name="TextBox 357"/>
           <p:cNvSpPr txBox="1"/>
           <p:nvPr/>
         </p:nvSpPr>
         <p:spPr>
           <a:xfrm>
-            <a:off x="5266301" y="1406312"/>
+            <a:off x="5935620" y="1406312"/>
             <a:ext cx="2114092" cy="558641"/>
           </a:xfrm>
           <a:prstGeom prst="roundRect">
@@ -14144,13 +14144,13 @@
       </p:sp>
       <p:sp>
         <p:nvSpPr>
-          <p:cNvPr id="504" name="Oval 503"/>
+          <p:cNvPr id="359" name="Oval 358"/>
           <p:cNvSpPr/>
           <p:nvPr/>
         </p:nvSpPr>
         <p:spPr>
           <a:xfrm>
-            <a:off x="3011239" y="6338956"/>
+            <a:off x="3680558" y="6338956"/>
             <a:ext cx="79015" cy="149807"/>
           </a:xfrm>
           <a:prstGeom prst="ellipse">
@@ -14190,13 +14190,13 @@
       </p:sp>
       <p:sp>
         <p:nvSpPr>
-          <p:cNvPr id="505" name="TextBox 504"/>
+          <p:cNvPr id="360" name="TextBox 359"/>
           <p:cNvSpPr txBox="1"/>
           <p:nvPr/>
         </p:nvSpPr>
         <p:spPr>
           <a:xfrm>
-            <a:off x="6023904" y="5743800"/>
+            <a:off x="6693223" y="5743800"/>
             <a:ext cx="1601935" cy="495866"/>
           </a:xfrm>
           <a:prstGeom prst="snip2DiagRect">
@@ -14262,13 +14262,13 @@
       </p:sp>
       <p:sp>
         <p:nvSpPr>
-          <p:cNvPr id="506" name="TextBox 505"/>
+          <p:cNvPr id="361" name="TextBox 360"/>
           <p:cNvSpPr txBox="1"/>
           <p:nvPr/>
         </p:nvSpPr>
         <p:spPr>
           <a:xfrm>
-            <a:off x="2623021" y="1503687"/>
+            <a:off x="3292340" y="1503687"/>
             <a:ext cx="1351899" cy="123111"/>
           </a:xfrm>
           <a:prstGeom prst="rect">
@@ -14294,13 +14294,13 @@
       </p:sp>
       <p:sp>
         <p:nvSpPr>
-          <p:cNvPr id="507" name="Rounded Rectangle 506"/>
+          <p:cNvPr id="362" name="Rounded Rectangle 361"/>
           <p:cNvSpPr/>
           <p:nvPr/>
         </p:nvSpPr>
         <p:spPr>
           <a:xfrm>
-            <a:off x="3632972" y="436242"/>
+            <a:off x="4302291" y="436242"/>
             <a:ext cx="1086488" cy="421772"/>
           </a:xfrm>
           <a:prstGeom prst="roundRect">
@@ -14397,13 +14397,13 @@
       </p:sp>
       <p:sp>
         <p:nvSpPr>
-          <p:cNvPr id="508" name="TextBox 507"/>
+          <p:cNvPr id="363" name="TextBox 362"/>
           <p:cNvSpPr txBox="1"/>
           <p:nvPr/>
         </p:nvSpPr>
         <p:spPr>
           <a:xfrm>
-            <a:off x="1427630" y="1222455"/>
+            <a:off x="1945199" y="1222455"/>
             <a:ext cx="890236" cy="123111"/>
           </a:xfrm>
           <a:prstGeom prst="rect">
@@ -14441,13 +14441,13 @@
       </p:sp>
       <p:sp>
         <p:nvSpPr>
-          <p:cNvPr id="509" name="Rounded Rectangle 508"/>
+          <p:cNvPr id="364" name="Rounded Rectangle 363"/>
           <p:cNvSpPr/>
           <p:nvPr/>
         </p:nvSpPr>
         <p:spPr>
           <a:xfrm>
-            <a:off x="3703854" y="1985194"/>
+            <a:off x="4373173" y="1985194"/>
             <a:ext cx="938589" cy="451898"/>
           </a:xfrm>
           <a:prstGeom prst="roundRect">
@@ -14528,13 +14528,13 @@
       </p:sp>
       <p:sp>
         <p:nvSpPr>
-          <p:cNvPr id="510" name="Rounded Rectangle 509"/>
+          <p:cNvPr id="365" name="Rounded Rectangle 364"/>
           <p:cNvSpPr/>
           <p:nvPr/>
         </p:nvSpPr>
         <p:spPr>
           <a:xfrm>
-            <a:off x="1717388" y="2790451"/>
+            <a:off x="2200331" y="2790451"/>
             <a:ext cx="379973" cy="136208"/>
           </a:xfrm>
           <a:prstGeom prst="roundRect">
@@ -14594,13 +14594,13 @@
       </p:sp>
       <p:sp>
         <p:nvSpPr>
-          <p:cNvPr id="511" name="Rounded Rectangle 510"/>
+          <p:cNvPr id="366" name="Rounded Rectangle 365"/>
           <p:cNvSpPr/>
           <p:nvPr/>
         </p:nvSpPr>
         <p:spPr>
           <a:xfrm>
-            <a:off x="3553768" y="3288310"/>
+            <a:off x="4223087" y="3288310"/>
             <a:ext cx="379973" cy="136208"/>
           </a:xfrm>
           <a:prstGeom prst="roundRect">
@@ -14660,13 +14660,13 @@
       </p:sp>
       <p:sp>
         <p:nvSpPr>
-          <p:cNvPr id="512" name="Rounded Rectangle 511"/>
+          <p:cNvPr id="367" name="Rounded Rectangle 366"/>
           <p:cNvSpPr/>
           <p:nvPr/>
         </p:nvSpPr>
         <p:spPr>
           <a:xfrm>
-            <a:off x="3703854" y="6345971"/>
+            <a:off x="4373173" y="6345971"/>
             <a:ext cx="938589" cy="451898"/>
           </a:xfrm>
           <a:prstGeom prst="roundRect">
@@ -14747,13 +14747,13 @@
       </p:sp>
       <p:sp>
         <p:nvSpPr>
-          <p:cNvPr id="513" name="Rectangle 512"/>
+          <p:cNvPr id="368" name="Rectangle 367"/>
           <p:cNvSpPr/>
           <p:nvPr/>
         </p:nvSpPr>
         <p:spPr>
           <a:xfrm>
-            <a:off x="3861840" y="2757467"/>
+            <a:off x="4531159" y="2757467"/>
             <a:ext cx="614337" cy="210127"/>
           </a:xfrm>
           <a:prstGeom prst="rect">
@@ -14804,13 +14804,13 @@
       </p:sp>
       <p:sp>
         <p:nvSpPr>
-          <p:cNvPr id="514" name="TextBox 513"/>
+          <p:cNvPr id="369" name="TextBox 368"/>
           <p:cNvSpPr txBox="1"/>
           <p:nvPr/>
         </p:nvSpPr>
         <p:spPr>
           <a:xfrm>
-            <a:off x="3953891" y="2777544"/>
+            <a:off x="4623210" y="2777544"/>
             <a:ext cx="442179" cy="163867"/>
           </a:xfrm>
           <a:prstGeom prst="rect">
@@ -14846,13 +14846,13 @@
       </p:sp>
       <p:sp>
         <p:nvSpPr>
-          <p:cNvPr id="515" name="Rounded Rectangle 514"/>
+          <p:cNvPr id="370" name="Rounded Rectangle 369"/>
           <p:cNvSpPr/>
           <p:nvPr/>
         </p:nvSpPr>
         <p:spPr>
           <a:xfrm>
-            <a:off x="1669147" y="7258531"/>
+            <a:off x="2200331" y="7258531"/>
             <a:ext cx="379973" cy="136208"/>
           </a:xfrm>
           <a:prstGeom prst="roundRect">
@@ -14912,13 +14912,13 @@
       </p:sp>
       <p:cxnSp>
         <p:nvCxnSpPr>
-          <p:cNvPr id="516" name="Straight Connector 515"/>
+          <p:cNvPr id="372" name="Straight Connector 371"/>
           <p:cNvCxnSpPr/>
           <p:nvPr/>
         </p:nvCxnSpPr>
         <p:spPr>
           <a:xfrm flipV="1">
-            <a:off x="2459903" y="16543694"/>
+            <a:off x="3129222" y="16543694"/>
             <a:ext cx="1690332" cy="756"/>
           </a:xfrm>
           <a:prstGeom prst="line">
@@ -14949,13 +14949,13 @@
       </p:cxnSp>
       <p:sp>
         <p:nvSpPr>
-          <p:cNvPr id="517" name="Oval 516"/>
+          <p:cNvPr id="373" name="Oval 372"/>
           <p:cNvSpPr/>
           <p:nvPr/>
         </p:nvSpPr>
         <p:spPr>
           <a:xfrm>
-            <a:off x="4124593" y="16499260"/>
+            <a:off x="4793912" y="16499260"/>
             <a:ext cx="85326" cy="90380"/>
           </a:xfrm>
           <a:prstGeom prst="ellipse">
@@ -14993,13 +14993,13 @@
       </p:sp>
       <p:sp>
         <p:nvSpPr>
-          <p:cNvPr id="518" name="TextBox 517"/>
+          <p:cNvPr id="374" name="TextBox 373"/>
           <p:cNvSpPr txBox="1"/>
           <p:nvPr/>
         </p:nvSpPr>
         <p:spPr>
           <a:xfrm>
-            <a:off x="2665429" y="16383441"/>
+            <a:off x="3334748" y="16383441"/>
             <a:ext cx="1324080" cy="123111"/>
           </a:xfrm>
           <a:prstGeom prst="rect">
@@ -15029,13 +15029,13 @@
       </p:sp>
       <p:sp>
         <p:nvSpPr>
-          <p:cNvPr id="519" name="TextBox 518"/>
+          <p:cNvPr id="375" name="TextBox 374"/>
           <p:cNvSpPr txBox="1"/>
           <p:nvPr/>
         </p:nvSpPr>
         <p:spPr>
           <a:xfrm>
-            <a:off x="5323321" y="8576454"/>
+            <a:off x="5992640" y="8576454"/>
             <a:ext cx="834130" cy="123111"/>
           </a:xfrm>
           <a:prstGeom prst="rect">
@@ -15073,13 +15073,13 @@
       </p:sp>
       <p:sp>
         <p:nvSpPr>
-          <p:cNvPr id="520" name="TextBox 519"/>
+          <p:cNvPr id="376" name="TextBox 375"/>
           <p:cNvSpPr txBox="1"/>
           <p:nvPr/>
         </p:nvSpPr>
         <p:spPr>
           <a:xfrm>
-            <a:off x="5435531" y="7858229"/>
+            <a:off x="6104850" y="7858229"/>
             <a:ext cx="609710" cy="123111"/>
           </a:xfrm>
           <a:prstGeom prst="rect">
@@ -15117,13 +15117,13 @@
       </p:sp>
       <p:grpSp>
         <p:nvGrpSpPr>
-          <p:cNvPr id="521" name="Group 520"/>
+          <p:cNvPr id="377" name="Group 376"/>
           <p:cNvGrpSpPr/>
           <p:nvPr/>
         </p:nvGrpSpPr>
         <p:grpSpPr>
           <a:xfrm>
-            <a:off x="6223421" y="3766482"/>
+            <a:off x="6892740" y="3766482"/>
             <a:ext cx="1208789" cy="1579005"/>
             <a:chOff x="5899829" y="2890175"/>
             <a:chExt cx="1208789" cy="1579005"/>
@@ -15131,7 +15131,7 @@
         </p:grpSpPr>
         <p:sp>
           <p:nvSpPr>
-            <p:cNvPr id="522" name="Rectangle 521"/>
+            <p:cNvPr id="378" name="Rectangle 377"/>
             <p:cNvSpPr/>
             <p:nvPr/>
           </p:nvSpPr>
@@ -15188,7 +15188,7 @@
         </p:sp>
         <p:sp>
           <p:nvSpPr>
-            <p:cNvPr id="523" name="TextBox 522"/>
+            <p:cNvPr id="379" name="TextBox 378"/>
             <p:cNvSpPr txBox="1"/>
             <p:nvPr/>
           </p:nvSpPr>
@@ -15285,7 +15285,7 @@
         </p:sp>
         <p:sp>
           <p:nvSpPr>
-            <p:cNvPr id="524" name="TextBox 523"/>
+            <p:cNvPr id="380" name="TextBox 379"/>
             <p:cNvSpPr txBox="1"/>
             <p:nvPr/>
           </p:nvSpPr>
@@ -15335,7 +15335,7 @@
         </p:sp>
         <p:grpSp>
           <p:nvGrpSpPr>
-            <p:cNvPr id="525" name="Group 524"/>
+            <p:cNvPr id="381" name="Group 380"/>
             <p:cNvGrpSpPr/>
             <p:nvPr/>
           </p:nvGrpSpPr>
@@ -15349,7 +15349,7 @@
           </p:grpSpPr>
           <p:sp>
             <p:nvSpPr>
-              <p:cNvPr id="526" name="Rectangle 525"/>
+              <p:cNvPr id="382" name="Rectangle 381"/>
               <p:cNvSpPr/>
               <p:nvPr/>
             </p:nvSpPr>
@@ -15396,7 +15396,7 @@
           </p:sp>
           <p:sp>
             <p:nvSpPr>
-              <p:cNvPr id="527" name="TextBox 526"/>
+              <p:cNvPr id="383" name="TextBox 382"/>
               <p:cNvSpPr txBox="1"/>
               <p:nvPr/>
             </p:nvSpPr>
@@ -15510,13 +15510,13 @@
       </p:grpSp>
       <p:grpSp>
         <p:nvGrpSpPr>
-          <p:cNvPr id="528" name="Group 527"/>
+          <p:cNvPr id="384" name="Group 383"/>
           <p:cNvGrpSpPr/>
           <p:nvPr/>
         </p:nvGrpSpPr>
         <p:grpSpPr>
           <a:xfrm>
-            <a:off x="7087517" y="8277753"/>
+            <a:off x="7756836" y="8277753"/>
             <a:ext cx="1587201" cy="739079"/>
             <a:chOff x="6871493" y="6953746"/>
             <a:chExt cx="1587201" cy="739079"/>
@@ -15524,7 +15524,7 @@
         </p:grpSpPr>
         <p:sp>
           <p:nvSpPr>
-            <p:cNvPr id="529" name="Rectangle 528"/>
+            <p:cNvPr id="385" name="Rectangle 384"/>
             <p:cNvSpPr/>
             <p:nvPr/>
           </p:nvSpPr>
@@ -15581,7 +15581,7 @@
         </p:sp>
         <p:sp>
           <p:nvSpPr>
-            <p:cNvPr id="530" name="TextBox 529"/>
+            <p:cNvPr id="386" name="TextBox 385"/>
             <p:cNvSpPr txBox="1"/>
             <p:nvPr/>
           </p:nvSpPr>
@@ -15703,13 +15703,13 @@
       </p:grpSp>
       <p:sp>
         <p:nvSpPr>
-          <p:cNvPr id="531" name="TextBox 530"/>
+          <p:cNvPr id="387" name="TextBox 386"/>
           <p:cNvSpPr txBox="1"/>
           <p:nvPr/>
         </p:nvSpPr>
         <p:spPr>
           <a:xfrm>
-            <a:off x="2592685" y="12382509"/>
+            <a:off x="3262004" y="12382509"/>
             <a:ext cx="1476934" cy="153888"/>
           </a:xfrm>
           <a:prstGeom prst="rect">
@@ -15746,13 +15746,13 @@
       </p:sp>
       <p:cxnSp>
         <p:nvCxnSpPr>
-          <p:cNvPr id="532" name="Straight Arrow Connector 531"/>
+          <p:cNvPr id="388" name="Straight Arrow Connector 387"/>
           <p:cNvCxnSpPr/>
           <p:nvPr/>
         </p:nvCxnSpPr>
         <p:spPr>
           <a:xfrm>
-            <a:off x="2911053" y="9435091"/>
+            <a:off x="3580372" y="9435091"/>
             <a:ext cx="4968000" cy="0"/>
           </a:xfrm>
           <a:prstGeom prst="straightConnector1">
@@ -15782,13 +15782,13 @@
       </p:cxnSp>
       <p:sp>
         <p:nvSpPr>
-          <p:cNvPr id="533" name="Rectangle 532"/>
+          <p:cNvPr id="389" name="Rectangle 388"/>
           <p:cNvSpPr/>
           <p:nvPr/>
         </p:nvSpPr>
         <p:spPr>
           <a:xfrm>
-            <a:off x="1807755" y="9173756"/>
+            <a:off x="2477074" y="9173756"/>
             <a:ext cx="1295512" cy="973192"/>
           </a:xfrm>
           <a:prstGeom prst="rect">
@@ -15836,13 +15836,13 @@
       </p:sp>
       <p:sp>
         <p:nvSpPr>
-          <p:cNvPr id="534" name="TextBox 533"/>
+          <p:cNvPr id="390" name="TextBox 389"/>
           <p:cNvSpPr txBox="1"/>
           <p:nvPr/>
         </p:nvSpPr>
         <p:spPr>
           <a:xfrm>
-            <a:off x="1800597" y="9182437"/>
+            <a:off x="2469916" y="9182437"/>
             <a:ext cx="1296144" cy="954107"/>
           </a:xfrm>
           <a:prstGeom prst="rect">
@@ -15982,13 +15982,13 @@
       </p:sp>
       <p:sp>
         <p:nvSpPr>
-          <p:cNvPr id="535" name="TextBox 534"/>
+          <p:cNvPr id="391" name="TextBox 390"/>
           <p:cNvSpPr txBox="1"/>
           <p:nvPr/>
         </p:nvSpPr>
         <p:spPr>
           <a:xfrm>
-            <a:off x="6481117" y="9233767"/>
+            <a:off x="7150436" y="9233767"/>
             <a:ext cx="1304844" cy="153888"/>
           </a:xfrm>
           <a:prstGeom prst="rect">
@@ -16023,13 +16023,13 @@
       </p:sp>
       <p:sp>
         <p:nvSpPr>
-          <p:cNvPr id="536" name="TextBox 535"/>
+          <p:cNvPr id="392" name="TextBox 391"/>
           <p:cNvSpPr txBox="1"/>
           <p:nvPr/>
         </p:nvSpPr>
         <p:spPr>
           <a:xfrm>
-            <a:off x="5323321" y="12504770"/>
+            <a:off x="5992640" y="12504770"/>
             <a:ext cx="834130" cy="123111"/>
           </a:xfrm>
           <a:prstGeom prst="rect">
@@ -16067,13 +16067,13 @@
       </p:sp>
       <p:sp>
         <p:nvSpPr>
-          <p:cNvPr id="537" name="TextBox 536"/>
+          <p:cNvPr id="393" name="TextBox 392"/>
           <p:cNvSpPr txBox="1"/>
           <p:nvPr/>
         </p:nvSpPr>
         <p:spPr>
           <a:xfrm>
-            <a:off x="5401067" y="9367824"/>
+            <a:off x="6070386" y="9367824"/>
             <a:ext cx="678638" cy="123111"/>
           </a:xfrm>
           <a:prstGeom prst="rect">
@@ -16111,13 +16111,13 @@
       </p:sp>
       <p:grpSp>
         <p:nvGrpSpPr>
-          <p:cNvPr id="538" name="Group 537"/>
+          <p:cNvPr id="394" name="Group 393"/>
           <p:cNvGrpSpPr/>
           <p:nvPr/>
         </p:nvGrpSpPr>
         <p:grpSpPr>
           <a:xfrm>
-            <a:off x="7129189" y="12166485"/>
+            <a:off x="7798508" y="12166485"/>
             <a:ext cx="1588981" cy="1792398"/>
             <a:chOff x="7129189" y="11071373"/>
             <a:chExt cx="1588981" cy="1792398"/>
@@ -16125,7 +16125,7 @@
         </p:grpSpPr>
         <p:sp>
           <p:nvSpPr>
-            <p:cNvPr id="539" name="Rectangle 538"/>
+            <p:cNvPr id="396" name="Rectangle 395"/>
             <p:cNvSpPr/>
             <p:nvPr/>
           </p:nvSpPr>
@@ -16182,7 +16182,7 @@
         </p:sp>
         <p:sp>
           <p:nvSpPr>
-            <p:cNvPr id="540" name="TextBox 539"/>
+            <p:cNvPr id="397" name="TextBox 396"/>
             <p:cNvSpPr txBox="1"/>
             <p:nvPr/>
           </p:nvSpPr>
@@ -16298,7 +16298,7 @@
         </p:sp>
         <p:sp>
           <p:nvSpPr>
-            <p:cNvPr id="541" name="TextBox 540"/>
+            <p:cNvPr id="398" name="TextBox 397"/>
             <p:cNvSpPr txBox="1"/>
             <p:nvPr/>
           </p:nvSpPr>
@@ -16348,7 +16348,7 @@
         </p:sp>
         <p:grpSp>
           <p:nvGrpSpPr>
-            <p:cNvPr id="542" name="Group 541"/>
+            <p:cNvPr id="399" name="Group 398"/>
             <p:cNvGrpSpPr/>
             <p:nvPr/>
           </p:nvGrpSpPr>
@@ -16362,7 +16362,7 @@
           </p:grpSpPr>
           <p:sp>
             <p:nvSpPr>
-              <p:cNvPr id="543" name="Rectangle 542"/>
+              <p:cNvPr id="400" name="Rectangle 399"/>
               <p:cNvSpPr/>
               <p:nvPr/>
             </p:nvSpPr>
@@ -16409,7 +16409,7 @@
           </p:sp>
           <p:sp>
             <p:nvSpPr>
-              <p:cNvPr id="544" name="TextBox 543"/>
+              <p:cNvPr id="401" name="TextBox 400"/>
               <p:cNvSpPr txBox="1"/>
               <p:nvPr/>
             </p:nvSpPr>
@@ -16523,13 +16523,13 @@
       </p:grpSp>
       <p:sp>
         <p:nvSpPr>
-          <p:cNvPr id="545" name="TextBox 544"/>
+          <p:cNvPr id="403" name="TextBox 402"/>
           <p:cNvSpPr txBox="1"/>
           <p:nvPr/>
         </p:nvSpPr>
         <p:spPr>
           <a:xfrm>
-            <a:off x="1006276" y="1560134"/>
+            <a:off x="1387563" y="1560134"/>
             <a:ext cx="165567" cy="172758"/>
           </a:xfrm>
           <a:prstGeom prst="roundRect">
@@ -16570,13 +16570,13 @@
       </p:sp>
       <p:sp>
         <p:nvSpPr>
-          <p:cNvPr id="546" name="TextBox 545"/>
+          <p:cNvPr id="404" name="TextBox 403"/>
           <p:cNvSpPr txBox="1"/>
           <p:nvPr/>
         </p:nvSpPr>
         <p:spPr>
           <a:xfrm>
-            <a:off x="1006276" y="2777282"/>
+            <a:off x="1387563" y="2777282"/>
             <a:ext cx="165567" cy="172758"/>
           </a:xfrm>
           <a:prstGeom prst="roundRect">
@@ -16613,13 +16613,13 @@
       </p:sp>
       <p:sp>
         <p:nvSpPr>
-          <p:cNvPr id="547" name="TextBox 546"/>
+          <p:cNvPr id="405" name="TextBox 404"/>
           <p:cNvSpPr txBox="1"/>
           <p:nvPr/>
         </p:nvSpPr>
         <p:spPr>
           <a:xfrm>
-            <a:off x="910645" y="7353089"/>
+            <a:off x="1291932" y="7353089"/>
             <a:ext cx="165567" cy="172758"/>
           </a:xfrm>
           <a:prstGeom prst="roundRect">
@@ -16656,13 +16656,13 @@
       </p:sp>
       <p:sp>
         <p:nvSpPr>
-          <p:cNvPr id="548" name="TextBox 547"/>
+          <p:cNvPr id="406" name="TextBox 405"/>
           <p:cNvSpPr txBox="1"/>
           <p:nvPr/>
         </p:nvSpPr>
         <p:spPr>
           <a:xfrm>
-            <a:off x="4307033" y="3276397"/>
+            <a:off x="4976352" y="3276397"/>
             <a:ext cx="165567" cy="172758"/>
           </a:xfrm>
           <a:prstGeom prst="roundRect">
@@ -16699,13 +16699,13 @@
       </p:sp>
       <p:sp>
         <p:nvSpPr>
-          <p:cNvPr id="549" name="TextBox 548"/>
+          <p:cNvPr id="407" name="TextBox 406"/>
           <p:cNvSpPr txBox="1"/>
           <p:nvPr/>
         </p:nvSpPr>
         <p:spPr>
           <a:xfrm>
-            <a:off x="5291957" y="3435933"/>
+            <a:off x="5961276" y="3435933"/>
             <a:ext cx="165567" cy="172758"/>
           </a:xfrm>
           <a:prstGeom prst="roundRect">
@@ -16742,13 +16742,13 @@
       </p:sp>
       <p:sp>
         <p:nvSpPr>
-          <p:cNvPr id="550" name="TextBox 549"/>
+          <p:cNvPr id="408" name="TextBox 407"/>
           <p:cNvSpPr txBox="1"/>
           <p:nvPr/>
         </p:nvSpPr>
         <p:spPr>
           <a:xfrm>
-            <a:off x="6217084" y="3373423"/>
+            <a:off x="6886403" y="3373423"/>
             <a:ext cx="165567" cy="172758"/>
           </a:xfrm>
           <a:prstGeom prst="roundRect">
@@ -16785,13 +16785,13 @@
       </p:sp>
       <p:sp>
         <p:nvSpPr>
-          <p:cNvPr id="551" name="TextBox 550"/>
+          <p:cNvPr id="409" name="TextBox 408"/>
           <p:cNvSpPr txBox="1"/>
           <p:nvPr/>
         </p:nvSpPr>
         <p:spPr>
           <a:xfrm>
-            <a:off x="2142853" y="8576649"/>
+            <a:off x="2812172" y="8576649"/>
             <a:ext cx="165567" cy="172758"/>
           </a:xfrm>
           <a:prstGeom prst="roundRect">
@@ -16828,13 +16828,13 @@
       </p:sp>
       <p:sp>
         <p:nvSpPr>
-          <p:cNvPr id="552" name="TextBox 551"/>
+          <p:cNvPr id="410" name="TextBox 409"/>
           <p:cNvSpPr txBox="1"/>
           <p:nvPr/>
         </p:nvSpPr>
         <p:spPr>
           <a:xfrm>
-            <a:off x="8046893" y="9349080"/>
+            <a:off x="8716212" y="9349080"/>
             <a:ext cx="165567" cy="172758"/>
           </a:xfrm>
           <a:prstGeom prst="roundRect">
@@ -16871,13 +16871,13 @@
       </p:sp>
       <p:sp>
         <p:nvSpPr>
-          <p:cNvPr id="553" name="TextBox 552"/>
+          <p:cNvPr id="411" name="TextBox 410"/>
           <p:cNvSpPr txBox="1"/>
           <p:nvPr/>
         </p:nvSpPr>
         <p:spPr>
           <a:xfrm>
-            <a:off x="2080856" y="12476764"/>
+            <a:off x="2750175" y="12476764"/>
             <a:ext cx="241931" cy="174281"/>
           </a:xfrm>
           <a:prstGeom prst="roundRect">
@@ -16918,13 +16918,13 @@
       </p:sp>
       <p:sp>
         <p:nvSpPr>
-          <p:cNvPr id="554" name="TextBox 553"/>
+          <p:cNvPr id="412" name="TextBox 411"/>
           <p:cNvSpPr txBox="1"/>
           <p:nvPr/>
         </p:nvSpPr>
         <p:spPr>
           <a:xfrm>
-            <a:off x="7039392" y="8052783"/>
+            <a:off x="7708711" y="8052783"/>
             <a:ext cx="795637" cy="215444"/>
           </a:xfrm>
           <a:prstGeom prst="rect">
@@ -16976,13 +16976,13 @@
       </p:sp>
       <p:cxnSp>
         <p:nvCxnSpPr>
-          <p:cNvPr id="555" name="Straight Connector 554"/>
+          <p:cNvPr id="413" name="Straight Connector 412"/>
           <p:cNvCxnSpPr/>
           <p:nvPr/>
         </p:nvCxnSpPr>
         <p:spPr>
           <a:xfrm>
-            <a:off x="10138646" y="837243"/>
+            <a:off x="10807965" y="837243"/>
             <a:ext cx="6302" cy="15984000"/>
           </a:xfrm>
           <a:prstGeom prst="line">
@@ -17007,13 +17007,13 @@
       </p:cxnSp>
       <p:sp>
         <p:nvSpPr>
-          <p:cNvPr id="556" name="Rounded Rectangle 555"/>
+          <p:cNvPr id="414" name="Rounded Rectangle 413"/>
           <p:cNvSpPr/>
           <p:nvPr/>
         </p:nvSpPr>
         <p:spPr>
           <a:xfrm>
-            <a:off x="9599781" y="432470"/>
+            <a:off x="10269100" y="432470"/>
             <a:ext cx="1085232" cy="421772"/>
           </a:xfrm>
           <a:prstGeom prst="roundRect">
@@ -17109,13 +17109,13 @@
       </p:sp>
       <p:sp>
         <p:nvSpPr>
-          <p:cNvPr id="557" name="TextBox 556"/>
+          <p:cNvPr id="415" name="TextBox 414"/>
           <p:cNvSpPr txBox="1"/>
           <p:nvPr/>
         </p:nvSpPr>
         <p:spPr>
           <a:xfrm>
-            <a:off x="9219984" y="14826018"/>
+            <a:off x="9889303" y="14826018"/>
             <a:ext cx="1869645" cy="550962"/>
           </a:xfrm>
           <a:prstGeom prst="snip2DiagRect">
@@ -17236,13 +17236,13 @@
       </p:sp>
       <p:sp>
         <p:nvSpPr>
-          <p:cNvPr id="558" name="TextBox 557"/>
+          <p:cNvPr id="416" name="TextBox 415"/>
           <p:cNvSpPr txBox="1"/>
           <p:nvPr/>
         </p:nvSpPr>
         <p:spPr>
           <a:xfrm>
-            <a:off x="9343599" y="10018440"/>
+            <a:off x="10012918" y="10018440"/>
             <a:ext cx="795637" cy="215444"/>
           </a:xfrm>
           <a:prstGeom prst="rect">
@@ -17294,13 +17294,13 @@
       </p:sp>
       <p:sp>
         <p:nvSpPr>
-          <p:cNvPr id="559" name="TextBox 558"/>
+          <p:cNvPr id="417" name="TextBox 416"/>
           <p:cNvSpPr txBox="1"/>
           <p:nvPr/>
         </p:nvSpPr>
         <p:spPr>
           <a:xfrm>
-            <a:off x="10063183" y="17067378"/>
+            <a:off x="10732502" y="17067378"/>
             <a:ext cx="1436776" cy="200055"/>
           </a:xfrm>
           <a:prstGeom prst="rect">
@@ -17331,13 +17331,13 @@
       </p:sp>
       <p:cxnSp>
         <p:nvCxnSpPr>
-          <p:cNvPr id="560" name="Straight Arrow Connector 559"/>
+          <p:cNvPr id="418" name="Straight Arrow Connector 417"/>
           <p:cNvCxnSpPr/>
           <p:nvPr/>
         </p:nvCxnSpPr>
         <p:spPr>
           <a:xfrm flipH="1">
-            <a:off x="7936241" y="10597178"/>
+            <a:off x="8605560" y="10597178"/>
             <a:ext cx="1434723" cy="0"/>
           </a:xfrm>
           <a:prstGeom prst="straightConnector1">
@@ -17367,13 +17367,13 @@
       </p:cxnSp>
       <p:sp>
         <p:nvSpPr>
-          <p:cNvPr id="561" name="TextBox 560"/>
+          <p:cNvPr id="419" name="TextBox 418"/>
           <p:cNvSpPr txBox="1"/>
           <p:nvPr/>
         </p:nvSpPr>
         <p:spPr>
           <a:xfrm>
-            <a:off x="6925088" y="10500773"/>
+            <a:off x="7594407" y="10500773"/>
             <a:ext cx="576046" cy="153888"/>
           </a:xfrm>
           <a:prstGeom prst="rect">
@@ -17410,13 +17410,13 @@
       </p:sp>
       <p:cxnSp>
         <p:nvCxnSpPr>
-          <p:cNvPr id="562" name="Straight Arrow Connector 561"/>
+          <p:cNvPr id="420" name="Straight Arrow Connector 419"/>
           <p:cNvCxnSpPr/>
           <p:nvPr/>
         </p:nvCxnSpPr>
         <p:spPr>
           <a:xfrm>
-            <a:off x="7928354" y="9861396"/>
+            <a:off x="8597673" y="9861396"/>
             <a:ext cx="2178000" cy="0"/>
           </a:xfrm>
           <a:prstGeom prst="straightConnector1">
@@ -17446,13 +17446,13 @@
       </p:cxnSp>
       <p:sp>
         <p:nvSpPr>
-          <p:cNvPr id="563" name="TextBox 562"/>
+          <p:cNvPr id="421" name="TextBox 420"/>
           <p:cNvSpPr txBox="1"/>
           <p:nvPr/>
         </p:nvSpPr>
         <p:spPr>
           <a:xfrm>
-            <a:off x="8320809" y="10526165"/>
+            <a:off x="8990128" y="10526165"/>
             <a:ext cx="834130" cy="123111"/>
           </a:xfrm>
           <a:prstGeom prst="rect">
@@ -17490,13 +17490,13 @@
       </p:sp>
       <p:sp>
         <p:nvSpPr>
-          <p:cNvPr id="564" name="TextBox 563"/>
+          <p:cNvPr id="422" name="TextBox 421"/>
           <p:cNvSpPr txBox="1"/>
           <p:nvPr/>
         </p:nvSpPr>
         <p:spPr>
           <a:xfrm>
-            <a:off x="8410739" y="9791241"/>
+            <a:off x="9080058" y="9791241"/>
             <a:ext cx="609710" cy="123111"/>
           </a:xfrm>
           <a:prstGeom prst="rect">
@@ -17534,13 +17534,13 @@
       </p:sp>
       <p:sp>
         <p:nvSpPr>
-          <p:cNvPr id="565" name="TextBox 564"/>
+          <p:cNvPr id="423" name="TextBox 422"/>
           <p:cNvSpPr txBox="1"/>
           <p:nvPr/>
         </p:nvSpPr>
         <p:spPr>
           <a:xfrm>
-            <a:off x="7611694" y="10494957"/>
+            <a:off x="8281013" y="10494957"/>
             <a:ext cx="165567" cy="172758"/>
           </a:xfrm>
           <a:prstGeom prst="roundRect">
@@ -17577,13 +17577,13 @@
       </p:sp>
       <p:grpSp>
         <p:nvGrpSpPr>
-          <p:cNvPr id="566" name="Group 565"/>
+          <p:cNvPr id="424" name="Group 423"/>
           <p:cNvGrpSpPr/>
           <p:nvPr/>
         </p:nvGrpSpPr>
         <p:grpSpPr>
           <a:xfrm>
-            <a:off x="9358412" y="10224411"/>
+            <a:off x="10027731" y="10224411"/>
             <a:ext cx="1587201" cy="739079"/>
             <a:chOff x="6871493" y="6953746"/>
             <a:chExt cx="1587201" cy="739079"/>
@@ -17591,7 +17591,7 @@
         </p:grpSpPr>
         <p:sp>
           <p:nvSpPr>
-            <p:cNvPr id="567" name="Rectangle 566"/>
+            <p:cNvPr id="425" name="Rectangle 424"/>
             <p:cNvSpPr/>
             <p:nvPr/>
           </p:nvSpPr>
@@ -17647,7 +17647,7 @@
         </p:sp>
         <p:sp>
           <p:nvSpPr>
-            <p:cNvPr id="568" name="TextBox 567"/>
+            <p:cNvPr id="426" name="TextBox 425"/>
             <p:cNvSpPr txBox="1"/>
             <p:nvPr/>
           </p:nvSpPr>
@@ -17769,13 +17769,13 @@
       </p:grpSp>
       <p:cxnSp>
         <p:nvCxnSpPr>
-          <p:cNvPr id="569" name="Straight Arrow Connector 568"/>
+          <p:cNvPr id="427" name="Straight Arrow Connector 426"/>
           <p:cNvCxnSpPr/>
           <p:nvPr/>
         </p:nvCxnSpPr>
         <p:spPr>
           <a:xfrm>
-            <a:off x="2912248" y="14359655"/>
+            <a:off x="3581567" y="14359655"/>
             <a:ext cx="7200000" cy="0"/>
           </a:xfrm>
           <a:prstGeom prst="straightConnector1">
@@ -17805,13 +17805,13 @@
       </p:cxnSp>
       <p:sp>
         <p:nvSpPr>
-          <p:cNvPr id="570" name="TextBox 569"/>
+          <p:cNvPr id="428" name="TextBox 427"/>
           <p:cNvSpPr txBox="1"/>
           <p:nvPr/>
         </p:nvSpPr>
         <p:spPr>
           <a:xfrm>
-            <a:off x="8950178" y="14158331"/>
+            <a:off x="9619497" y="14158331"/>
             <a:ext cx="915315" cy="153888"/>
           </a:xfrm>
           <a:prstGeom prst="rect">
@@ -17846,13 +17846,13 @@
       </p:sp>
       <p:sp>
         <p:nvSpPr>
-          <p:cNvPr id="571" name="TextBox 570"/>
+          <p:cNvPr id="429" name="TextBox 428"/>
           <p:cNvSpPr txBox="1"/>
           <p:nvPr/>
         </p:nvSpPr>
         <p:spPr>
           <a:xfrm>
-            <a:off x="5402262" y="14292388"/>
+            <a:off x="6071581" y="14292388"/>
             <a:ext cx="678638" cy="123111"/>
           </a:xfrm>
           <a:prstGeom prst="rect">
@@ -17890,13 +17890,13 @@
       </p:sp>
       <p:sp>
         <p:nvSpPr>
-          <p:cNvPr id="572" name="TextBox 571"/>
+          <p:cNvPr id="430" name="TextBox 429"/>
           <p:cNvSpPr txBox="1"/>
           <p:nvPr/>
         </p:nvSpPr>
         <p:spPr>
           <a:xfrm>
-            <a:off x="10271634" y="14272883"/>
+            <a:off x="10940953" y="14272883"/>
             <a:ext cx="241931" cy="174281"/>
           </a:xfrm>
           <a:prstGeom prst="roundRect">
@@ -17937,13 +17937,13 @@
       </p:sp>
       <p:grpSp>
         <p:nvGrpSpPr>
-          <p:cNvPr id="573" name="Group 572"/>
+          <p:cNvPr id="432" name="Group 431"/>
           <p:cNvGrpSpPr/>
           <p:nvPr/>
         </p:nvGrpSpPr>
         <p:grpSpPr>
           <a:xfrm>
-            <a:off x="1790508" y="12958573"/>
+            <a:off x="2459827" y="12958573"/>
             <a:ext cx="1954305" cy="2616308"/>
             <a:chOff x="1790508" y="12076005"/>
             <a:chExt cx="1954305" cy="2616308"/>
@@ -17951,7 +17951,7 @@
         </p:grpSpPr>
         <p:sp>
           <p:nvSpPr>
-            <p:cNvPr id="574" name="Rectangle 573"/>
+            <p:cNvPr id="433" name="Rectangle 432"/>
             <p:cNvSpPr/>
             <p:nvPr/>
           </p:nvSpPr>
@@ -18005,7 +18005,7 @@
         </p:sp>
         <p:sp>
           <p:nvSpPr>
-            <p:cNvPr id="575" name="TextBox 574"/>
+            <p:cNvPr id="434" name="TextBox 433"/>
             <p:cNvSpPr txBox="1"/>
             <p:nvPr/>
           </p:nvSpPr>
@@ -18198,7 +18198,7 @@
         </p:sp>
         <p:sp>
           <p:nvSpPr>
-            <p:cNvPr id="576" name="Rectangle 575"/>
+            <p:cNvPr id="435" name="Rectangle 434"/>
             <p:cNvSpPr/>
             <p:nvPr/>
           </p:nvSpPr>
@@ -18249,7 +18249,7 @@
         </p:sp>
         <p:sp>
           <p:nvSpPr>
-            <p:cNvPr id="577" name="TextBox 576"/>
+            <p:cNvPr id="436" name="TextBox 435"/>
             <p:cNvSpPr txBox="1"/>
             <p:nvPr/>
           </p:nvSpPr>
@@ -18352,7 +18352,7 @@
         </p:sp>
         <p:sp>
           <p:nvSpPr>
-            <p:cNvPr id="578" name="TextBox 577"/>
+            <p:cNvPr id="437" name="TextBox 436"/>
             <p:cNvSpPr txBox="1"/>
             <p:nvPr/>
           </p:nvSpPr>
@@ -18402,7 +18402,7 @@
         </p:sp>
         <p:grpSp>
           <p:nvGrpSpPr>
-            <p:cNvPr id="579" name="Group 578"/>
+            <p:cNvPr id="438" name="Group 437"/>
             <p:cNvGrpSpPr/>
             <p:nvPr/>
           </p:nvGrpSpPr>
@@ -18416,7 +18416,7 @@
           </p:grpSpPr>
           <p:sp>
             <p:nvSpPr>
-              <p:cNvPr id="580" name="Rectangle 579"/>
+              <p:cNvPr id="439" name="Rectangle 438"/>
               <p:cNvSpPr/>
               <p:nvPr/>
             </p:nvSpPr>
@@ -18463,7 +18463,7 @@
           </p:sp>
           <p:sp>
             <p:nvSpPr>
-              <p:cNvPr id="581" name="TextBox 580"/>
+              <p:cNvPr id="440" name="TextBox 439"/>
               <p:cNvSpPr txBox="1"/>
               <p:nvPr/>
             </p:nvSpPr>
@@ -18577,7 +18577,7 @@
       </p:grpSp>
       <p:pic>
         <p:nvPicPr>
-          <p:cNvPr id="582" name="Picture 581"/>
+          <p:cNvPr id="441" name="Picture 440"/>
           <p:cNvPicPr>
             <a:picLocks noChangeAspect="1"/>
           </p:cNvPicPr>
@@ -18597,7 +18597,7 @@
         </p:blipFill>
         <p:spPr>
           <a:xfrm>
-            <a:off x="2918021" y="3798218"/>
+            <a:off x="3587340" y="3798218"/>
             <a:ext cx="2569836" cy="1465200"/>
           </a:xfrm>
           <a:prstGeom prst="rect">
@@ -18614,13 +18614,13 @@
       </p:pic>
       <p:sp>
         <p:nvSpPr>
-          <p:cNvPr id="583" name="TextBox 582"/>
+          <p:cNvPr id="442" name="TextBox 441"/>
           <p:cNvSpPr txBox="1"/>
           <p:nvPr/>
         </p:nvSpPr>
         <p:spPr>
           <a:xfrm>
-            <a:off x="10674974" y="14272883"/>
+            <a:off x="11344293" y="14272883"/>
             <a:ext cx="241931" cy="174281"/>
           </a:xfrm>
           <a:prstGeom prst="roundRect">
@@ -18661,13 +18661,13 @@
       </p:sp>
       <p:cxnSp>
         <p:nvCxnSpPr>
-          <p:cNvPr id="584" name="Straight Arrow Connector 583"/>
+          <p:cNvPr id="443" name="Straight Arrow Connector 442"/>
           <p:cNvCxnSpPr/>
           <p:nvPr/>
         </p:nvCxnSpPr>
         <p:spPr>
           <a:xfrm flipH="1">
-            <a:off x="2467726" y="16082863"/>
+            <a:off x="3137045" y="16082863"/>
             <a:ext cx="6984000" cy="0"/>
           </a:xfrm>
           <a:prstGeom prst="straightConnector1">
@@ -18697,13 +18697,13 @@
       </p:cxnSp>
       <p:sp>
         <p:nvSpPr>
-          <p:cNvPr id="585" name="TextBox 584"/>
+          <p:cNvPr id="444" name="TextBox 443"/>
           <p:cNvSpPr txBox="1"/>
           <p:nvPr/>
         </p:nvSpPr>
         <p:spPr>
           <a:xfrm>
-            <a:off x="2724301" y="15892744"/>
+            <a:off x="3393620" y="15892744"/>
             <a:ext cx="1087404" cy="153888"/>
           </a:xfrm>
           <a:prstGeom prst="rect">
@@ -18740,13 +18740,13 @@
       </p:sp>
       <p:sp>
         <p:nvSpPr>
-          <p:cNvPr id="586" name="TextBox 585"/>
+          <p:cNvPr id="445" name="TextBox 444"/>
           <p:cNvSpPr txBox="1"/>
           <p:nvPr/>
         </p:nvSpPr>
         <p:spPr>
           <a:xfrm>
-            <a:off x="5312042" y="16015005"/>
+            <a:off x="5981361" y="16015005"/>
             <a:ext cx="834130" cy="123111"/>
           </a:xfrm>
           <a:prstGeom prst="rect">
@@ -18784,13 +18784,13 @@
       </p:sp>
       <p:sp>
         <p:nvSpPr>
-          <p:cNvPr id="587" name="TextBox 586"/>
+          <p:cNvPr id="446" name="TextBox 445"/>
           <p:cNvSpPr txBox="1"/>
           <p:nvPr/>
         </p:nvSpPr>
         <p:spPr>
           <a:xfrm>
-            <a:off x="2059488" y="15986999"/>
+            <a:off x="2728807" y="15986999"/>
             <a:ext cx="241931" cy="174281"/>
           </a:xfrm>
           <a:prstGeom prst="roundRect">
@@ -18831,13 +18831,13 @@
       </p:sp>
       <p:grpSp>
         <p:nvGrpSpPr>
-          <p:cNvPr id="588" name="Group 587"/>
+          <p:cNvPr id="447" name="Group 446"/>
           <p:cNvGrpSpPr/>
           <p:nvPr/>
         </p:nvGrpSpPr>
         <p:grpSpPr>
           <a:xfrm>
-            <a:off x="9385844" y="15820736"/>
+            <a:off x="10055163" y="15820736"/>
             <a:ext cx="1587201" cy="532186"/>
             <a:chOff x="9385844" y="14455402"/>
             <a:chExt cx="1587201" cy="532186"/>
@@ -18845,7 +18845,7 @@
         </p:grpSpPr>
         <p:sp>
           <p:nvSpPr>
-            <p:cNvPr id="589" name="Rectangle 588"/>
+            <p:cNvPr id="448" name="Rectangle 447"/>
             <p:cNvSpPr/>
             <p:nvPr/>
           </p:nvSpPr>
@@ -18901,7 +18901,7 @@
         </p:sp>
         <p:sp>
           <p:nvSpPr>
-            <p:cNvPr id="590" name="TextBox 589"/>
+            <p:cNvPr id="592" name="TextBox 591"/>
             <p:cNvSpPr txBox="1"/>
             <p:nvPr/>
           </p:nvSpPr>
@@ -18988,14 +18988,14 @@
       </p:grpSp>
       <p:cxnSp>
         <p:nvCxnSpPr>
-          <p:cNvPr id="591" name="Straight Arrow Connector 590"/>
+          <p:cNvPr id="593" name="Straight Arrow Connector 592"/>
           <p:cNvCxnSpPr/>
           <p:nvPr/>
         </p:nvCxnSpPr>
         <p:spPr>
           <a:xfrm flipV="1">
             <a:off x="461858" y="5022701"/>
-            <a:ext cx="2448000" cy="701"/>
+            <a:ext cx="3114000" cy="701"/>
           </a:xfrm>
           <a:prstGeom prst="straightConnector1">
             <a:avLst/>

--- a/webpayment.resources/docs/webpay-card-payment-statediagram.pptx
+++ b/webpayment.resources/docs/webpay-card-payment-statediagram.pptx
@@ -14196,8 +14196,8 @@
         </p:nvSpPr>
         <p:spPr>
           <a:xfrm>
-            <a:off x="6693223" y="5743800"/>
-            <a:ext cx="1601935" cy="495866"/>
+            <a:off x="6576469" y="5733151"/>
+            <a:ext cx="1811142" cy="550962"/>
           </a:xfrm>
           <a:prstGeom prst="snip2DiagRect">
             <a:avLst/>
@@ -14227,33 +14227,33 @@
           <a:lstStyle/>
           <a:p>
             <a:r>
-              <a:rPr lang="en-US" sz="700" i="1" dirty="0" smtClean="0">
+              <a:rPr lang="en-US" sz="800" i="1" dirty="0" smtClean="0">
                 <a:latin typeface="Arial" panose="020B0604020202020204" pitchFamily="34" charset="0"/>
                 <a:cs typeface="Arial" panose="020B0604020202020204" pitchFamily="34" charset="0"/>
               </a:rPr>
               <a:t>Encrypt the authorized request</a:t>
             </a:r>
             <a:br>
-              <a:rPr lang="en-US" sz="700" i="1" dirty="0" smtClean="0">
+              <a:rPr lang="en-US" sz="800" i="1" dirty="0" smtClean="0">
                 <a:latin typeface="Arial" panose="020B0604020202020204" pitchFamily="34" charset="0"/>
                 <a:cs typeface="Arial" panose="020B0604020202020204" pitchFamily="34" charset="0"/>
               </a:rPr>
             </a:br>
             <a:r>
-              <a:rPr lang="en-US" sz="700" i="1" dirty="0" smtClean="0">
+              <a:rPr lang="en-US" sz="800" i="1" dirty="0" smtClean="0">
                 <a:latin typeface="Arial" panose="020B0604020202020204" pitchFamily="34" charset="0"/>
                 <a:cs typeface="Arial" panose="020B0604020202020204" pitchFamily="34" charset="0"/>
               </a:rPr>
               <a:t>above using a Payment Provider public RSA or ECDH key </a:t>
             </a:r>
             <a:r>
-              <a:rPr lang="en-US" sz="700" dirty="0" smtClean="0">
+              <a:rPr lang="en-US" sz="800" dirty="0" smtClean="0">
                 <a:latin typeface="Arial" panose="020B0604020202020204" pitchFamily="34" charset="0"/>
                 <a:cs typeface="Arial" panose="020B0604020202020204" pitchFamily="34" charset="0"/>
               </a:rPr>
               <a:t>◄</a:t>
             </a:r>
-            <a:endParaRPr lang="en-US" sz="700" dirty="0">
+            <a:endParaRPr lang="en-US" sz="800" dirty="0">
               <a:latin typeface="Arial" panose="020B0604020202020204" pitchFamily="34" charset="0"/>
               <a:cs typeface="Arial" panose="020B0604020202020204" pitchFamily="34" charset="0"/>
             </a:endParaRPr>

--- a/webpayment.resources/docs/webpay-card-payment-statediagram.pptx
+++ b/webpayment.resources/docs/webpay-card-payment-statediagram.pptx
@@ -29548,7 +29548,7 @@
               <a:schemeClr val="tx1"/>
             </a:solidFill>
             <a:prstDash val="lgDash"/>
-            <a:tailEnd type="none" w="sm" len="sm"/>
+            <a:tailEnd type="triangle" w="sm" len="sm"/>
           </a:ln>
         </p:spPr>
         <p:style>
@@ -29584,7 +29584,7 @@
         </p:nvSpPr>
         <p:spPr>
           <a:xfrm rot="16200000">
-            <a:off x="867857" y="2195109"/>
+            <a:off x="867857" y="2284703"/>
             <a:ext cx="562975" cy="195814"/>
           </a:xfrm>
           <a:prstGeom prst="rect">

--- a/webpayment.resources/docs/webpay-card-payment-statediagram.pptx
+++ b/webpayment.resources/docs/webpay-card-payment-statediagram.pptx
@@ -192,7 +192,7 @@
           <a:p>
             <a:fld id="{EC8C8056-B549-4FBF-9C23-C3E3767DB98D}" type="datetimeFigureOut">
               <a:rPr lang="en-US" smtClean="0"/>
-              <a:t>2015-09-29</a:t>
+              <a:t>2015-10-01</a:t>
             </a:fld>
             <a:endParaRPr lang="en-US"/>
           </a:p>
@@ -13026,7 +13026,21 @@
                   <a:latin typeface="Arial" panose="020B0604020202020204" pitchFamily="34" charset="0"/>
                   <a:cs typeface="Arial" panose="020B0604020202020204" pitchFamily="34" charset="0"/>
                 </a:rPr>
-                <a:t>{}</a:t>
+                <a:t>{</a:t>
+              </a:r>
+              <a:r>
+                <a:rPr lang="en-US" sz="400" dirty="0" smtClean="0">
+                  <a:latin typeface="Arial" panose="020B0604020202020204" pitchFamily="34" charset="0"/>
+                  <a:cs typeface="Arial" panose="020B0604020202020204" pitchFamily="34" charset="0"/>
+                </a:rPr>
+                <a:t> </a:t>
+              </a:r>
+              <a:r>
+                <a:rPr lang="en-US" sz="800" dirty="0" smtClean="0">
+                  <a:latin typeface="Arial" panose="020B0604020202020204" pitchFamily="34" charset="0"/>
+                  <a:cs typeface="Arial" panose="020B0604020202020204" pitchFamily="34" charset="0"/>
+                </a:rPr>
+                <a:t>}</a:t>
               </a:r>
               <a:endParaRPr lang="en-US" sz="800" dirty="0">
                 <a:latin typeface="Arial" panose="020B0604020202020204" pitchFamily="34" charset="0"/>
@@ -13324,8 +13338,33 @@
                 <a:latin typeface="Arial" panose="020B0604020202020204" pitchFamily="34" charset="0"/>
                 <a:cs typeface="Arial" panose="020B0604020202020204" pitchFamily="34" charset="0"/>
               </a:rPr>
-              <a:t> {} </a:t>
+              <a:t> </a:t>
             </a:r>
+            <a:r>
+              <a:rPr lang="en-US" sz="800" dirty="0" smtClean="0">
+                <a:latin typeface="Arial" panose="020B0604020202020204" pitchFamily="34" charset="0"/>
+                <a:cs typeface="Arial" panose="020B0604020202020204" pitchFamily="34" charset="0"/>
+              </a:rPr>
+              <a:t>{</a:t>
+            </a:r>
+            <a:r>
+              <a:rPr lang="en-US" sz="400" dirty="0" smtClean="0">
+                <a:latin typeface="Arial" panose="020B0604020202020204" pitchFamily="34" charset="0"/>
+                <a:cs typeface="Arial" panose="020B0604020202020204" pitchFamily="34" charset="0"/>
+              </a:rPr>
+              <a:t> </a:t>
+            </a:r>
+            <a:r>
+              <a:rPr lang="en-US" sz="800" dirty="0" smtClean="0">
+                <a:latin typeface="Arial" panose="020B0604020202020204" pitchFamily="34" charset="0"/>
+                <a:cs typeface="Arial" panose="020B0604020202020204" pitchFamily="34" charset="0"/>
+              </a:rPr>
+              <a:t>} </a:t>
+            </a:r>
+            <a:endParaRPr lang="en-US" sz="800" dirty="0" smtClean="0">
+              <a:latin typeface="Arial" panose="020B0604020202020204" pitchFamily="34" charset="0"/>
+              <a:cs typeface="Arial" panose="020B0604020202020204" pitchFamily="34" charset="0"/>
+            </a:endParaRPr>
           </a:p>
         </p:txBody>
       </p:sp>
@@ -14810,8 +14849,8 @@
         </p:nvSpPr>
         <p:spPr>
           <a:xfrm>
-            <a:off x="4623210" y="2777544"/>
-            <a:ext cx="442179" cy="163867"/>
+            <a:off x="4549506" y="2761571"/>
+            <a:ext cx="592413" cy="195814"/>
           </a:xfrm>
           <a:prstGeom prst="rect">
             <a:avLst/>
@@ -14839,8 +14878,33 @@
                 <a:latin typeface="Arial" panose="020B0604020202020204" pitchFamily="34" charset="0"/>
                 <a:cs typeface="Arial" panose="020B0604020202020204" pitchFamily="34" charset="0"/>
               </a:rPr>
-              <a:t>indow {}</a:t>
+              <a:t>indow </a:t>
             </a:r>
+            <a:r>
+              <a:rPr lang="en-US" sz="800" dirty="0" smtClean="0">
+                <a:latin typeface="Arial" panose="020B0604020202020204" pitchFamily="34" charset="0"/>
+                <a:cs typeface="Arial" panose="020B0604020202020204" pitchFamily="34" charset="0"/>
+              </a:rPr>
+              <a:t>{</a:t>
+            </a:r>
+            <a:r>
+              <a:rPr lang="en-US" sz="400" dirty="0" smtClean="0">
+                <a:latin typeface="Arial" panose="020B0604020202020204" pitchFamily="34" charset="0"/>
+                <a:cs typeface="Arial" panose="020B0604020202020204" pitchFamily="34" charset="0"/>
+              </a:rPr>
+              <a:t> </a:t>
+            </a:r>
+            <a:r>
+              <a:rPr lang="en-US" sz="800" dirty="0" smtClean="0">
+                <a:latin typeface="Arial" panose="020B0604020202020204" pitchFamily="34" charset="0"/>
+                <a:cs typeface="Arial" panose="020B0604020202020204" pitchFamily="34" charset="0"/>
+              </a:rPr>
+              <a:t>}</a:t>
+            </a:r>
+            <a:endParaRPr lang="en-US" sz="800" dirty="0" smtClean="0">
+              <a:latin typeface="Arial" panose="020B0604020202020204" pitchFamily="34" charset="0"/>
+              <a:cs typeface="Arial" panose="020B0604020202020204" pitchFamily="34" charset="0"/>
+            </a:endParaRPr>
           </a:p>
         </p:txBody>
       </p:sp>
@@ -15117,16 +15181,16 @@
       </p:sp>
       <p:grpSp>
         <p:nvGrpSpPr>
-          <p:cNvPr id="377" name="Group 376"/>
+          <p:cNvPr id="2" name="Group 1"/>
           <p:cNvGrpSpPr/>
           <p:nvPr/>
         </p:nvGrpSpPr>
         <p:grpSpPr>
           <a:xfrm>
-            <a:off x="6892740" y="3766482"/>
-            <a:ext cx="1208789" cy="1579005"/>
-            <a:chOff x="5899829" y="2890175"/>
-            <a:chExt cx="1208789" cy="1579005"/>
+            <a:off x="6887977" y="3785534"/>
+            <a:ext cx="1208789" cy="1567518"/>
+            <a:chOff x="6892740" y="3766482"/>
+            <a:chExt cx="1208789" cy="1567518"/>
           </a:xfrm>
         </p:grpSpPr>
         <p:sp>
@@ -15137,8 +15201,8 @@
           </p:nvSpPr>
           <p:spPr>
             <a:xfrm>
-              <a:off x="5899829" y="2890175"/>
-              <a:ext cx="1208789" cy="1579005"/>
+              <a:off x="6892740" y="3766482"/>
+              <a:ext cx="1208789" cy="1567518"/>
             </a:xfrm>
             <a:prstGeom prst="rect">
               <a:avLst/>
@@ -15194,8 +15258,8 @@
           </p:nvSpPr>
           <p:spPr>
             <a:xfrm>
-              <a:off x="5899830" y="3929410"/>
-              <a:ext cx="1071127" cy="500137"/>
+              <a:off x="6892741" y="4835770"/>
+              <a:ext cx="1085554" cy="475016"/>
             </a:xfrm>
             <a:prstGeom prst="rect">
               <a:avLst/>
@@ -15220,7 +15284,35 @@
                   <a:latin typeface="Arial" panose="020B0604020202020204" pitchFamily="34" charset="0"/>
                   <a:cs typeface="Arial" panose="020B0604020202020204" pitchFamily="34" charset="0"/>
                 </a:rPr>
-                <a:t> {}  ◄</a:t>
+                <a:t> </a:t>
+              </a:r>
+              <a:r>
+                <a:rPr lang="en-US" sz="800" dirty="0" smtClean="0">
+                  <a:latin typeface="Arial" panose="020B0604020202020204" pitchFamily="34" charset="0"/>
+                  <a:cs typeface="Arial" panose="020B0604020202020204" pitchFamily="34" charset="0"/>
+                </a:rPr>
+                <a:t>{</a:t>
+              </a:r>
+              <a:r>
+                <a:rPr lang="en-US" sz="400" dirty="0" smtClean="0">
+                  <a:latin typeface="Arial" panose="020B0604020202020204" pitchFamily="34" charset="0"/>
+                  <a:cs typeface="Arial" panose="020B0604020202020204" pitchFamily="34" charset="0"/>
+                </a:rPr>
+                <a:t> </a:t>
+              </a:r>
+              <a:r>
+                <a:rPr lang="en-US" sz="800" dirty="0" smtClean="0">
+                  <a:latin typeface="Arial" panose="020B0604020202020204" pitchFamily="34" charset="0"/>
+                  <a:cs typeface="Arial" panose="020B0604020202020204" pitchFamily="34" charset="0"/>
+                </a:rPr>
+                <a:t>}  </a:t>
+              </a:r>
+              <a:r>
+                <a:rPr lang="en-US" sz="800" dirty="0" smtClean="0">
+                  <a:latin typeface="Arial" panose="020B0604020202020204" pitchFamily="34" charset="0"/>
+                  <a:cs typeface="Arial" panose="020B0604020202020204" pitchFamily="34" charset="0"/>
+                </a:rPr>
+                <a:t>◄</a:t>
               </a:r>
             </a:p>
             <a:p>
@@ -15244,11 +15336,6 @@
               </a:endParaRPr>
             </a:p>
             <a:p>
-              <a:pPr>
-                <a:spcBef>
-                  <a:spcPts val="300"/>
-                </a:spcBef>
-              </a:pPr>
               <a:r>
                 <a:rPr lang="en-US" sz="800" b="1" dirty="0" smtClean="0">
                   <a:solidFill>
@@ -15274,7 +15361,28 @@
                   <a:latin typeface="Arial" panose="020B0604020202020204" pitchFamily="34" charset="0"/>
                   <a:cs typeface="Arial" panose="020B0604020202020204" pitchFamily="34" charset="0"/>
                 </a:rPr>
-                <a:t>{} ◄</a:t>
+                <a:t>{</a:t>
+              </a:r>
+              <a:r>
+                <a:rPr lang="en-US" sz="400" dirty="0" smtClean="0">
+                  <a:latin typeface="Arial" panose="020B0604020202020204" pitchFamily="34" charset="0"/>
+                  <a:cs typeface="Arial" panose="020B0604020202020204" pitchFamily="34" charset="0"/>
+                </a:rPr>
+                <a:t> </a:t>
+              </a:r>
+              <a:r>
+                <a:rPr lang="en-US" sz="800" dirty="0" smtClean="0">
+                  <a:latin typeface="Arial" panose="020B0604020202020204" pitchFamily="34" charset="0"/>
+                  <a:cs typeface="Arial" panose="020B0604020202020204" pitchFamily="34" charset="0"/>
+                </a:rPr>
+                <a:t>} </a:t>
+              </a:r>
+              <a:r>
+                <a:rPr lang="en-US" sz="800" dirty="0" smtClean="0">
+                  <a:latin typeface="Arial" panose="020B0604020202020204" pitchFamily="34" charset="0"/>
+                  <a:cs typeface="Arial" panose="020B0604020202020204" pitchFamily="34" charset="0"/>
+                </a:rPr>
+                <a:t>◄</a:t>
               </a:r>
               <a:endParaRPr lang="en-US" sz="800" dirty="0">
                 <a:latin typeface="Arial" panose="020B0604020202020204" pitchFamily="34" charset="0"/>
@@ -15291,8 +15399,8 @@
           </p:nvSpPr>
           <p:spPr>
             <a:xfrm>
-              <a:off x="5899830" y="2906554"/>
-              <a:ext cx="1027845" cy="215444"/>
+              <a:off x="6892741" y="3783335"/>
+              <a:ext cx="1027845" cy="221674"/>
             </a:xfrm>
             <a:prstGeom prst="rect">
               <a:avLst/>
@@ -15341,8 +15449,8 @@
           </p:nvGrpSpPr>
           <p:grpSpPr>
             <a:xfrm>
-              <a:off x="6044773" y="3142626"/>
-              <a:ext cx="845610" cy="724495"/>
+              <a:off x="7037684" y="4026234"/>
+              <a:ext cx="845610" cy="745447"/>
               <a:chOff x="625283" y="3209330"/>
               <a:chExt cx="845610" cy="724495"/>
             </a:xfrm>
@@ -15497,7 +15605,28 @@
                     <a:latin typeface="Arial" panose="020B0604020202020204" pitchFamily="34" charset="0"/>
                     <a:cs typeface="Arial" panose="020B0604020202020204" pitchFamily="34" charset="0"/>
                   </a:rPr>
-                  <a:t> {}</a:t>
+                  <a:t> </a:t>
+                </a:r>
+                <a:r>
+                  <a:rPr lang="en-US" sz="800" dirty="0" smtClean="0">
+                    <a:latin typeface="Arial" panose="020B0604020202020204" pitchFamily="34" charset="0"/>
+                    <a:cs typeface="Arial" panose="020B0604020202020204" pitchFamily="34" charset="0"/>
+                  </a:rPr>
+                  <a:t>{</a:t>
+                </a:r>
+                <a:r>
+                  <a:rPr lang="en-US" sz="400" dirty="0" smtClean="0">
+                    <a:latin typeface="Arial" panose="020B0604020202020204" pitchFamily="34" charset="0"/>
+                    <a:cs typeface="Arial" panose="020B0604020202020204" pitchFamily="34" charset="0"/>
+                  </a:rPr>
+                  <a:t> </a:t>
+                </a:r>
+                <a:r>
+                  <a:rPr lang="en-US" sz="800" dirty="0" smtClean="0">
+                    <a:latin typeface="Arial" panose="020B0604020202020204" pitchFamily="34" charset="0"/>
+                    <a:cs typeface="Arial" panose="020B0604020202020204" pitchFamily="34" charset="0"/>
+                  </a:rPr>
+                  <a:t>}</a:t>
                 </a:r>
                 <a:endParaRPr lang="en-US" sz="800" dirty="0">
                   <a:latin typeface="Arial" panose="020B0604020202020204" pitchFamily="34" charset="0"/>
@@ -15588,7 +15717,7 @@
           <p:spPr>
             <a:xfrm>
               <a:off x="6878502" y="6953746"/>
-              <a:ext cx="1289135" cy="707886"/>
+              <a:ext cx="1317990" cy="707886"/>
             </a:xfrm>
             <a:prstGeom prst="rect">
               <a:avLst/>
@@ -15646,8 +15775,26 @@
                   <a:latin typeface="Arial" panose="020B0604020202020204" pitchFamily="34" charset="0"/>
                   <a:cs typeface="Arial" panose="020B0604020202020204" pitchFamily="34" charset="0"/>
                 </a:rPr>
-                <a:t>{}</a:t>
+                <a:t>{</a:t>
               </a:r>
+              <a:r>
+                <a:rPr lang="en-US" sz="400" dirty="0" smtClean="0">
+                  <a:latin typeface="Arial" panose="020B0604020202020204" pitchFamily="34" charset="0"/>
+                  <a:cs typeface="Arial" panose="020B0604020202020204" pitchFamily="34" charset="0"/>
+                </a:rPr>
+                <a:t> </a:t>
+              </a:r>
+              <a:r>
+                <a:rPr lang="en-US" sz="800" dirty="0" smtClean="0">
+                  <a:latin typeface="Arial" panose="020B0604020202020204" pitchFamily="34" charset="0"/>
+                  <a:cs typeface="Arial" panose="020B0604020202020204" pitchFamily="34" charset="0"/>
+                </a:rPr>
+                <a:t>}</a:t>
+              </a:r>
+              <a:endParaRPr lang="en-US" sz="800" dirty="0" smtClean="0">
+                <a:latin typeface="Arial" panose="020B0604020202020204" pitchFamily="34" charset="0"/>
+                <a:cs typeface="Arial" panose="020B0604020202020204" pitchFamily="34" charset="0"/>
+              </a:endParaRPr>
             </a:p>
             <a:p>
               <a:r>
@@ -15691,7 +15838,21 @@
                   <a:latin typeface="Arial" panose="020B0604020202020204" pitchFamily="34" charset="0"/>
                   <a:cs typeface="Arial" panose="020B0604020202020204" pitchFamily="34" charset="0"/>
                 </a:rPr>
-                <a:t>{}</a:t>
+                <a:t>{</a:t>
+              </a:r>
+              <a:r>
+                <a:rPr lang="en-US" sz="400" dirty="0" smtClean="0">
+                  <a:latin typeface="Arial" panose="020B0604020202020204" pitchFamily="34" charset="0"/>
+                  <a:cs typeface="Arial" panose="020B0604020202020204" pitchFamily="34" charset="0"/>
+                </a:rPr>
+                <a:t> </a:t>
+              </a:r>
+              <a:r>
+                <a:rPr lang="en-US" sz="800" dirty="0" smtClean="0">
+                  <a:latin typeface="Arial" panose="020B0604020202020204" pitchFamily="34" charset="0"/>
+                  <a:cs typeface="Arial" panose="020B0604020202020204" pitchFamily="34" charset="0"/>
+                </a:rPr>
+                <a:t>}</a:t>
               </a:r>
               <a:endParaRPr lang="en-US" sz="800" dirty="0">
                 <a:latin typeface="Arial" panose="020B0604020202020204" pitchFamily="34" charset="0"/>
@@ -15868,8 +16029,33 @@
                 <a:latin typeface="Arial" panose="020B0604020202020204" pitchFamily="34" charset="0"/>
                 <a:cs typeface="Arial" panose="020B0604020202020204" pitchFamily="34" charset="0"/>
               </a:rPr>
-              <a:t> {}</a:t>
+              <a:t> </a:t>
             </a:r>
+            <a:r>
+              <a:rPr lang="en-US" sz="800" dirty="0" smtClean="0">
+                <a:latin typeface="Arial" panose="020B0604020202020204" pitchFamily="34" charset="0"/>
+                <a:cs typeface="Arial" panose="020B0604020202020204" pitchFamily="34" charset="0"/>
+              </a:rPr>
+              <a:t>{</a:t>
+            </a:r>
+            <a:r>
+              <a:rPr lang="en-US" sz="400" dirty="0" smtClean="0">
+                <a:latin typeface="Arial" panose="020B0604020202020204" pitchFamily="34" charset="0"/>
+                <a:cs typeface="Arial" panose="020B0604020202020204" pitchFamily="34" charset="0"/>
+              </a:rPr>
+              <a:t> </a:t>
+            </a:r>
+            <a:r>
+              <a:rPr lang="en-US" sz="800" dirty="0" smtClean="0">
+                <a:latin typeface="Arial" panose="020B0604020202020204" pitchFamily="34" charset="0"/>
+                <a:cs typeface="Arial" panose="020B0604020202020204" pitchFamily="34" charset="0"/>
+              </a:rPr>
+              <a:t>}</a:t>
+            </a:r>
+            <a:endParaRPr lang="en-US" sz="800" dirty="0" smtClean="0">
+              <a:latin typeface="Arial" panose="020B0604020202020204" pitchFamily="34" charset="0"/>
+              <a:cs typeface="Arial" panose="020B0604020202020204" pitchFamily="34" charset="0"/>
+            </a:endParaRPr>
           </a:p>
           <a:p>
             <a:r>
@@ -15884,8 +16070,33 @@
                 <a:latin typeface="Arial" panose="020B0604020202020204" pitchFamily="34" charset="0"/>
                 <a:cs typeface="Arial" panose="020B0604020202020204" pitchFamily="34" charset="0"/>
               </a:rPr>
-              <a:t> {}</a:t>
+              <a:t> </a:t>
             </a:r>
+            <a:r>
+              <a:rPr lang="en-US" sz="800" dirty="0" smtClean="0">
+                <a:latin typeface="Arial" panose="020B0604020202020204" pitchFamily="34" charset="0"/>
+                <a:cs typeface="Arial" panose="020B0604020202020204" pitchFamily="34" charset="0"/>
+              </a:rPr>
+              <a:t>{</a:t>
+            </a:r>
+            <a:r>
+              <a:rPr lang="en-US" sz="400" dirty="0" smtClean="0">
+                <a:latin typeface="Arial" panose="020B0604020202020204" pitchFamily="34" charset="0"/>
+                <a:cs typeface="Arial" panose="020B0604020202020204" pitchFamily="34" charset="0"/>
+              </a:rPr>
+              <a:t> </a:t>
+            </a:r>
+            <a:r>
+              <a:rPr lang="en-US" sz="800" dirty="0" smtClean="0">
+                <a:latin typeface="Arial" panose="020B0604020202020204" pitchFamily="34" charset="0"/>
+                <a:cs typeface="Arial" panose="020B0604020202020204" pitchFamily="34" charset="0"/>
+              </a:rPr>
+              <a:t>}</a:t>
+            </a:r>
+            <a:endParaRPr lang="en-US" sz="800" dirty="0" smtClean="0">
+              <a:latin typeface="Arial" panose="020B0604020202020204" pitchFamily="34" charset="0"/>
+              <a:cs typeface="Arial" panose="020B0604020202020204" pitchFamily="34" charset="0"/>
+            </a:endParaRPr>
           </a:p>
           <a:p>
             <a:r>
@@ -15971,7 +16182,21 @@
                 <a:latin typeface="Arial" panose="020B0604020202020204" pitchFamily="34" charset="0"/>
                 <a:cs typeface="Arial" panose="020B0604020202020204" pitchFamily="34" charset="0"/>
               </a:rPr>
-              <a:t>{} </a:t>
+              <a:t>{</a:t>
+            </a:r>
+            <a:r>
+              <a:rPr lang="en-US" sz="400" dirty="0" smtClean="0">
+                <a:latin typeface="Arial" panose="020B0604020202020204" pitchFamily="34" charset="0"/>
+                <a:cs typeface="Arial" panose="020B0604020202020204" pitchFamily="34" charset="0"/>
+              </a:rPr>
+              <a:t> </a:t>
+            </a:r>
+            <a:r>
+              <a:rPr lang="en-US" sz="800" dirty="0" smtClean="0">
+                <a:latin typeface="Arial" panose="020B0604020202020204" pitchFamily="34" charset="0"/>
+                <a:cs typeface="Arial" panose="020B0604020202020204" pitchFamily="34" charset="0"/>
+              </a:rPr>
+              <a:t>} </a:t>
             </a:r>
             <a:endParaRPr lang="en-US" sz="800" dirty="0">
               <a:latin typeface="Arial" panose="020B0604020202020204" pitchFamily="34" charset="0"/>
@@ -16189,7 +16414,7 @@
           <p:spPr>
             <a:xfrm>
               <a:off x="7129189" y="12019304"/>
-              <a:ext cx="1303562" cy="830997"/>
+              <a:ext cx="1332416" cy="830997"/>
             </a:xfrm>
             <a:prstGeom prst="rect">
               <a:avLst/>
@@ -16240,8 +16465,33 @@
                   <a:latin typeface="Arial" panose="020B0604020202020204" pitchFamily="34" charset="0"/>
                   <a:cs typeface="Arial" panose="020B0604020202020204" pitchFamily="34" charset="0"/>
                 </a:rPr>
-                <a:t> {}</a:t>
+                <a:t> </a:t>
               </a:r>
+              <a:r>
+                <a:rPr lang="en-US" sz="800" dirty="0" smtClean="0">
+                  <a:latin typeface="Arial" panose="020B0604020202020204" pitchFamily="34" charset="0"/>
+                  <a:cs typeface="Arial" panose="020B0604020202020204" pitchFamily="34" charset="0"/>
+                </a:rPr>
+                <a:t>{</a:t>
+              </a:r>
+              <a:r>
+                <a:rPr lang="en-US" sz="400" dirty="0" smtClean="0">
+                  <a:latin typeface="Arial" panose="020B0604020202020204" pitchFamily="34" charset="0"/>
+                  <a:cs typeface="Arial" panose="020B0604020202020204" pitchFamily="34" charset="0"/>
+                </a:rPr>
+                <a:t> </a:t>
+              </a:r>
+              <a:r>
+                <a:rPr lang="en-US" sz="800" dirty="0" smtClean="0">
+                  <a:latin typeface="Arial" panose="020B0604020202020204" pitchFamily="34" charset="0"/>
+                  <a:cs typeface="Arial" panose="020B0604020202020204" pitchFamily="34" charset="0"/>
+                </a:rPr>
+                <a:t>}</a:t>
+              </a:r>
+              <a:endParaRPr lang="en-US" sz="800" dirty="0" smtClean="0">
+                <a:latin typeface="Arial" panose="020B0604020202020204" pitchFamily="34" charset="0"/>
+                <a:cs typeface="Arial" panose="020B0604020202020204" pitchFamily="34" charset="0"/>
+              </a:endParaRPr>
             </a:p>
             <a:p>
               <a:r>
@@ -16287,7 +16537,21 @@
                   <a:latin typeface="Arial" panose="020B0604020202020204" pitchFamily="34" charset="0"/>
                   <a:cs typeface="Arial" panose="020B0604020202020204" pitchFamily="34" charset="0"/>
                 </a:rPr>
-                <a:t>{} </a:t>
+                <a:t>{</a:t>
+              </a:r>
+              <a:r>
+                <a:rPr lang="en-US" sz="400" dirty="0" smtClean="0">
+                  <a:latin typeface="Arial" panose="020B0604020202020204" pitchFamily="34" charset="0"/>
+                  <a:cs typeface="Arial" panose="020B0604020202020204" pitchFamily="34" charset="0"/>
+                </a:rPr>
+                <a:t> </a:t>
+              </a:r>
+              <a:r>
+                <a:rPr lang="en-US" sz="800" dirty="0" smtClean="0">
+                  <a:latin typeface="Arial" panose="020B0604020202020204" pitchFamily="34" charset="0"/>
+                  <a:cs typeface="Arial" panose="020B0604020202020204" pitchFamily="34" charset="0"/>
+                </a:rPr>
+                <a:t>} </a:t>
               </a:r>
               <a:endParaRPr lang="en-US" sz="800" dirty="0">
                 <a:latin typeface="Arial" panose="020B0604020202020204" pitchFamily="34" charset="0"/>
@@ -16510,7 +16774,28 @@
                     <a:latin typeface="Arial" panose="020B0604020202020204" pitchFamily="34" charset="0"/>
                     <a:cs typeface="Arial" panose="020B0604020202020204" pitchFamily="34" charset="0"/>
                   </a:rPr>
-                  <a:t> {}</a:t>
+                  <a:t> </a:t>
+                </a:r>
+                <a:r>
+                  <a:rPr lang="en-US" sz="800" dirty="0" smtClean="0">
+                    <a:latin typeface="Arial" panose="020B0604020202020204" pitchFamily="34" charset="0"/>
+                    <a:cs typeface="Arial" panose="020B0604020202020204" pitchFamily="34" charset="0"/>
+                  </a:rPr>
+                  <a:t>{</a:t>
+                </a:r>
+                <a:r>
+                  <a:rPr lang="en-US" sz="400" dirty="0" smtClean="0">
+                    <a:latin typeface="Arial" panose="020B0604020202020204" pitchFamily="34" charset="0"/>
+                    <a:cs typeface="Arial" panose="020B0604020202020204" pitchFamily="34" charset="0"/>
+                  </a:rPr>
+                  <a:t> </a:t>
+                </a:r>
+                <a:r>
+                  <a:rPr lang="en-US" sz="800" dirty="0" smtClean="0">
+                    <a:latin typeface="Arial" panose="020B0604020202020204" pitchFamily="34" charset="0"/>
+                    <a:cs typeface="Arial" panose="020B0604020202020204" pitchFamily="34" charset="0"/>
+                  </a:rPr>
+                  <a:t>}</a:t>
                 </a:r>
                 <a:endParaRPr lang="en-US" sz="800" dirty="0">
                   <a:latin typeface="Arial" panose="020B0604020202020204" pitchFamily="34" charset="0"/>
@@ -17273,7 +17558,14 @@
                 <a:latin typeface="Arial" panose="020B0604020202020204" pitchFamily="34" charset="0"/>
                 <a:cs typeface="Arial" panose="020B0604020202020204" pitchFamily="34" charset="0"/>
               </a:rPr>
-              <a:t>WebPKI.org/AR 20150929</a:t>
+              <a:t>WebPKI.org/AR </a:t>
+            </a:r>
+            <a:r>
+              <a:rPr lang="en-US" sz="700" dirty="0" smtClean="0">
+                <a:latin typeface="Arial" panose="020B0604020202020204" pitchFamily="34" charset="0"/>
+                <a:cs typeface="Arial" panose="020B0604020202020204" pitchFamily="34" charset="0"/>
+              </a:rPr>
+              <a:t>20151001</a:t>
             </a:r>
             <a:endParaRPr lang="en-US" sz="700" dirty="0">
               <a:latin typeface="Arial" panose="020B0604020202020204" pitchFamily="34" charset="0"/>
@@ -17607,7 +17899,7 @@
           <p:spPr>
             <a:xfrm>
               <a:off x="6878502" y="6953746"/>
-              <a:ext cx="1289135" cy="707886"/>
+              <a:ext cx="1317990" cy="707886"/>
             </a:xfrm>
             <a:prstGeom prst="rect">
               <a:avLst/>
@@ -17665,8 +17957,26 @@
                   <a:latin typeface="Arial" panose="020B0604020202020204" pitchFamily="34" charset="0"/>
                   <a:cs typeface="Arial" panose="020B0604020202020204" pitchFamily="34" charset="0"/>
                 </a:rPr>
-                <a:t>{}</a:t>
+                <a:t>{</a:t>
               </a:r>
+              <a:r>
+                <a:rPr lang="en-US" sz="400" dirty="0" smtClean="0">
+                  <a:latin typeface="Arial" panose="020B0604020202020204" pitchFamily="34" charset="0"/>
+                  <a:cs typeface="Arial" panose="020B0604020202020204" pitchFamily="34" charset="0"/>
+                </a:rPr>
+                <a:t> </a:t>
+              </a:r>
+              <a:r>
+                <a:rPr lang="en-US" sz="800" dirty="0" smtClean="0">
+                  <a:latin typeface="Arial" panose="020B0604020202020204" pitchFamily="34" charset="0"/>
+                  <a:cs typeface="Arial" panose="020B0604020202020204" pitchFamily="34" charset="0"/>
+                </a:rPr>
+                <a:t>}</a:t>
+              </a:r>
+              <a:endParaRPr lang="en-US" sz="800" dirty="0" smtClean="0">
+                <a:latin typeface="Arial" panose="020B0604020202020204" pitchFamily="34" charset="0"/>
+                <a:cs typeface="Arial" panose="020B0604020202020204" pitchFamily="34" charset="0"/>
+              </a:endParaRPr>
             </a:p>
             <a:p>
               <a:r>
@@ -17710,7 +18020,21 @@
                   <a:latin typeface="Arial" panose="020B0604020202020204" pitchFamily="34" charset="0"/>
                   <a:cs typeface="Arial" panose="020B0604020202020204" pitchFamily="34" charset="0"/>
                 </a:rPr>
-                <a:t>{}</a:t>
+                <a:t>{</a:t>
+              </a:r>
+              <a:r>
+                <a:rPr lang="en-US" sz="400" dirty="0" smtClean="0">
+                  <a:latin typeface="Arial" panose="020B0604020202020204" pitchFamily="34" charset="0"/>
+                  <a:cs typeface="Arial" panose="020B0604020202020204" pitchFamily="34" charset="0"/>
+                </a:rPr>
+                <a:t> </a:t>
+              </a:r>
+              <a:r>
+                <a:rPr lang="en-US" sz="800" dirty="0" smtClean="0">
+                  <a:latin typeface="Arial" panose="020B0604020202020204" pitchFamily="34" charset="0"/>
+                  <a:cs typeface="Arial" panose="020B0604020202020204" pitchFamily="34" charset="0"/>
+                </a:rPr>
+                <a:t>}</a:t>
               </a:r>
               <a:endParaRPr lang="en-US" sz="800" dirty="0">
                 <a:latin typeface="Arial" panose="020B0604020202020204" pitchFamily="34" charset="0"/>
@@ -18140,7 +18464,21 @@
                   <a:latin typeface="Arial" panose="020B0604020202020204" pitchFamily="34" charset="0"/>
                   <a:cs typeface="Arial" panose="020B0604020202020204" pitchFamily="34" charset="0"/>
                 </a:rPr>
-                <a:t>{}</a:t>
+                <a:t>{</a:t>
+              </a:r>
+              <a:r>
+                <a:rPr lang="en-US" sz="400" dirty="0" smtClean="0">
+                  <a:latin typeface="Arial" panose="020B0604020202020204" pitchFamily="34" charset="0"/>
+                  <a:cs typeface="Arial" panose="020B0604020202020204" pitchFamily="34" charset="0"/>
+                </a:rPr>
+                <a:t> </a:t>
+              </a:r>
+              <a:r>
+                <a:rPr lang="en-US" sz="800" dirty="0" smtClean="0">
+                  <a:latin typeface="Arial" panose="020B0604020202020204" pitchFamily="34" charset="0"/>
+                  <a:cs typeface="Arial" panose="020B0604020202020204" pitchFamily="34" charset="0"/>
+                </a:rPr>
+                <a:t>}</a:t>
               </a:r>
               <a:endParaRPr lang="en-US" sz="800" dirty="0">
                 <a:latin typeface="Arial" panose="020B0604020202020204" pitchFamily="34" charset="0"/>
@@ -18209,7 +18547,7 @@
           <p:spPr>
             <a:xfrm>
               <a:off x="1963623" y="13446648"/>
-              <a:ext cx="1303562" cy="830997"/>
+              <a:ext cx="1332416" cy="830997"/>
             </a:xfrm>
             <a:prstGeom prst="rect">
               <a:avLst/>
@@ -18260,8 +18598,33 @@
                   <a:latin typeface="Arial" panose="020B0604020202020204" pitchFamily="34" charset="0"/>
                   <a:cs typeface="Arial" panose="020B0604020202020204" pitchFamily="34" charset="0"/>
                 </a:rPr>
-                <a:t> {}</a:t>
+                <a:t> </a:t>
               </a:r>
+              <a:r>
+                <a:rPr lang="en-US" sz="800" dirty="0" smtClean="0">
+                  <a:latin typeface="Arial" panose="020B0604020202020204" pitchFamily="34" charset="0"/>
+                  <a:cs typeface="Arial" panose="020B0604020202020204" pitchFamily="34" charset="0"/>
+                </a:rPr>
+                <a:t>{</a:t>
+              </a:r>
+              <a:r>
+                <a:rPr lang="en-US" sz="400" dirty="0" smtClean="0">
+                  <a:latin typeface="Arial" panose="020B0604020202020204" pitchFamily="34" charset="0"/>
+                  <a:cs typeface="Arial" panose="020B0604020202020204" pitchFamily="34" charset="0"/>
+                </a:rPr>
+                <a:t> </a:t>
+              </a:r>
+              <a:r>
+                <a:rPr lang="en-US" sz="800" dirty="0" smtClean="0">
+                  <a:latin typeface="Arial" panose="020B0604020202020204" pitchFamily="34" charset="0"/>
+                  <a:cs typeface="Arial" panose="020B0604020202020204" pitchFamily="34" charset="0"/>
+                </a:rPr>
+                <a:t>}</a:t>
+              </a:r>
+              <a:endParaRPr lang="en-US" sz="800" dirty="0" smtClean="0">
+                <a:latin typeface="Arial" panose="020B0604020202020204" pitchFamily="34" charset="0"/>
+                <a:cs typeface="Arial" panose="020B0604020202020204" pitchFamily="34" charset="0"/>
+              </a:endParaRPr>
             </a:p>
             <a:p>
               <a:r>
@@ -18294,7 +18657,28 @@
                   <a:latin typeface="Arial" panose="020B0604020202020204" pitchFamily="34" charset="0"/>
                   <a:cs typeface="Arial" panose="020B0604020202020204" pitchFamily="34" charset="0"/>
                 </a:rPr>
-                <a:t> {} </a:t>
+                <a:t> </a:t>
+              </a:r>
+              <a:r>
+                <a:rPr lang="en-US" sz="800" dirty="0" smtClean="0">
+                  <a:latin typeface="Arial" panose="020B0604020202020204" pitchFamily="34" charset="0"/>
+                  <a:cs typeface="Arial" panose="020B0604020202020204" pitchFamily="34" charset="0"/>
+                </a:rPr>
+                <a:t>{</a:t>
+              </a:r>
+              <a:r>
+                <a:rPr lang="en-US" sz="400" dirty="0" smtClean="0">
+                  <a:latin typeface="Arial" panose="020B0604020202020204" pitchFamily="34" charset="0"/>
+                  <a:cs typeface="Arial" panose="020B0604020202020204" pitchFamily="34" charset="0"/>
+                </a:rPr>
+                <a:t> </a:t>
+              </a:r>
+              <a:r>
+                <a:rPr lang="en-US" sz="800" dirty="0" smtClean="0">
+                  <a:latin typeface="Arial" panose="020B0604020202020204" pitchFamily="34" charset="0"/>
+                  <a:cs typeface="Arial" panose="020B0604020202020204" pitchFamily="34" charset="0"/>
+                </a:rPr>
+                <a:t>} </a:t>
               </a:r>
               <a:endParaRPr lang="en-US" sz="800" dirty="0">
                 <a:latin typeface="Arial" panose="020B0604020202020204" pitchFamily="34" charset="0"/>
@@ -18517,7 +18901,28 @@
                     <a:latin typeface="Arial" panose="020B0604020202020204" pitchFamily="34" charset="0"/>
                     <a:cs typeface="Arial" panose="020B0604020202020204" pitchFamily="34" charset="0"/>
                   </a:rPr>
-                  <a:t> {}</a:t>
+                  <a:t> </a:t>
+                </a:r>
+                <a:r>
+                  <a:rPr lang="en-US" sz="800" dirty="0" smtClean="0">
+                    <a:latin typeface="Arial" panose="020B0604020202020204" pitchFamily="34" charset="0"/>
+                    <a:cs typeface="Arial" panose="020B0604020202020204" pitchFamily="34" charset="0"/>
+                  </a:rPr>
+                  <a:t>{</a:t>
+                </a:r>
+                <a:r>
+                  <a:rPr lang="en-US" sz="400" dirty="0" smtClean="0">
+                    <a:latin typeface="Arial" panose="020B0604020202020204" pitchFamily="34" charset="0"/>
+                    <a:cs typeface="Arial" panose="020B0604020202020204" pitchFamily="34" charset="0"/>
+                  </a:rPr>
+                  <a:t> </a:t>
+                </a:r>
+                <a:r>
+                  <a:rPr lang="en-US" sz="800" dirty="0" smtClean="0">
+                    <a:latin typeface="Arial" panose="020B0604020202020204" pitchFamily="34" charset="0"/>
+                    <a:cs typeface="Arial" panose="020B0604020202020204" pitchFamily="34" charset="0"/>
+                  </a:rPr>
+                  <a:t>}</a:t>
                 </a:r>
                 <a:endParaRPr lang="en-US" sz="800" dirty="0">
                   <a:latin typeface="Arial" panose="020B0604020202020204" pitchFamily="34" charset="0"/>
@@ -18861,7 +19266,7 @@
           <p:spPr>
             <a:xfrm>
               <a:off x="9470369" y="14494770"/>
-              <a:ext cx="865943" cy="461665"/>
+              <a:ext cx="894797" cy="461665"/>
             </a:xfrm>
             <a:prstGeom prst="rect">
               <a:avLst/>
@@ -18891,8 +19296,33 @@
                   <a:latin typeface="Arial" panose="020B0604020202020204" pitchFamily="34" charset="0"/>
                   <a:cs typeface="Arial" panose="020B0604020202020204" pitchFamily="34" charset="0"/>
                 </a:rPr>
-                <a:t> {}</a:t>
+                <a:t> </a:t>
               </a:r>
+              <a:r>
+                <a:rPr lang="en-US" sz="800" dirty="0" smtClean="0">
+                  <a:latin typeface="Arial" panose="020B0604020202020204" pitchFamily="34" charset="0"/>
+                  <a:cs typeface="Arial" panose="020B0604020202020204" pitchFamily="34" charset="0"/>
+                </a:rPr>
+                <a:t>{</a:t>
+              </a:r>
+              <a:r>
+                <a:rPr lang="en-US" sz="400" dirty="0" smtClean="0">
+                  <a:latin typeface="Arial" panose="020B0604020202020204" pitchFamily="34" charset="0"/>
+                  <a:cs typeface="Arial" panose="020B0604020202020204" pitchFamily="34" charset="0"/>
+                </a:rPr>
+                <a:t> </a:t>
+              </a:r>
+              <a:r>
+                <a:rPr lang="en-US" sz="800" dirty="0" smtClean="0">
+                  <a:latin typeface="Arial" panose="020B0604020202020204" pitchFamily="34" charset="0"/>
+                  <a:cs typeface="Arial" panose="020B0604020202020204" pitchFamily="34" charset="0"/>
+                </a:rPr>
+                <a:t>}</a:t>
+              </a:r>
+              <a:endParaRPr lang="en-US" sz="800" dirty="0">
+                <a:latin typeface="Arial" panose="020B0604020202020204" pitchFamily="34" charset="0"/>
+                <a:cs typeface="Arial" panose="020B0604020202020204" pitchFamily="34" charset="0"/>
+              </a:endParaRPr>
             </a:p>
             <a:p>
               <a:r>
@@ -18929,7 +19359,21 @@
                   <a:latin typeface="Arial" panose="020B0604020202020204" pitchFamily="34" charset="0"/>
                   <a:cs typeface="Arial" panose="020B0604020202020204" pitchFamily="34" charset="0"/>
                 </a:rPr>
-                <a:t>{} </a:t>
+                <a:t>{</a:t>
+              </a:r>
+              <a:r>
+                <a:rPr lang="en-US" sz="400" dirty="0" smtClean="0">
+                  <a:latin typeface="Arial" panose="020B0604020202020204" pitchFamily="34" charset="0"/>
+                  <a:cs typeface="Arial" panose="020B0604020202020204" pitchFamily="34" charset="0"/>
+                </a:rPr>
+                <a:t> </a:t>
+              </a:r>
+              <a:r>
+                <a:rPr lang="en-US" sz="800" dirty="0" smtClean="0">
+                  <a:latin typeface="Arial" panose="020B0604020202020204" pitchFamily="34" charset="0"/>
+                  <a:cs typeface="Arial" panose="020B0604020202020204" pitchFamily="34" charset="0"/>
+                </a:rPr>
+                <a:t>} </a:t>
               </a:r>
               <a:endParaRPr lang="en-US" sz="800" dirty="0">
                 <a:latin typeface="Arial" panose="020B0604020202020204" pitchFamily="34" charset="0"/>

--- a/webpayment.resources/docs/webpay-card-payment-statediagram.pptx
+++ b/webpayment.resources/docs/webpay-card-payment-statediagram.pptx
@@ -192,7 +192,7 @@
           <a:p>
             <a:fld id="{EC8C8056-B549-4FBF-9C23-C3E3767DB98D}" type="datetimeFigureOut">
               <a:rPr lang="en-US" smtClean="0"/>
-              <a:t>2015-10-01</a:t>
+              <a:t>2015-10-03</a:t>
             </a:fld>
             <a:endParaRPr lang="en-US"/>
           </a:p>
@@ -905,7 +905,7 @@
         <p:spPr>
           <a:xfrm>
             <a:off x="472023" y="906290"/>
-            <a:ext cx="0" cy="15912000"/>
+            <a:ext cx="0" cy="15552000"/>
           </a:xfrm>
           <a:prstGeom prst="line">
             <a:avLst/>
@@ -13338,14 +13338,7 @@
                 <a:latin typeface="Arial" panose="020B0604020202020204" pitchFamily="34" charset="0"/>
                 <a:cs typeface="Arial" panose="020B0604020202020204" pitchFamily="34" charset="0"/>
               </a:rPr>
-              <a:t> </a:t>
-            </a:r>
-            <a:r>
-              <a:rPr lang="en-US" sz="800" dirty="0" smtClean="0">
-                <a:latin typeface="Arial" panose="020B0604020202020204" pitchFamily="34" charset="0"/>
-                <a:cs typeface="Arial" panose="020B0604020202020204" pitchFamily="34" charset="0"/>
-              </a:rPr>
-              <a:t>{</a:t>
+              <a:t> {</a:t>
             </a:r>
             <a:r>
               <a:rPr lang="en-US" sz="400" dirty="0" smtClean="0">
@@ -13361,10 +13354,6 @@
               </a:rPr>
               <a:t>} </a:t>
             </a:r>
-            <a:endParaRPr lang="en-US" sz="800" dirty="0" smtClean="0">
-              <a:latin typeface="Arial" panose="020B0604020202020204" pitchFamily="34" charset="0"/>
-              <a:cs typeface="Arial" panose="020B0604020202020204" pitchFamily="34" charset="0"/>
-            </a:endParaRPr>
           </a:p>
         </p:txBody>
       </p:sp>
@@ -14878,14 +14867,7 @@
                 <a:latin typeface="Arial" panose="020B0604020202020204" pitchFamily="34" charset="0"/>
                 <a:cs typeface="Arial" panose="020B0604020202020204" pitchFamily="34" charset="0"/>
               </a:rPr>
-              <a:t>indow </a:t>
-            </a:r>
-            <a:r>
-              <a:rPr lang="en-US" sz="800" dirty="0" smtClean="0">
-                <a:latin typeface="Arial" panose="020B0604020202020204" pitchFamily="34" charset="0"/>
-                <a:cs typeface="Arial" panose="020B0604020202020204" pitchFamily="34" charset="0"/>
-              </a:rPr>
-              <a:t>{</a:t>
+              <a:t>indow {</a:t>
             </a:r>
             <a:r>
               <a:rPr lang="en-US" sz="400" dirty="0" smtClean="0">
@@ -14901,10 +14883,6 @@
               </a:rPr>
               <a:t>}</a:t>
             </a:r>
-            <a:endParaRPr lang="en-US" sz="800" dirty="0" smtClean="0">
-              <a:latin typeface="Arial" panose="020B0604020202020204" pitchFamily="34" charset="0"/>
-              <a:cs typeface="Arial" panose="020B0604020202020204" pitchFamily="34" charset="0"/>
-            </a:endParaRPr>
           </a:p>
         </p:txBody>
       </p:sp>
@@ -15284,14 +15262,7 @@
                   <a:latin typeface="Arial" panose="020B0604020202020204" pitchFamily="34" charset="0"/>
                   <a:cs typeface="Arial" panose="020B0604020202020204" pitchFamily="34" charset="0"/>
                 </a:rPr>
-                <a:t> </a:t>
-              </a:r>
-              <a:r>
-                <a:rPr lang="en-US" sz="800" dirty="0" smtClean="0">
-                  <a:latin typeface="Arial" panose="020B0604020202020204" pitchFamily="34" charset="0"/>
-                  <a:cs typeface="Arial" panose="020B0604020202020204" pitchFamily="34" charset="0"/>
-                </a:rPr>
-                <a:t>{</a:t>
+                <a:t> {</a:t>
               </a:r>
               <a:r>
                 <a:rPr lang="en-US" sz="400" dirty="0" smtClean="0">
@@ -15305,14 +15276,7 @@
                   <a:latin typeface="Arial" panose="020B0604020202020204" pitchFamily="34" charset="0"/>
                   <a:cs typeface="Arial" panose="020B0604020202020204" pitchFamily="34" charset="0"/>
                 </a:rPr>
-                <a:t>}  </a:t>
-              </a:r>
-              <a:r>
-                <a:rPr lang="en-US" sz="800" dirty="0" smtClean="0">
-                  <a:latin typeface="Arial" panose="020B0604020202020204" pitchFamily="34" charset="0"/>
-                  <a:cs typeface="Arial" panose="020B0604020202020204" pitchFamily="34" charset="0"/>
-                </a:rPr>
-                <a:t>◄</a:t>
+                <a:t>}  ◄</a:t>
               </a:r>
             </a:p>
             <a:p>
@@ -15375,14 +15339,7 @@
                   <a:latin typeface="Arial" panose="020B0604020202020204" pitchFamily="34" charset="0"/>
                   <a:cs typeface="Arial" panose="020B0604020202020204" pitchFamily="34" charset="0"/>
                 </a:rPr>
-                <a:t>} </a:t>
-              </a:r>
-              <a:r>
-                <a:rPr lang="en-US" sz="800" dirty="0" smtClean="0">
-                  <a:latin typeface="Arial" panose="020B0604020202020204" pitchFamily="34" charset="0"/>
-                  <a:cs typeface="Arial" panose="020B0604020202020204" pitchFamily="34" charset="0"/>
-                </a:rPr>
-                <a:t>◄</a:t>
+                <a:t>} ◄</a:t>
               </a:r>
               <a:endParaRPr lang="en-US" sz="800" dirty="0">
                 <a:latin typeface="Arial" panose="020B0604020202020204" pitchFamily="34" charset="0"/>
@@ -15605,14 +15562,7 @@
                     <a:latin typeface="Arial" panose="020B0604020202020204" pitchFamily="34" charset="0"/>
                     <a:cs typeface="Arial" panose="020B0604020202020204" pitchFamily="34" charset="0"/>
                   </a:rPr>
-                  <a:t> </a:t>
-                </a:r>
-                <a:r>
-                  <a:rPr lang="en-US" sz="800" dirty="0" smtClean="0">
-                    <a:latin typeface="Arial" panose="020B0604020202020204" pitchFamily="34" charset="0"/>
-                    <a:cs typeface="Arial" panose="020B0604020202020204" pitchFamily="34" charset="0"/>
-                  </a:rPr>
-                  <a:t>{</a:t>
+                  <a:t> {</a:t>
                 </a:r>
                 <a:r>
                   <a:rPr lang="en-US" sz="400" dirty="0" smtClean="0">
@@ -15791,10 +15741,6 @@
                 </a:rPr>
                 <a:t>}</a:t>
               </a:r>
-              <a:endParaRPr lang="en-US" sz="800" dirty="0" smtClean="0">
-                <a:latin typeface="Arial" panose="020B0604020202020204" pitchFamily="34" charset="0"/>
-                <a:cs typeface="Arial" panose="020B0604020202020204" pitchFamily="34" charset="0"/>
-              </a:endParaRPr>
             </a:p>
             <a:p>
               <a:r>
@@ -16029,14 +15975,7 @@
                 <a:latin typeface="Arial" panose="020B0604020202020204" pitchFamily="34" charset="0"/>
                 <a:cs typeface="Arial" panose="020B0604020202020204" pitchFamily="34" charset="0"/>
               </a:rPr>
-              <a:t> </a:t>
-            </a:r>
-            <a:r>
-              <a:rPr lang="en-US" sz="800" dirty="0" smtClean="0">
-                <a:latin typeface="Arial" panose="020B0604020202020204" pitchFamily="34" charset="0"/>
-                <a:cs typeface="Arial" panose="020B0604020202020204" pitchFamily="34" charset="0"/>
-              </a:rPr>
-              <a:t>{</a:t>
+              <a:t> {</a:t>
             </a:r>
             <a:r>
               <a:rPr lang="en-US" sz="400" dirty="0" smtClean="0">
@@ -16052,10 +15991,6 @@
               </a:rPr>
               <a:t>}</a:t>
             </a:r>
-            <a:endParaRPr lang="en-US" sz="800" dirty="0" smtClean="0">
-              <a:latin typeface="Arial" panose="020B0604020202020204" pitchFamily="34" charset="0"/>
-              <a:cs typeface="Arial" panose="020B0604020202020204" pitchFamily="34" charset="0"/>
-            </a:endParaRPr>
           </a:p>
           <a:p>
             <a:r>
@@ -16070,14 +16005,7 @@
                 <a:latin typeface="Arial" panose="020B0604020202020204" pitchFamily="34" charset="0"/>
                 <a:cs typeface="Arial" panose="020B0604020202020204" pitchFamily="34" charset="0"/>
               </a:rPr>
-              <a:t> </a:t>
-            </a:r>
-            <a:r>
-              <a:rPr lang="en-US" sz="800" dirty="0" smtClean="0">
-                <a:latin typeface="Arial" panose="020B0604020202020204" pitchFamily="34" charset="0"/>
-                <a:cs typeface="Arial" panose="020B0604020202020204" pitchFamily="34" charset="0"/>
-              </a:rPr>
-              <a:t>{</a:t>
+              <a:t> {</a:t>
             </a:r>
             <a:r>
               <a:rPr lang="en-US" sz="400" dirty="0" smtClean="0">
@@ -16093,10 +16021,6 @@
               </a:rPr>
               <a:t>}</a:t>
             </a:r>
-            <a:endParaRPr lang="en-US" sz="800" dirty="0" smtClean="0">
-              <a:latin typeface="Arial" panose="020B0604020202020204" pitchFamily="34" charset="0"/>
-              <a:cs typeface="Arial" panose="020B0604020202020204" pitchFamily="34" charset="0"/>
-            </a:endParaRPr>
           </a:p>
           <a:p>
             <a:r>
@@ -16465,14 +16389,7 @@
                   <a:latin typeface="Arial" panose="020B0604020202020204" pitchFamily="34" charset="0"/>
                   <a:cs typeface="Arial" panose="020B0604020202020204" pitchFamily="34" charset="0"/>
                 </a:rPr>
-                <a:t> </a:t>
-              </a:r>
-              <a:r>
-                <a:rPr lang="en-US" sz="800" dirty="0" smtClean="0">
-                  <a:latin typeface="Arial" panose="020B0604020202020204" pitchFamily="34" charset="0"/>
-                  <a:cs typeface="Arial" panose="020B0604020202020204" pitchFamily="34" charset="0"/>
-                </a:rPr>
-                <a:t>{</a:t>
+                <a:t> {</a:t>
               </a:r>
               <a:r>
                 <a:rPr lang="en-US" sz="400" dirty="0" smtClean="0">
@@ -16488,10 +16405,6 @@
                 </a:rPr>
                 <a:t>}</a:t>
               </a:r>
-              <a:endParaRPr lang="en-US" sz="800" dirty="0" smtClean="0">
-                <a:latin typeface="Arial" panose="020B0604020202020204" pitchFamily="34" charset="0"/>
-                <a:cs typeface="Arial" panose="020B0604020202020204" pitchFamily="34" charset="0"/>
-              </a:endParaRPr>
             </a:p>
             <a:p>
               <a:r>
@@ -16774,14 +16687,7 @@
                     <a:latin typeface="Arial" panose="020B0604020202020204" pitchFamily="34" charset="0"/>
                     <a:cs typeface="Arial" panose="020B0604020202020204" pitchFamily="34" charset="0"/>
                   </a:rPr>
-                  <a:t> </a:t>
-                </a:r>
-                <a:r>
-                  <a:rPr lang="en-US" sz="800" dirty="0" smtClean="0">
-                    <a:latin typeface="Arial" panose="020B0604020202020204" pitchFamily="34" charset="0"/>
-                    <a:cs typeface="Arial" panose="020B0604020202020204" pitchFamily="34" charset="0"/>
-                  </a:rPr>
-                  <a:t>{</a:t>
+                  <a:t> {</a:t>
                 </a:r>
                 <a:r>
                   <a:rPr lang="en-US" sz="400" dirty="0" smtClean="0">
@@ -17558,14 +17464,7 @@
                 <a:latin typeface="Arial" panose="020B0604020202020204" pitchFamily="34" charset="0"/>
                 <a:cs typeface="Arial" panose="020B0604020202020204" pitchFamily="34" charset="0"/>
               </a:rPr>
-              <a:t>WebPKI.org/AR </a:t>
-            </a:r>
-            <a:r>
-              <a:rPr lang="en-US" sz="700" dirty="0" smtClean="0">
-                <a:latin typeface="Arial" panose="020B0604020202020204" pitchFamily="34" charset="0"/>
-                <a:cs typeface="Arial" panose="020B0604020202020204" pitchFamily="34" charset="0"/>
-              </a:rPr>
-              <a:t>20151001</a:t>
+              <a:t>AR-20151003</a:t>
             </a:r>
             <a:endParaRPr lang="en-US" sz="700" dirty="0">
               <a:latin typeface="Arial" panose="020B0604020202020204" pitchFamily="34" charset="0"/>
@@ -17973,10 +17872,6 @@
                 </a:rPr>
                 <a:t>}</a:t>
               </a:r>
-              <a:endParaRPr lang="en-US" sz="800" dirty="0" smtClean="0">
-                <a:latin typeface="Arial" panose="020B0604020202020204" pitchFamily="34" charset="0"/>
-                <a:cs typeface="Arial" panose="020B0604020202020204" pitchFamily="34" charset="0"/>
-              </a:endParaRPr>
             </a:p>
             <a:p>
               <a:r>
@@ -18598,14 +18493,7 @@
                   <a:latin typeface="Arial" panose="020B0604020202020204" pitchFamily="34" charset="0"/>
                   <a:cs typeface="Arial" panose="020B0604020202020204" pitchFamily="34" charset="0"/>
                 </a:rPr>
-                <a:t> </a:t>
-              </a:r>
-              <a:r>
-                <a:rPr lang="en-US" sz="800" dirty="0" smtClean="0">
-                  <a:latin typeface="Arial" panose="020B0604020202020204" pitchFamily="34" charset="0"/>
-                  <a:cs typeface="Arial" panose="020B0604020202020204" pitchFamily="34" charset="0"/>
-                </a:rPr>
-                <a:t>{</a:t>
+                <a:t> {</a:t>
               </a:r>
               <a:r>
                 <a:rPr lang="en-US" sz="400" dirty="0" smtClean="0">
@@ -18621,10 +18509,6 @@
                 </a:rPr>
                 <a:t>}</a:t>
               </a:r>
-              <a:endParaRPr lang="en-US" sz="800" dirty="0" smtClean="0">
-                <a:latin typeface="Arial" panose="020B0604020202020204" pitchFamily="34" charset="0"/>
-                <a:cs typeface="Arial" panose="020B0604020202020204" pitchFamily="34" charset="0"/>
-              </a:endParaRPr>
             </a:p>
             <a:p>
               <a:r>
@@ -18657,14 +18541,7 @@
                   <a:latin typeface="Arial" panose="020B0604020202020204" pitchFamily="34" charset="0"/>
                   <a:cs typeface="Arial" panose="020B0604020202020204" pitchFamily="34" charset="0"/>
                 </a:rPr>
-                <a:t> </a:t>
-              </a:r>
-              <a:r>
-                <a:rPr lang="en-US" sz="800" dirty="0" smtClean="0">
-                  <a:latin typeface="Arial" panose="020B0604020202020204" pitchFamily="34" charset="0"/>
-                  <a:cs typeface="Arial" panose="020B0604020202020204" pitchFamily="34" charset="0"/>
-                </a:rPr>
-                <a:t>{</a:t>
+                <a:t> {</a:t>
               </a:r>
               <a:r>
                 <a:rPr lang="en-US" sz="400" dirty="0" smtClean="0">
@@ -18901,14 +18778,7 @@
                     <a:latin typeface="Arial" panose="020B0604020202020204" pitchFamily="34" charset="0"/>
                     <a:cs typeface="Arial" panose="020B0604020202020204" pitchFamily="34" charset="0"/>
                   </a:rPr>
-                  <a:t> </a:t>
-                </a:r>
-                <a:r>
-                  <a:rPr lang="en-US" sz="800" dirty="0" smtClean="0">
-                    <a:latin typeface="Arial" panose="020B0604020202020204" pitchFamily="34" charset="0"/>
-                    <a:cs typeface="Arial" panose="020B0604020202020204" pitchFamily="34" charset="0"/>
-                  </a:rPr>
-                  <a:t>{</a:t>
+                  <a:t> {</a:t>
                 </a:r>
                 <a:r>
                   <a:rPr lang="en-US" sz="400" dirty="0" smtClean="0">
@@ -30104,6 +29974,36 @@
           </a:p>
         </p:txBody>
       </p:sp>
+      <p:pic>
+        <p:nvPicPr>
+          <p:cNvPr id="3" name="Picture 2"/>
+          <p:cNvPicPr>
+            <a:picLocks noChangeAspect="1"/>
+          </p:cNvPicPr>
+          <p:nvPr/>
+        </p:nvPicPr>
+        <p:blipFill>
+          <a:blip r:embed="rId4" cstate="print">
+            <a:extLst>
+              <a:ext uri="{28A0092B-C50C-407E-A947-70E740481C1C}">
+                <a14:useLocalDpi xmlns:a14="http://schemas.microsoft.com/office/drawing/2010/main" val="0"/>
+              </a:ext>
+            </a:extLst>
+          </a:blip>
+          <a:stretch>
+            <a:fillRect/>
+          </a:stretch>
+        </p:blipFill>
+        <p:spPr>
+          <a:xfrm>
+            <a:off x="109404" y="16678525"/>
+            <a:ext cx="2187585" cy="977760"/>
+          </a:xfrm>
+          <a:prstGeom prst="rect">
+            <a:avLst/>
+          </a:prstGeom>
+        </p:spPr>
+      </p:pic>
     </p:spTree>
     <p:extLst>
       <p:ext uri="{BB962C8B-B14F-4D97-AF65-F5344CB8AC3E}">
